--- a/ppt-defensa.pptx
+++ b/ppt-defensa.pptx
@@ -2,10 +2,10 @@
 <file path=ppt/presentation.xml><?xml version="1.0" encoding="utf-8"?>
 <p:presentation xmlns:a="http://schemas.openxmlformats.org/drawingml/2006/main" xmlns:r="http://schemas.openxmlformats.org/officeDocument/2006/relationships" xmlns:p="http://schemas.openxmlformats.org/presentationml/2006/main" saveSubsetFonts="1">
   <p:sldMasterIdLst>
-    <p:sldMasterId id="2147483648" r:id="rId1"/>
+    <p:sldMasterId id="2147483660" r:id="rId1"/>
   </p:sldMasterIdLst>
   <p:notesMasterIdLst>
-    <p:notesMasterId r:id="rId25"/>
+    <p:notesMasterId r:id="rId30"/>
   </p:notesMasterIdLst>
   <p:sldIdLst>
     <p:sldId id="256" r:id="rId2"/>
@@ -31,8 +31,13 @@
     <p:sldId id="298" r:id="rId22"/>
     <p:sldId id="299" r:id="rId23"/>
     <p:sldId id="300" r:id="rId24"/>
+    <p:sldId id="302" r:id="rId25"/>
+    <p:sldId id="301" r:id="rId26"/>
+    <p:sldId id="303" r:id="rId27"/>
+    <p:sldId id="304" r:id="rId28"/>
+    <p:sldId id="305" r:id="rId29"/>
   </p:sldIdLst>
-  <p:sldSz cx="12192000" cy="6858000"/>
+  <p:sldSz cx="9144000" cy="6858000" type="screen4x3"/>
   <p:notesSz cx="6858000" cy="9144000"/>
   <p:defaultTextStyle>
     <a:defPPr>
@@ -1152,12 +1157,12 @@
     <dgm:cxn modelId="{D854702E-D8DE-4204-BABD-9C7DC6E3212E}" type="presOf" srcId="{51CBE1AA-AE16-4507-97F8-F1F1E555604E}" destId="{37311926-2A8B-4C4C-A44C-204F5F0FD710}" srcOrd="0" destOrd="0" presId="urn:microsoft.com/office/officeart/2005/8/layout/cycle2"/>
     <dgm:cxn modelId="{752B9EC9-D65D-4717-80E6-EA9534FFE53B}" type="presOf" srcId="{5C8E2945-4321-49DA-95E2-0EF98027F38C}" destId="{C7176718-3917-479F-9504-34D548C915B5}" srcOrd="0" destOrd="0" presId="urn:microsoft.com/office/officeart/2005/8/layout/cycle2"/>
     <dgm:cxn modelId="{5673CE9E-78CE-4B58-8E56-EA29B4250BFC}" srcId="{03E7A159-C309-46C3-8294-6B81F358593A}" destId="{D3ABA2B6-C41E-490A-911C-73CE6BD68259}" srcOrd="0" destOrd="0" parTransId="{45F31BD2-9F35-46C5-B42A-5C48FB53DBB6}" sibTransId="{337644EC-83B6-4611-A95E-0EC59DE0D77A}"/>
+    <dgm:cxn modelId="{4E2AA88A-EA9D-4C0E-B74F-D9480D7DE635}" type="presOf" srcId="{68D4C86A-FA90-499E-9B13-6C25D56EFA6B}" destId="{394C58C6-186C-49FA-998F-0641A934E343}" srcOrd="1" destOrd="0" presId="urn:microsoft.com/office/officeart/2005/8/layout/cycle2"/>
     <dgm:cxn modelId="{4C54F46A-D28F-4832-9E5F-90F4778792BA}" type="presOf" srcId="{51CBE1AA-AE16-4507-97F8-F1F1E555604E}" destId="{BB3BBE82-C04F-457E-8021-AE25168421DE}" srcOrd="1" destOrd="0" presId="urn:microsoft.com/office/officeart/2005/8/layout/cycle2"/>
-    <dgm:cxn modelId="{4E2AA88A-EA9D-4C0E-B74F-D9480D7DE635}" type="presOf" srcId="{68D4C86A-FA90-499E-9B13-6C25D56EFA6B}" destId="{394C58C6-186C-49FA-998F-0641A934E343}" srcOrd="1" destOrd="0" presId="urn:microsoft.com/office/officeart/2005/8/layout/cycle2"/>
     <dgm:cxn modelId="{8077156F-5170-4891-9F67-3A6AD38A03D9}" type="presOf" srcId="{9474E583-2014-4B75-AB52-B5B7B5D215B9}" destId="{06F5E886-E7D3-456B-8D24-E4CA36151A7B}" srcOrd="0" destOrd="0" presId="urn:microsoft.com/office/officeart/2005/8/layout/cycle2"/>
     <dgm:cxn modelId="{54EF3522-7901-4692-9E40-076B2E01A88C}" srcId="{03E7A159-C309-46C3-8294-6B81F358593A}" destId="{9474E583-2014-4B75-AB52-B5B7B5D215B9}" srcOrd="1" destOrd="0" parTransId="{CA9A94C5-8A30-4763-9B76-D93A209ED447}" sibTransId="{68D4C86A-FA90-499E-9B13-6C25D56EFA6B}"/>
+    <dgm:cxn modelId="{D4147B0A-DB54-4022-8B40-9E8E15343B15}" type="presOf" srcId="{68D4C86A-FA90-499E-9B13-6C25D56EFA6B}" destId="{8CB5DCE5-D772-494C-8EF7-F1A91BF218AB}" srcOrd="0" destOrd="0" presId="urn:microsoft.com/office/officeart/2005/8/layout/cycle2"/>
     <dgm:cxn modelId="{9D024C6B-ED68-4C41-ADC7-43EE970B3CD5}" type="presOf" srcId="{03E7A159-C309-46C3-8294-6B81F358593A}" destId="{E4E22BD4-7C9D-4482-9FA8-FA829EA906BE}" srcOrd="0" destOrd="0" presId="urn:microsoft.com/office/officeart/2005/8/layout/cycle2"/>
-    <dgm:cxn modelId="{D4147B0A-DB54-4022-8B40-9E8E15343B15}" type="presOf" srcId="{68D4C86A-FA90-499E-9B13-6C25D56EFA6B}" destId="{8CB5DCE5-D772-494C-8EF7-F1A91BF218AB}" srcOrd="0" destOrd="0" presId="urn:microsoft.com/office/officeart/2005/8/layout/cycle2"/>
     <dgm:cxn modelId="{E4DDF3DC-4793-4758-BCF4-94832688A621}" srcId="{03E7A159-C309-46C3-8294-6B81F358593A}" destId="{5C8E2945-4321-49DA-95E2-0EF98027F38C}" srcOrd="2" destOrd="0" parTransId="{55303D4C-30C8-4E3D-99F1-00E8D00BA876}" sibTransId="{51CBE1AA-AE16-4507-97F8-F1F1E555604E}"/>
     <dgm:cxn modelId="{86DEF13F-A308-45C9-B4DF-0E1C801E072A}" type="presOf" srcId="{D3ABA2B6-C41E-490A-911C-73CE6BD68259}" destId="{C76C1348-8C62-49B3-ABA8-46DE86A2A3CA}" srcOrd="0" destOrd="0" presId="urn:microsoft.com/office/officeart/2005/8/layout/cycle2"/>
     <dgm:cxn modelId="{DD44287B-6CFD-418A-81DE-D3E5B01B0B88}" type="presParOf" srcId="{E4E22BD4-7C9D-4482-9FA8-FA829EA906BE}" destId="{C76C1348-8C62-49B3-ABA8-46DE86A2A3CA}" srcOrd="0" destOrd="0" presId="urn:microsoft.com/office/officeart/2005/8/layout/cycle2"/>
@@ -1195,8 +1200,8 @@
       </dsp:nvSpPr>
       <dsp:spPr>
         <a:xfrm>
-          <a:off x="2490726" y="379195"/>
-          <a:ext cx="1921129" cy="1921129"/>
+          <a:off x="1868045" y="284396"/>
+          <a:ext cx="1440846" cy="1440846"/>
         </a:xfrm>
         <a:prstGeom prst="ellipse">
           <a:avLst/>
@@ -1256,8 +1261,8 @@
         </a:p>
       </dsp:txBody>
       <dsp:txXfrm>
-        <a:off x="2772069" y="660538"/>
-        <a:ext cx="1358443" cy="1358443"/>
+        <a:off x="2079052" y="495403"/>
+        <a:ext cx="1018832" cy="1018832"/>
       </dsp:txXfrm>
     </dsp:sp>
     <dsp:sp modelId="{C2AAD9A6-BC90-4D96-8982-800C7083F0C6}">
@@ -1267,8 +1272,8 @@
       </dsp:nvSpPr>
       <dsp:spPr>
         <a:xfrm rot="3001960">
-          <a:off x="4107593" y="2065504"/>
-          <a:ext cx="447355" cy="648381"/>
+          <a:off x="3080695" y="1549128"/>
+          <a:ext cx="335517" cy="486285"/>
         </a:xfrm>
         <a:prstGeom prst="rightArrow">
           <a:avLst>
@@ -1310,7 +1315,7 @@
         </a:bodyPr>
         <a:lstStyle/>
         <a:p>
-          <a:pPr lvl="0" algn="ctr" defTabSz="1200150">
+          <a:pPr lvl="0" algn="ctr" defTabSz="889000">
             <a:lnSpc>
               <a:spcPct val="90000"/>
             </a:lnSpc>
@@ -1321,12 +1326,12 @@
               <a:spcPct val="35000"/>
             </a:spcAft>
           </a:pPr>
-          <a:endParaRPr lang="es-CL" sz="2700" kern="1200"/>
+          <a:endParaRPr lang="es-CL" sz="2000" kern="1200"/>
         </a:p>
       </dsp:txBody>
       <dsp:txXfrm>
-        <a:off x="4131592" y="2143752"/>
-        <a:ext cx="313149" cy="389029"/>
+        <a:off x="3098695" y="1607813"/>
+        <a:ext cx="234862" cy="291771"/>
       </dsp:txXfrm>
     </dsp:sp>
     <dsp:sp modelId="{06F5E886-E7D3-456B-8D24-E4CA36151A7B}">
@@ -1336,8 +1341,8 @@
       </dsp:nvSpPr>
       <dsp:spPr>
         <a:xfrm>
-          <a:off x="4266953" y="2498471"/>
-          <a:ext cx="1921129" cy="1921129"/>
+          <a:off x="3200214" y="1873854"/>
+          <a:ext cx="1440846" cy="1440846"/>
         </a:xfrm>
         <a:prstGeom prst="ellipse">
           <a:avLst/>
@@ -1397,8 +1402,8 @@
         </a:p>
       </dsp:txBody>
       <dsp:txXfrm>
-        <a:off x="4548296" y="2779814"/>
-        <a:ext cx="1358443" cy="1358443"/>
+        <a:off x="3411221" y="2084861"/>
+        <a:ext cx="1018832" cy="1018832"/>
       </dsp:txXfrm>
     </dsp:sp>
     <dsp:sp modelId="{8CB5DCE5-D772-494C-8EF7-F1A91BF218AB}">
@@ -1408,8 +1413,8 @@
       </dsp:nvSpPr>
       <dsp:spPr>
         <a:xfrm rot="10800000">
-          <a:off x="2980797" y="3134845"/>
-          <a:ext cx="908883" cy="648381"/>
+          <a:off x="2235597" y="2351134"/>
+          <a:ext cx="681662" cy="486285"/>
         </a:xfrm>
         <a:prstGeom prst="rightArrow">
           <a:avLst>
@@ -1451,7 +1456,7 @@
         </a:bodyPr>
         <a:lstStyle/>
         <a:p>
-          <a:pPr lvl="0" algn="ctr" defTabSz="1200150">
+          <a:pPr lvl="0" algn="ctr" defTabSz="889000">
             <a:lnSpc>
               <a:spcPct val="90000"/>
             </a:lnSpc>
@@ -1462,12 +1467,12 @@
               <a:spcPct val="35000"/>
             </a:spcAft>
           </a:pPr>
-          <a:endParaRPr lang="es-CL" sz="2700" kern="1200"/>
+          <a:endParaRPr lang="es-CL" sz="2000" kern="1200"/>
         </a:p>
       </dsp:txBody>
       <dsp:txXfrm rot="10800000">
-        <a:off x="3175311" y="3264521"/>
-        <a:ext cx="714369" cy="389029"/>
+        <a:off x="2381482" y="2448391"/>
+        <a:ext cx="535777" cy="291771"/>
       </dsp:txXfrm>
     </dsp:sp>
     <dsp:sp modelId="{C7176718-3917-479F-9504-34D548C915B5}">
@@ -1477,8 +1482,8 @@
       </dsp:nvSpPr>
       <dsp:spPr>
         <a:xfrm>
-          <a:off x="630949" y="2498471"/>
-          <a:ext cx="1921129" cy="1921129"/>
+          <a:off x="473212" y="1873854"/>
+          <a:ext cx="1440846" cy="1440846"/>
         </a:xfrm>
         <a:prstGeom prst="ellipse">
           <a:avLst/>
@@ -1538,8 +1543,8 @@
         </a:p>
       </dsp:txBody>
       <dsp:txXfrm>
-        <a:off x="912292" y="2779814"/>
-        <a:ext cx="1358443" cy="1358443"/>
+        <a:off x="684219" y="2084861"/>
+        <a:ext cx="1018832" cy="1018832"/>
       </dsp:txXfrm>
     </dsp:sp>
     <dsp:sp modelId="{37311926-2A8B-4C4C-A44C-204F5F0FD710}">
@@ -1549,8 +1554,8 @@
       </dsp:nvSpPr>
       <dsp:spPr>
         <a:xfrm rot="18676120">
-          <a:off x="2274420" y="2085337"/>
-          <a:ext cx="476185" cy="648381"/>
+          <a:off x="1705815" y="1564003"/>
+          <a:ext cx="357139" cy="486285"/>
         </a:xfrm>
         <a:prstGeom prst="rightArrow">
           <a:avLst>
@@ -1592,7 +1597,7 @@
         </a:bodyPr>
         <a:lstStyle/>
         <a:p>
-          <a:pPr lvl="0" algn="ctr" defTabSz="1200150">
+          <a:pPr lvl="0" algn="ctr" defTabSz="889000">
             <a:lnSpc>
               <a:spcPct val="90000"/>
             </a:lnSpc>
@@ -1603,12 +1608,12 @@
               <a:spcPct val="35000"/>
             </a:spcAft>
           </a:pPr>
-          <a:endParaRPr lang="es-CL" sz="2700" kern="1200"/>
+          <a:endParaRPr lang="es-CL" sz="2000" kern="1200"/>
         </a:p>
       </dsp:txBody>
       <dsp:txXfrm>
-        <a:off x="2298735" y="2268700"/>
-        <a:ext cx="333330" cy="389029"/>
+        <a:off x="1724051" y="1701525"/>
+        <a:ext cx="249997" cy="291771"/>
       </dsp:txXfrm>
     </dsp:sp>
   </dsp:spTree>
@@ -2942,7 +2947,7 @@
           <a:p>
             <a:fld id="{2415FF8C-3E37-4468-80E3-B9B037598718}" type="datetimeFigureOut">
               <a:rPr lang="es-CL" smtClean="0"/>
-              <a:t>06-12-2016</a:t>
+              <a:t>07-12-2016</a:t>
             </a:fld>
             <a:endParaRPr lang="es-CL"/>
           </a:p>
@@ -2960,8 +2965,8 @@
         </p:nvSpPr>
         <p:spPr>
           <a:xfrm>
-            <a:off x="685800" y="1143000"/>
-            <a:ext cx="5486400" cy="3086100"/>
+            <a:off x="1371600" y="1143000"/>
+            <a:ext cx="4114800" cy="3086100"/>
           </a:xfrm>
           <a:prstGeom prst="rect">
             <a:avLst/>
@@ -3237,7 +3242,12 @@
             <p:ph type="sldImg"/>
           </p:nvPr>
         </p:nvSpPr>
-        <p:spPr/>
+        <p:spPr>
+          <a:xfrm>
+            <a:off x="1371600" y="1143000"/>
+            <a:ext cx="4114800" cy="3086100"/>
+          </a:xfrm>
+        </p:spPr>
       </p:sp>
       <p:sp>
         <p:nvSpPr>
@@ -3440,7 +3450,12 @@
             <p:ph type="sldImg"/>
           </p:nvPr>
         </p:nvSpPr>
-        <p:spPr/>
+        <p:spPr>
+          <a:xfrm>
+            <a:off x="1371600" y="1143000"/>
+            <a:ext cx="4114800" cy="3086100"/>
+          </a:xfrm>
+        </p:spPr>
       </p:sp>
       <p:sp>
         <p:nvSpPr>
@@ -3503,6 +3518,374 @@
     <p:extLst>
       <p:ext uri="{BB962C8B-B14F-4D97-AF65-F5344CB8AC3E}">
         <p14:creationId xmlns:p14="http://schemas.microsoft.com/office/powerpoint/2010/main" val="61659288"/>
+      </p:ext>
+    </p:extLst>
+  </p:cSld>
+  <p:clrMapOvr>
+    <a:masterClrMapping/>
+  </p:clrMapOvr>
+</p:notes>
+</file>
+
+<file path=ppt/notesSlides/notesSlide11.xml><?xml version="1.0" encoding="utf-8"?>
+<p:notes xmlns:a="http://schemas.openxmlformats.org/drawingml/2006/main" xmlns:r="http://schemas.openxmlformats.org/officeDocument/2006/relationships" xmlns:p="http://schemas.openxmlformats.org/presentationml/2006/main">
+  <p:cSld>
+    <p:spTree>
+      <p:nvGrpSpPr>
+        <p:cNvPr id="1" name=""/>
+        <p:cNvGrpSpPr/>
+        <p:nvPr/>
+      </p:nvGrpSpPr>
+      <p:grpSpPr>
+        <a:xfrm>
+          <a:off x="0" y="0"/>
+          <a:ext cx="0" cy="0"/>
+          <a:chOff x="0" y="0"/>
+          <a:chExt cx="0" cy="0"/>
+        </a:xfrm>
+      </p:grpSpPr>
+      <p:sp>
+        <p:nvSpPr>
+          <p:cNvPr id="2" name="Marcador de imagen de diapositiva 1"/>
+          <p:cNvSpPr>
+            <a:spLocks noGrp="1" noRot="1" noChangeAspect="1"/>
+          </p:cNvSpPr>
+          <p:nvPr>
+            <p:ph type="sldImg"/>
+          </p:nvPr>
+        </p:nvSpPr>
+        <p:spPr>
+          <a:xfrm>
+            <a:off x="1371600" y="1143000"/>
+            <a:ext cx="4114800" cy="3086100"/>
+          </a:xfrm>
+        </p:spPr>
+      </p:sp>
+      <p:sp>
+        <p:nvSpPr>
+          <p:cNvPr id="3" name="Marcador de notas 2"/>
+          <p:cNvSpPr>
+            <a:spLocks noGrp="1"/>
+          </p:cNvSpPr>
+          <p:nvPr>
+            <p:ph type="body" idx="1"/>
+          </p:nvPr>
+        </p:nvSpPr>
+        <p:spPr/>
+        <p:txBody>
+          <a:bodyPr/>
+          <a:lstStyle/>
+          <a:p>
+            <a:r>
+              <a:rPr lang="es-CL" dirty="0" smtClean="0"/>
+              <a:t>Abrir caja</a:t>
+            </a:r>
+          </a:p>
+        </p:txBody>
+      </p:sp>
+      <p:sp>
+        <p:nvSpPr>
+          <p:cNvPr id="4" name="Marcador de número de diapositiva 3"/>
+          <p:cNvSpPr>
+            <a:spLocks noGrp="1"/>
+          </p:cNvSpPr>
+          <p:nvPr>
+            <p:ph type="sldNum" sz="quarter" idx="10"/>
+          </p:nvPr>
+        </p:nvSpPr>
+        <p:spPr/>
+        <p:txBody>
+          <a:bodyPr/>
+          <a:lstStyle/>
+          <a:p>
+            <a:fld id="{27FC5E0A-2988-43C5-A1B8-119F4D562609}" type="slidenum">
+              <a:rPr lang="es-CL" smtClean="0"/>
+              <a:t>25</a:t>
+            </a:fld>
+            <a:endParaRPr lang="es-CL"/>
+          </a:p>
+        </p:txBody>
+      </p:sp>
+    </p:spTree>
+    <p:extLst>
+      <p:ext uri="{BB962C8B-B14F-4D97-AF65-F5344CB8AC3E}">
+        <p14:creationId xmlns:p14="http://schemas.microsoft.com/office/powerpoint/2010/main" val="1714941450"/>
+      </p:ext>
+    </p:extLst>
+  </p:cSld>
+  <p:clrMapOvr>
+    <a:masterClrMapping/>
+  </p:clrMapOvr>
+</p:notes>
+</file>
+
+<file path=ppt/notesSlides/notesSlide12.xml><?xml version="1.0" encoding="utf-8"?>
+<p:notes xmlns:a="http://schemas.openxmlformats.org/drawingml/2006/main" xmlns:r="http://schemas.openxmlformats.org/officeDocument/2006/relationships" xmlns:p="http://schemas.openxmlformats.org/presentationml/2006/main">
+  <p:cSld>
+    <p:spTree>
+      <p:nvGrpSpPr>
+        <p:cNvPr id="1" name=""/>
+        <p:cNvGrpSpPr/>
+        <p:nvPr/>
+      </p:nvGrpSpPr>
+      <p:grpSpPr>
+        <a:xfrm>
+          <a:off x="0" y="0"/>
+          <a:ext cx="0" cy="0"/>
+          <a:chOff x="0" y="0"/>
+          <a:chExt cx="0" cy="0"/>
+        </a:xfrm>
+      </p:grpSpPr>
+      <p:sp>
+        <p:nvSpPr>
+          <p:cNvPr id="2" name="Marcador de imagen de diapositiva 1"/>
+          <p:cNvSpPr>
+            <a:spLocks noGrp="1" noRot="1" noChangeAspect="1"/>
+          </p:cNvSpPr>
+          <p:nvPr>
+            <p:ph type="sldImg"/>
+          </p:nvPr>
+        </p:nvSpPr>
+        <p:spPr>
+          <a:xfrm>
+            <a:off x="1371600" y="1143000"/>
+            <a:ext cx="4114800" cy="3086100"/>
+          </a:xfrm>
+        </p:spPr>
+      </p:sp>
+      <p:sp>
+        <p:nvSpPr>
+          <p:cNvPr id="3" name="Marcador de notas 2"/>
+          <p:cNvSpPr>
+            <a:spLocks noGrp="1"/>
+          </p:cNvSpPr>
+          <p:nvPr>
+            <p:ph type="body" idx="1"/>
+          </p:nvPr>
+        </p:nvSpPr>
+        <p:spPr/>
+        <p:txBody>
+          <a:bodyPr/>
+          <a:lstStyle/>
+          <a:p>
+            <a:r>
+              <a:rPr lang="es-CL" dirty="0" smtClean="0"/>
+              <a:t>Agendar hora</a:t>
+            </a:r>
+          </a:p>
+        </p:txBody>
+      </p:sp>
+      <p:sp>
+        <p:nvSpPr>
+          <p:cNvPr id="4" name="Marcador de número de diapositiva 3"/>
+          <p:cNvSpPr>
+            <a:spLocks noGrp="1"/>
+          </p:cNvSpPr>
+          <p:nvPr>
+            <p:ph type="sldNum" sz="quarter" idx="10"/>
+          </p:nvPr>
+        </p:nvSpPr>
+        <p:spPr/>
+        <p:txBody>
+          <a:bodyPr/>
+          <a:lstStyle/>
+          <a:p>
+            <a:fld id="{27FC5E0A-2988-43C5-A1B8-119F4D562609}" type="slidenum">
+              <a:rPr lang="es-CL" smtClean="0"/>
+              <a:t>26</a:t>
+            </a:fld>
+            <a:endParaRPr lang="es-CL"/>
+          </a:p>
+        </p:txBody>
+      </p:sp>
+    </p:spTree>
+    <p:extLst>
+      <p:ext uri="{BB962C8B-B14F-4D97-AF65-F5344CB8AC3E}">
+        <p14:creationId xmlns:p14="http://schemas.microsoft.com/office/powerpoint/2010/main" val="1152229315"/>
+      </p:ext>
+    </p:extLst>
+  </p:cSld>
+  <p:clrMapOvr>
+    <a:masterClrMapping/>
+  </p:clrMapOvr>
+</p:notes>
+</file>
+
+<file path=ppt/notesSlides/notesSlide13.xml><?xml version="1.0" encoding="utf-8"?>
+<p:notes xmlns:a="http://schemas.openxmlformats.org/drawingml/2006/main" xmlns:r="http://schemas.openxmlformats.org/officeDocument/2006/relationships" xmlns:p="http://schemas.openxmlformats.org/presentationml/2006/main">
+  <p:cSld>
+    <p:spTree>
+      <p:nvGrpSpPr>
+        <p:cNvPr id="1" name=""/>
+        <p:cNvGrpSpPr/>
+        <p:nvPr/>
+      </p:nvGrpSpPr>
+      <p:grpSpPr>
+        <a:xfrm>
+          <a:off x="0" y="0"/>
+          <a:ext cx="0" cy="0"/>
+          <a:chOff x="0" y="0"/>
+          <a:chExt cx="0" cy="0"/>
+        </a:xfrm>
+      </p:grpSpPr>
+      <p:sp>
+        <p:nvSpPr>
+          <p:cNvPr id="2" name="Marcador de imagen de diapositiva 1"/>
+          <p:cNvSpPr>
+            <a:spLocks noGrp="1" noRot="1" noChangeAspect="1"/>
+          </p:cNvSpPr>
+          <p:nvPr>
+            <p:ph type="sldImg"/>
+          </p:nvPr>
+        </p:nvSpPr>
+        <p:spPr>
+          <a:xfrm>
+            <a:off x="1371600" y="1143000"/>
+            <a:ext cx="4114800" cy="3086100"/>
+          </a:xfrm>
+        </p:spPr>
+      </p:sp>
+      <p:sp>
+        <p:nvSpPr>
+          <p:cNvPr id="3" name="Marcador de notas 2"/>
+          <p:cNvSpPr>
+            <a:spLocks noGrp="1"/>
+          </p:cNvSpPr>
+          <p:nvPr>
+            <p:ph type="body" idx="1"/>
+          </p:nvPr>
+        </p:nvSpPr>
+        <p:spPr/>
+        <p:txBody>
+          <a:bodyPr/>
+          <a:lstStyle/>
+          <a:p>
+            <a:r>
+              <a:rPr lang="es-CL" dirty="0" smtClean="0"/>
+              <a:t>Ingresar paciente</a:t>
+            </a:r>
+          </a:p>
+        </p:txBody>
+      </p:sp>
+      <p:sp>
+        <p:nvSpPr>
+          <p:cNvPr id="4" name="Marcador de número de diapositiva 3"/>
+          <p:cNvSpPr>
+            <a:spLocks noGrp="1"/>
+          </p:cNvSpPr>
+          <p:nvPr>
+            <p:ph type="sldNum" sz="quarter" idx="10"/>
+          </p:nvPr>
+        </p:nvSpPr>
+        <p:spPr/>
+        <p:txBody>
+          <a:bodyPr/>
+          <a:lstStyle/>
+          <a:p>
+            <a:fld id="{27FC5E0A-2988-43C5-A1B8-119F4D562609}" type="slidenum">
+              <a:rPr lang="es-CL" smtClean="0"/>
+              <a:t>27</a:t>
+            </a:fld>
+            <a:endParaRPr lang="es-CL"/>
+          </a:p>
+        </p:txBody>
+      </p:sp>
+    </p:spTree>
+    <p:extLst>
+      <p:ext uri="{BB962C8B-B14F-4D97-AF65-F5344CB8AC3E}">
+        <p14:creationId xmlns:p14="http://schemas.microsoft.com/office/powerpoint/2010/main" val="442024440"/>
+      </p:ext>
+    </p:extLst>
+  </p:cSld>
+  <p:clrMapOvr>
+    <a:masterClrMapping/>
+  </p:clrMapOvr>
+</p:notes>
+</file>
+
+<file path=ppt/notesSlides/notesSlide14.xml><?xml version="1.0" encoding="utf-8"?>
+<p:notes xmlns:a="http://schemas.openxmlformats.org/drawingml/2006/main" xmlns:r="http://schemas.openxmlformats.org/officeDocument/2006/relationships" xmlns:p="http://schemas.openxmlformats.org/presentationml/2006/main">
+  <p:cSld>
+    <p:spTree>
+      <p:nvGrpSpPr>
+        <p:cNvPr id="1" name=""/>
+        <p:cNvGrpSpPr/>
+        <p:nvPr/>
+      </p:nvGrpSpPr>
+      <p:grpSpPr>
+        <a:xfrm>
+          <a:off x="0" y="0"/>
+          <a:ext cx="0" cy="0"/>
+          <a:chOff x="0" y="0"/>
+          <a:chExt cx="0" cy="0"/>
+        </a:xfrm>
+      </p:grpSpPr>
+      <p:sp>
+        <p:nvSpPr>
+          <p:cNvPr id="2" name="Marcador de imagen de diapositiva 1"/>
+          <p:cNvSpPr>
+            <a:spLocks noGrp="1" noRot="1" noChangeAspect="1"/>
+          </p:cNvSpPr>
+          <p:nvPr>
+            <p:ph type="sldImg"/>
+          </p:nvPr>
+        </p:nvSpPr>
+        <p:spPr>
+          <a:xfrm>
+            <a:off x="1371600" y="1143000"/>
+            <a:ext cx="4114800" cy="3086100"/>
+          </a:xfrm>
+        </p:spPr>
+      </p:sp>
+      <p:sp>
+        <p:nvSpPr>
+          <p:cNvPr id="3" name="Marcador de notas 2"/>
+          <p:cNvSpPr>
+            <a:spLocks noGrp="1"/>
+          </p:cNvSpPr>
+          <p:nvPr>
+            <p:ph type="body" idx="1"/>
+          </p:nvPr>
+        </p:nvSpPr>
+        <p:spPr/>
+        <p:txBody>
+          <a:bodyPr/>
+          <a:lstStyle/>
+          <a:p>
+            <a:r>
+              <a:rPr lang="es-CL" dirty="0" smtClean="0"/>
+              <a:t>Cerrar caja</a:t>
+            </a:r>
+          </a:p>
+        </p:txBody>
+      </p:sp>
+      <p:sp>
+        <p:nvSpPr>
+          <p:cNvPr id="4" name="Marcador de número de diapositiva 3"/>
+          <p:cNvSpPr>
+            <a:spLocks noGrp="1"/>
+          </p:cNvSpPr>
+          <p:nvPr>
+            <p:ph type="sldNum" sz="quarter" idx="10"/>
+          </p:nvPr>
+        </p:nvSpPr>
+        <p:spPr/>
+        <p:txBody>
+          <a:bodyPr/>
+          <a:lstStyle/>
+          <a:p>
+            <a:fld id="{27FC5E0A-2988-43C5-A1B8-119F4D562609}" type="slidenum">
+              <a:rPr lang="es-CL" smtClean="0"/>
+              <a:t>28</a:t>
+            </a:fld>
+            <a:endParaRPr lang="es-CL"/>
+          </a:p>
+        </p:txBody>
+      </p:sp>
+    </p:spTree>
+    <p:extLst>
+      <p:ext uri="{BB962C8B-B14F-4D97-AF65-F5344CB8AC3E}">
+        <p14:creationId xmlns:p14="http://schemas.microsoft.com/office/powerpoint/2010/main" val="3124220401"/>
       </p:ext>
     </p:extLst>
   </p:cSld>
@@ -3539,7 +3922,12 @@
             <p:ph type="sldImg"/>
           </p:nvPr>
         </p:nvSpPr>
-        <p:spPr/>
+        <p:spPr>
+          <a:xfrm>
+            <a:off x="1371600" y="1143000"/>
+            <a:ext cx="4114800" cy="3086100"/>
+          </a:xfrm>
+        </p:spPr>
       </p:sp>
       <p:sp>
         <p:nvSpPr>
@@ -3742,7 +4130,12 @@
             <p:ph type="sldImg"/>
           </p:nvPr>
         </p:nvSpPr>
-        <p:spPr/>
+        <p:spPr>
+          <a:xfrm>
+            <a:off x="1371600" y="1143000"/>
+            <a:ext cx="4114800" cy="3086100"/>
+          </a:xfrm>
+        </p:spPr>
       </p:sp>
       <p:sp>
         <p:nvSpPr>
@@ -3945,7 +4338,12 @@
             <p:ph type="sldImg"/>
           </p:nvPr>
         </p:nvSpPr>
-        <p:spPr/>
+        <p:spPr>
+          <a:xfrm>
+            <a:off x="1371600" y="1143000"/>
+            <a:ext cx="4114800" cy="3086100"/>
+          </a:xfrm>
+        </p:spPr>
       </p:sp>
       <p:sp>
         <p:nvSpPr>
@@ -4148,7 +4546,12 @@
             <p:ph type="sldImg"/>
           </p:nvPr>
         </p:nvSpPr>
-        <p:spPr/>
+        <p:spPr>
+          <a:xfrm>
+            <a:off x="1371600" y="1143000"/>
+            <a:ext cx="4114800" cy="3086100"/>
+          </a:xfrm>
+        </p:spPr>
       </p:sp>
       <p:sp>
         <p:nvSpPr>
@@ -4351,7 +4754,12 @@
             <p:ph type="sldImg"/>
           </p:nvPr>
         </p:nvSpPr>
-        <p:spPr/>
+        <p:spPr>
+          <a:xfrm>
+            <a:off x="1371600" y="1143000"/>
+            <a:ext cx="4114800" cy="3086100"/>
+          </a:xfrm>
+        </p:spPr>
       </p:sp>
       <p:sp>
         <p:nvSpPr>
@@ -4554,7 +4962,12 @@
             <p:ph type="sldImg"/>
           </p:nvPr>
         </p:nvSpPr>
-        <p:spPr/>
+        <p:spPr>
+          <a:xfrm>
+            <a:off x="1371600" y="1143000"/>
+            <a:ext cx="4114800" cy="3086100"/>
+          </a:xfrm>
+        </p:spPr>
       </p:sp>
       <p:sp>
         <p:nvSpPr>
@@ -4718,7 +5131,12 @@
             <p:ph type="sldImg"/>
           </p:nvPr>
         </p:nvSpPr>
-        <p:spPr/>
+        <p:spPr>
+          <a:xfrm>
+            <a:off x="1371600" y="1143000"/>
+            <a:ext cx="4114800" cy="3086100"/>
+          </a:xfrm>
+        </p:spPr>
       </p:sp>
       <p:sp>
         <p:nvSpPr>
@@ -4817,7 +5235,12 @@
             <p:ph type="sldImg"/>
           </p:nvPr>
         </p:nvSpPr>
-        <p:spPr/>
+        <p:spPr>
+          <a:xfrm>
+            <a:off x="1371600" y="1143000"/>
+            <a:ext cx="4114800" cy="3086100"/>
+          </a:xfrm>
+        </p:spPr>
       </p:sp>
       <p:sp>
         <p:nvSpPr>
@@ -4908,7 +5331,7 @@
       </p:grpSpPr>
       <p:sp>
         <p:nvSpPr>
-          <p:cNvPr id="2" name="Título 1"/>
+          <p:cNvPr id="2" name="Title 1"/>
           <p:cNvSpPr>
             <a:spLocks noGrp="1"/>
           </p:cNvSpPr>
@@ -4918,8 +5341,8 @@
         </p:nvSpPr>
         <p:spPr>
           <a:xfrm>
-            <a:off x="1524000" y="1122363"/>
-            <a:ext cx="9144000" cy="2387600"/>
+            <a:off x="685800" y="1122363"/>
+            <a:ext cx="7772400" cy="2387600"/>
           </a:xfrm>
         </p:spPr>
         <p:txBody>
@@ -4931,16 +5354,16 @@
           </a:lstStyle>
           <a:p>
             <a:r>
-              <a:rPr lang="es-ES"/>
+              <a:rPr lang="es-ES" smtClean="0"/>
               <a:t>Haga clic para modificar el estilo de título del patrón</a:t>
             </a:r>
-            <a:endParaRPr lang="es-CL"/>
-          </a:p>
-        </p:txBody>
-      </p:sp>
-      <p:sp>
-        <p:nvSpPr>
-          <p:cNvPr id="3" name="Subtítulo 2"/>
+            <a:endParaRPr lang="en-US" dirty="0"/>
+          </a:p>
+        </p:txBody>
+      </p:sp>
+      <p:sp>
+        <p:nvSpPr>
+          <p:cNvPr id="3" name="Subtitle 2"/>
           <p:cNvSpPr>
             <a:spLocks noGrp="1"/>
           </p:cNvSpPr>
@@ -4950,8 +5373,8 @@
         </p:nvSpPr>
         <p:spPr>
           <a:xfrm>
-            <a:off x="1524000" y="3602038"/>
-            <a:ext cx="9144000" cy="1655762"/>
+            <a:off x="1143000" y="3602038"/>
+            <a:ext cx="6858000" cy="1655762"/>
           </a:xfrm>
         </p:spPr>
         <p:txBody>
@@ -4996,16 +5419,16 @@
           </a:lstStyle>
           <a:p>
             <a:r>
-              <a:rPr lang="es-ES"/>
+              <a:rPr lang="es-ES" smtClean="0"/>
               <a:t>Haga clic para modificar el estilo de subtítulo del patrón</a:t>
             </a:r>
-            <a:endParaRPr lang="es-CL"/>
-          </a:p>
-        </p:txBody>
-      </p:sp>
-      <p:sp>
-        <p:nvSpPr>
-          <p:cNvPr id="4" name="Marcador de fecha 3"/>
+            <a:endParaRPr lang="en-US" dirty="0"/>
+          </a:p>
+        </p:txBody>
+      </p:sp>
+      <p:sp>
+        <p:nvSpPr>
+          <p:cNvPr id="4" name="Date Placeholder 3"/>
           <p:cNvSpPr>
             <a:spLocks noGrp="1"/>
           </p:cNvSpPr>
@@ -5020,7 +5443,7 @@
           <a:p>
             <a:fld id="{C56040A3-26B0-41B9-8D0E-A6E2BE76A0F6}" type="datetimeFigureOut">
               <a:rPr lang="es-CL" smtClean="0"/>
-              <a:t>06-12-2016</a:t>
+              <a:t>07-12-2016</a:t>
             </a:fld>
             <a:endParaRPr lang="es-CL"/>
           </a:p>
@@ -5028,7 +5451,7 @@
       </p:sp>
       <p:sp>
         <p:nvSpPr>
-          <p:cNvPr id="5" name="Marcador de pie de página 4"/>
+          <p:cNvPr id="5" name="Footer Placeholder 4"/>
           <p:cNvSpPr>
             <a:spLocks noGrp="1"/>
           </p:cNvSpPr>
@@ -5047,7 +5470,7 @@
       </p:sp>
       <p:sp>
         <p:nvSpPr>
-          <p:cNvPr id="6" name="Marcador de número de diapositiva 5"/>
+          <p:cNvPr id="6" name="Slide Number Placeholder 5"/>
           <p:cNvSpPr>
             <a:spLocks noGrp="1"/>
           </p:cNvSpPr>
@@ -5071,7 +5494,7 @@
     </p:spTree>
     <p:extLst>
       <p:ext uri="{BB962C8B-B14F-4D97-AF65-F5344CB8AC3E}">
-        <p14:creationId xmlns:p14="http://schemas.microsoft.com/office/powerpoint/2010/main" val="716321740"/>
+        <p14:creationId xmlns:p14="http://schemas.microsoft.com/office/powerpoint/2010/main" val="3815102491"/>
       </p:ext>
     </p:extLst>
   </p:cSld>
@@ -5100,7 +5523,7 @@
       </p:grpSpPr>
       <p:sp>
         <p:nvSpPr>
-          <p:cNvPr id="2" name="Título 1"/>
+          <p:cNvPr id="2" name="Title 1"/>
           <p:cNvSpPr>
             <a:spLocks noGrp="1"/>
           </p:cNvSpPr>
@@ -5114,16 +5537,16 @@
           <a:lstStyle/>
           <a:p>
             <a:r>
-              <a:rPr lang="es-ES"/>
+              <a:rPr lang="es-ES" smtClean="0"/>
               <a:t>Haga clic para modificar el estilo de título del patrón</a:t>
             </a:r>
-            <a:endParaRPr lang="es-CL"/>
-          </a:p>
-        </p:txBody>
-      </p:sp>
-      <p:sp>
-        <p:nvSpPr>
-          <p:cNvPr id="3" name="Marcador de texto vertical 2"/>
+            <a:endParaRPr lang="en-US" dirty="0"/>
+          </a:p>
+        </p:txBody>
+      </p:sp>
+      <p:sp>
+        <p:nvSpPr>
+          <p:cNvPr id="3" name="Vertical Text Placeholder 2"/>
           <p:cNvSpPr>
             <a:spLocks noGrp="1"/>
           </p:cNvSpPr>
@@ -5138,44 +5561,44 @@
           <a:p>
             <a:pPr lvl="0"/>
             <a:r>
-              <a:rPr lang="es-ES"/>
+              <a:rPr lang="es-ES" smtClean="0"/>
               <a:t>Haga clic para modificar el estilo de texto del patrón</a:t>
             </a:r>
           </a:p>
           <a:p>
             <a:pPr lvl="1"/>
             <a:r>
-              <a:rPr lang="es-ES"/>
+              <a:rPr lang="es-ES" smtClean="0"/>
               <a:t>Segundo nivel</a:t>
             </a:r>
           </a:p>
           <a:p>
             <a:pPr lvl="2"/>
             <a:r>
-              <a:rPr lang="es-ES"/>
+              <a:rPr lang="es-ES" smtClean="0"/>
               <a:t>Tercer nivel</a:t>
             </a:r>
           </a:p>
           <a:p>
             <a:pPr lvl="3"/>
             <a:r>
-              <a:rPr lang="es-ES"/>
+              <a:rPr lang="es-ES" smtClean="0"/>
               <a:t>Cuarto nivel</a:t>
             </a:r>
           </a:p>
           <a:p>
             <a:pPr lvl="4"/>
             <a:r>
-              <a:rPr lang="es-ES"/>
+              <a:rPr lang="es-ES" smtClean="0"/>
               <a:t>Quinto nivel</a:t>
             </a:r>
-            <a:endParaRPr lang="es-CL"/>
-          </a:p>
-        </p:txBody>
-      </p:sp>
-      <p:sp>
-        <p:nvSpPr>
-          <p:cNvPr id="4" name="Marcador de fecha 3"/>
+            <a:endParaRPr lang="en-US" dirty="0"/>
+          </a:p>
+        </p:txBody>
+      </p:sp>
+      <p:sp>
+        <p:nvSpPr>
+          <p:cNvPr id="4" name="Date Placeholder 3"/>
           <p:cNvSpPr>
             <a:spLocks noGrp="1"/>
           </p:cNvSpPr>
@@ -5190,7 +5613,7 @@
           <a:p>
             <a:fld id="{C56040A3-26B0-41B9-8D0E-A6E2BE76A0F6}" type="datetimeFigureOut">
               <a:rPr lang="es-CL" smtClean="0"/>
-              <a:t>06-12-2016</a:t>
+              <a:t>07-12-2016</a:t>
             </a:fld>
             <a:endParaRPr lang="es-CL"/>
           </a:p>
@@ -5198,7 +5621,7 @@
       </p:sp>
       <p:sp>
         <p:nvSpPr>
-          <p:cNvPr id="5" name="Marcador de pie de página 4"/>
+          <p:cNvPr id="5" name="Footer Placeholder 4"/>
           <p:cNvSpPr>
             <a:spLocks noGrp="1"/>
           </p:cNvSpPr>
@@ -5217,7 +5640,7 @@
       </p:sp>
       <p:sp>
         <p:nvSpPr>
-          <p:cNvPr id="6" name="Marcador de número de diapositiva 5"/>
+          <p:cNvPr id="6" name="Slide Number Placeholder 5"/>
           <p:cNvSpPr>
             <a:spLocks noGrp="1"/>
           </p:cNvSpPr>
@@ -5241,7 +5664,7 @@
     </p:spTree>
     <p:extLst>
       <p:ext uri="{BB962C8B-B14F-4D97-AF65-F5344CB8AC3E}">
-        <p14:creationId xmlns:p14="http://schemas.microsoft.com/office/powerpoint/2010/main" val="3346995488"/>
+        <p14:creationId xmlns:p14="http://schemas.microsoft.com/office/powerpoint/2010/main" val="426671683"/>
       </p:ext>
     </p:extLst>
   </p:cSld>
@@ -5270,7 +5693,7 @@
       </p:grpSpPr>
       <p:sp>
         <p:nvSpPr>
-          <p:cNvPr id="2" name="Título vertical 1"/>
+          <p:cNvPr id="2" name="Vertical Title 1"/>
           <p:cNvSpPr>
             <a:spLocks noGrp="1"/>
           </p:cNvSpPr>
@@ -5280,8 +5703,8 @@
         </p:nvSpPr>
         <p:spPr>
           <a:xfrm>
-            <a:off x="8724900" y="365125"/>
-            <a:ext cx="2628900" cy="5811838"/>
+            <a:off x="6543675" y="365125"/>
+            <a:ext cx="1971675" cy="5811838"/>
           </a:xfrm>
         </p:spPr>
         <p:txBody>
@@ -5289,16 +5712,16 @@
           <a:lstStyle/>
           <a:p>
             <a:r>
-              <a:rPr lang="es-ES"/>
+              <a:rPr lang="es-ES" smtClean="0"/>
               <a:t>Haga clic para modificar el estilo de título del patrón</a:t>
             </a:r>
-            <a:endParaRPr lang="es-CL"/>
-          </a:p>
-        </p:txBody>
-      </p:sp>
-      <p:sp>
-        <p:nvSpPr>
-          <p:cNvPr id="3" name="Marcador de texto vertical 2"/>
+            <a:endParaRPr lang="en-US" dirty="0"/>
+          </a:p>
+        </p:txBody>
+      </p:sp>
+      <p:sp>
+        <p:nvSpPr>
+          <p:cNvPr id="3" name="Vertical Text Placeholder 2"/>
           <p:cNvSpPr>
             <a:spLocks noGrp="1"/>
           </p:cNvSpPr>
@@ -5308,8 +5731,8 @@
         </p:nvSpPr>
         <p:spPr>
           <a:xfrm>
-            <a:off x="838200" y="365125"/>
-            <a:ext cx="7734300" cy="5811838"/>
+            <a:off x="628650" y="365125"/>
+            <a:ext cx="5800725" cy="5811838"/>
           </a:xfrm>
         </p:spPr>
         <p:txBody>
@@ -5318,44 +5741,44 @@
           <a:p>
             <a:pPr lvl="0"/>
             <a:r>
-              <a:rPr lang="es-ES"/>
+              <a:rPr lang="es-ES" smtClean="0"/>
               <a:t>Haga clic para modificar el estilo de texto del patrón</a:t>
             </a:r>
           </a:p>
           <a:p>
             <a:pPr lvl="1"/>
             <a:r>
-              <a:rPr lang="es-ES"/>
+              <a:rPr lang="es-ES" smtClean="0"/>
               <a:t>Segundo nivel</a:t>
             </a:r>
           </a:p>
           <a:p>
             <a:pPr lvl="2"/>
             <a:r>
-              <a:rPr lang="es-ES"/>
+              <a:rPr lang="es-ES" smtClean="0"/>
               <a:t>Tercer nivel</a:t>
             </a:r>
           </a:p>
           <a:p>
             <a:pPr lvl="3"/>
             <a:r>
-              <a:rPr lang="es-ES"/>
+              <a:rPr lang="es-ES" smtClean="0"/>
               <a:t>Cuarto nivel</a:t>
             </a:r>
           </a:p>
           <a:p>
             <a:pPr lvl="4"/>
             <a:r>
-              <a:rPr lang="es-ES"/>
+              <a:rPr lang="es-ES" smtClean="0"/>
               <a:t>Quinto nivel</a:t>
             </a:r>
-            <a:endParaRPr lang="es-CL"/>
-          </a:p>
-        </p:txBody>
-      </p:sp>
-      <p:sp>
-        <p:nvSpPr>
-          <p:cNvPr id="4" name="Marcador de fecha 3"/>
+            <a:endParaRPr lang="en-US" dirty="0"/>
+          </a:p>
+        </p:txBody>
+      </p:sp>
+      <p:sp>
+        <p:nvSpPr>
+          <p:cNvPr id="4" name="Date Placeholder 3"/>
           <p:cNvSpPr>
             <a:spLocks noGrp="1"/>
           </p:cNvSpPr>
@@ -5370,7 +5793,7 @@
           <a:p>
             <a:fld id="{C56040A3-26B0-41B9-8D0E-A6E2BE76A0F6}" type="datetimeFigureOut">
               <a:rPr lang="es-CL" smtClean="0"/>
-              <a:t>06-12-2016</a:t>
+              <a:t>07-12-2016</a:t>
             </a:fld>
             <a:endParaRPr lang="es-CL"/>
           </a:p>
@@ -5378,7 +5801,7 @@
       </p:sp>
       <p:sp>
         <p:nvSpPr>
-          <p:cNvPr id="5" name="Marcador de pie de página 4"/>
+          <p:cNvPr id="5" name="Footer Placeholder 4"/>
           <p:cNvSpPr>
             <a:spLocks noGrp="1"/>
           </p:cNvSpPr>
@@ -5397,7 +5820,7 @@
       </p:sp>
       <p:sp>
         <p:nvSpPr>
-          <p:cNvPr id="6" name="Marcador de número de diapositiva 5"/>
+          <p:cNvPr id="6" name="Slide Number Placeholder 5"/>
           <p:cNvSpPr>
             <a:spLocks noGrp="1"/>
           </p:cNvSpPr>
@@ -5421,7 +5844,7 @@
     </p:spTree>
     <p:extLst>
       <p:ext uri="{BB962C8B-B14F-4D97-AF65-F5344CB8AC3E}">
-        <p14:creationId xmlns:p14="http://schemas.microsoft.com/office/powerpoint/2010/main" val="1128879617"/>
+        <p14:creationId xmlns:p14="http://schemas.microsoft.com/office/powerpoint/2010/main" val="3773786361"/>
       </p:ext>
     </p:extLst>
   </p:cSld>
@@ -5450,7 +5873,7 @@
       </p:grpSpPr>
       <p:sp>
         <p:nvSpPr>
-          <p:cNvPr id="2" name="Título 1"/>
+          <p:cNvPr id="2" name="Title 1"/>
           <p:cNvSpPr>
             <a:spLocks noGrp="1"/>
           </p:cNvSpPr>
@@ -5464,16 +5887,16 @@
           <a:lstStyle/>
           <a:p>
             <a:r>
-              <a:rPr lang="es-ES"/>
+              <a:rPr lang="es-ES" smtClean="0"/>
               <a:t>Haga clic para modificar el estilo de título del patrón</a:t>
             </a:r>
-            <a:endParaRPr lang="es-CL"/>
-          </a:p>
-        </p:txBody>
-      </p:sp>
-      <p:sp>
-        <p:nvSpPr>
-          <p:cNvPr id="3" name="Marcador de contenido 2"/>
+            <a:endParaRPr lang="en-US" dirty="0"/>
+          </a:p>
+        </p:txBody>
+      </p:sp>
+      <p:sp>
+        <p:nvSpPr>
+          <p:cNvPr id="3" name="Content Placeholder 2"/>
           <p:cNvSpPr>
             <a:spLocks noGrp="1"/>
           </p:cNvSpPr>
@@ -5488,44 +5911,44 @@
           <a:p>
             <a:pPr lvl="0"/>
             <a:r>
-              <a:rPr lang="es-ES"/>
+              <a:rPr lang="es-ES" smtClean="0"/>
               <a:t>Haga clic para modificar el estilo de texto del patrón</a:t>
             </a:r>
           </a:p>
           <a:p>
             <a:pPr lvl="1"/>
             <a:r>
-              <a:rPr lang="es-ES"/>
+              <a:rPr lang="es-ES" smtClean="0"/>
               <a:t>Segundo nivel</a:t>
             </a:r>
           </a:p>
           <a:p>
             <a:pPr lvl="2"/>
             <a:r>
-              <a:rPr lang="es-ES"/>
+              <a:rPr lang="es-ES" smtClean="0"/>
               <a:t>Tercer nivel</a:t>
             </a:r>
           </a:p>
           <a:p>
             <a:pPr lvl="3"/>
             <a:r>
-              <a:rPr lang="es-ES"/>
+              <a:rPr lang="es-ES" smtClean="0"/>
               <a:t>Cuarto nivel</a:t>
             </a:r>
           </a:p>
           <a:p>
             <a:pPr lvl="4"/>
             <a:r>
-              <a:rPr lang="es-ES"/>
+              <a:rPr lang="es-ES" smtClean="0"/>
               <a:t>Quinto nivel</a:t>
             </a:r>
-            <a:endParaRPr lang="es-CL"/>
-          </a:p>
-        </p:txBody>
-      </p:sp>
-      <p:sp>
-        <p:nvSpPr>
-          <p:cNvPr id="4" name="Marcador de fecha 3"/>
+            <a:endParaRPr lang="en-US" dirty="0"/>
+          </a:p>
+        </p:txBody>
+      </p:sp>
+      <p:sp>
+        <p:nvSpPr>
+          <p:cNvPr id="4" name="Date Placeholder 3"/>
           <p:cNvSpPr>
             <a:spLocks noGrp="1"/>
           </p:cNvSpPr>
@@ -5540,7 +5963,7 @@
           <a:p>
             <a:fld id="{C56040A3-26B0-41B9-8D0E-A6E2BE76A0F6}" type="datetimeFigureOut">
               <a:rPr lang="es-CL" smtClean="0"/>
-              <a:t>06-12-2016</a:t>
+              <a:t>07-12-2016</a:t>
             </a:fld>
             <a:endParaRPr lang="es-CL"/>
           </a:p>
@@ -5548,7 +5971,7 @@
       </p:sp>
       <p:sp>
         <p:nvSpPr>
-          <p:cNvPr id="5" name="Marcador de pie de página 4"/>
+          <p:cNvPr id="5" name="Footer Placeholder 4"/>
           <p:cNvSpPr>
             <a:spLocks noGrp="1"/>
           </p:cNvSpPr>
@@ -5567,7 +5990,7 @@
       </p:sp>
       <p:sp>
         <p:nvSpPr>
-          <p:cNvPr id="6" name="Marcador de número de diapositiva 5"/>
+          <p:cNvPr id="6" name="Slide Number Placeholder 5"/>
           <p:cNvSpPr>
             <a:spLocks noGrp="1"/>
           </p:cNvSpPr>
@@ -5591,7 +6014,7 @@
     </p:spTree>
     <p:extLst>
       <p:ext uri="{BB962C8B-B14F-4D97-AF65-F5344CB8AC3E}">
-        <p14:creationId xmlns:p14="http://schemas.microsoft.com/office/powerpoint/2010/main" val="131782121"/>
+        <p14:creationId xmlns:p14="http://schemas.microsoft.com/office/powerpoint/2010/main" val="3494012099"/>
       </p:ext>
     </p:extLst>
   </p:cSld>
@@ -5620,7 +6043,7 @@
       </p:grpSpPr>
       <p:sp>
         <p:nvSpPr>
-          <p:cNvPr id="2" name="Título 1"/>
+          <p:cNvPr id="2" name="Title 1"/>
           <p:cNvSpPr>
             <a:spLocks noGrp="1"/>
           </p:cNvSpPr>
@@ -5630,8 +6053,8 @@
         </p:nvSpPr>
         <p:spPr>
           <a:xfrm>
-            <a:off x="831850" y="1709738"/>
-            <a:ext cx="10515600" cy="2852737"/>
+            <a:off x="623888" y="1709739"/>
+            <a:ext cx="7886700" cy="2852737"/>
           </a:xfrm>
         </p:spPr>
         <p:txBody>
@@ -5643,16 +6066,16 @@
           </a:lstStyle>
           <a:p>
             <a:r>
-              <a:rPr lang="es-ES"/>
+              <a:rPr lang="es-ES" smtClean="0"/>
               <a:t>Haga clic para modificar el estilo de título del patrón</a:t>
             </a:r>
-            <a:endParaRPr lang="es-CL"/>
-          </a:p>
-        </p:txBody>
-      </p:sp>
-      <p:sp>
-        <p:nvSpPr>
-          <p:cNvPr id="3" name="Marcador de texto 2"/>
+            <a:endParaRPr lang="en-US" dirty="0"/>
+          </a:p>
+        </p:txBody>
+      </p:sp>
+      <p:sp>
+        <p:nvSpPr>
+          <p:cNvPr id="3" name="Text Placeholder 2"/>
           <p:cNvSpPr>
             <a:spLocks noGrp="1"/>
           </p:cNvSpPr>
@@ -5662,8 +6085,8 @@
         </p:nvSpPr>
         <p:spPr>
           <a:xfrm>
-            <a:off x="831850" y="4589463"/>
-            <a:ext cx="10515600" cy="1500187"/>
+            <a:off x="623888" y="4589464"/>
+            <a:ext cx="7886700" cy="1500187"/>
           </a:xfrm>
         </p:spPr>
         <p:txBody>
@@ -5673,9 +6096,7 @@
               <a:buNone/>
               <a:defRPr sz="2400">
                 <a:solidFill>
-                  <a:schemeClr val="tx1">
-                    <a:tint val="75000"/>
-                  </a:schemeClr>
+                  <a:schemeClr val="tx1"/>
                 </a:solidFill>
               </a:defRPr>
             </a:lvl1pPr>
@@ -5763,7 +6184,7 @@
           <a:p>
             <a:pPr lvl="0"/>
             <a:r>
-              <a:rPr lang="es-ES"/>
+              <a:rPr lang="es-ES" smtClean="0"/>
               <a:t>Haga clic para modificar el estilo de texto del patrón</a:t>
             </a:r>
           </a:p>
@@ -5771,7 +6192,7 @@
       </p:sp>
       <p:sp>
         <p:nvSpPr>
-          <p:cNvPr id="4" name="Marcador de fecha 3"/>
+          <p:cNvPr id="4" name="Date Placeholder 3"/>
           <p:cNvSpPr>
             <a:spLocks noGrp="1"/>
           </p:cNvSpPr>
@@ -5786,7 +6207,7 @@
           <a:p>
             <a:fld id="{C56040A3-26B0-41B9-8D0E-A6E2BE76A0F6}" type="datetimeFigureOut">
               <a:rPr lang="es-CL" smtClean="0"/>
-              <a:t>06-12-2016</a:t>
+              <a:t>07-12-2016</a:t>
             </a:fld>
             <a:endParaRPr lang="es-CL"/>
           </a:p>
@@ -5794,7 +6215,7 @@
       </p:sp>
       <p:sp>
         <p:nvSpPr>
-          <p:cNvPr id="5" name="Marcador de pie de página 4"/>
+          <p:cNvPr id="5" name="Footer Placeholder 4"/>
           <p:cNvSpPr>
             <a:spLocks noGrp="1"/>
           </p:cNvSpPr>
@@ -5813,7 +6234,7 @@
       </p:sp>
       <p:sp>
         <p:nvSpPr>
-          <p:cNvPr id="6" name="Marcador de número de diapositiva 5"/>
+          <p:cNvPr id="6" name="Slide Number Placeholder 5"/>
           <p:cNvSpPr>
             <a:spLocks noGrp="1"/>
           </p:cNvSpPr>
@@ -5837,7 +6258,7 @@
     </p:spTree>
     <p:extLst>
       <p:ext uri="{BB962C8B-B14F-4D97-AF65-F5344CB8AC3E}">
-        <p14:creationId xmlns:p14="http://schemas.microsoft.com/office/powerpoint/2010/main" val="2467895603"/>
+        <p14:creationId xmlns:p14="http://schemas.microsoft.com/office/powerpoint/2010/main" val="4207445296"/>
       </p:ext>
     </p:extLst>
   </p:cSld>
@@ -5866,7 +6287,7 @@
       </p:grpSpPr>
       <p:sp>
         <p:nvSpPr>
-          <p:cNvPr id="2" name="Título 1"/>
+          <p:cNvPr id="2" name="Title 1"/>
           <p:cNvSpPr>
             <a:spLocks noGrp="1"/>
           </p:cNvSpPr>
@@ -5880,16 +6301,16 @@
           <a:lstStyle/>
           <a:p>
             <a:r>
-              <a:rPr lang="es-ES"/>
+              <a:rPr lang="es-ES" smtClean="0"/>
               <a:t>Haga clic para modificar el estilo de título del patrón</a:t>
             </a:r>
-            <a:endParaRPr lang="es-CL"/>
-          </a:p>
-        </p:txBody>
-      </p:sp>
-      <p:sp>
-        <p:nvSpPr>
-          <p:cNvPr id="3" name="Marcador de contenido 2"/>
+            <a:endParaRPr lang="en-US" dirty="0"/>
+          </a:p>
+        </p:txBody>
+      </p:sp>
+      <p:sp>
+        <p:nvSpPr>
+          <p:cNvPr id="3" name="Content Placeholder 2"/>
           <p:cNvSpPr>
             <a:spLocks noGrp="1"/>
           </p:cNvSpPr>
@@ -5899,8 +6320,8 @@
         </p:nvSpPr>
         <p:spPr>
           <a:xfrm>
-            <a:off x="838200" y="1825625"/>
-            <a:ext cx="5181600" cy="4351338"/>
+            <a:off x="628650" y="1825625"/>
+            <a:ext cx="3886200" cy="4351338"/>
           </a:xfrm>
         </p:spPr>
         <p:txBody>
@@ -5909,44 +6330,44 @@
           <a:p>
             <a:pPr lvl="0"/>
             <a:r>
-              <a:rPr lang="es-ES"/>
+              <a:rPr lang="es-ES" smtClean="0"/>
               <a:t>Haga clic para modificar el estilo de texto del patrón</a:t>
             </a:r>
           </a:p>
           <a:p>
             <a:pPr lvl="1"/>
             <a:r>
-              <a:rPr lang="es-ES"/>
+              <a:rPr lang="es-ES" smtClean="0"/>
               <a:t>Segundo nivel</a:t>
             </a:r>
           </a:p>
           <a:p>
             <a:pPr lvl="2"/>
             <a:r>
-              <a:rPr lang="es-ES"/>
+              <a:rPr lang="es-ES" smtClean="0"/>
               <a:t>Tercer nivel</a:t>
             </a:r>
           </a:p>
           <a:p>
             <a:pPr lvl="3"/>
             <a:r>
-              <a:rPr lang="es-ES"/>
+              <a:rPr lang="es-ES" smtClean="0"/>
               <a:t>Cuarto nivel</a:t>
             </a:r>
           </a:p>
           <a:p>
             <a:pPr lvl="4"/>
             <a:r>
-              <a:rPr lang="es-ES"/>
+              <a:rPr lang="es-ES" smtClean="0"/>
               <a:t>Quinto nivel</a:t>
             </a:r>
-            <a:endParaRPr lang="es-CL"/>
-          </a:p>
-        </p:txBody>
-      </p:sp>
-      <p:sp>
-        <p:nvSpPr>
-          <p:cNvPr id="4" name="Marcador de contenido 3"/>
+            <a:endParaRPr lang="en-US" dirty="0"/>
+          </a:p>
+        </p:txBody>
+      </p:sp>
+      <p:sp>
+        <p:nvSpPr>
+          <p:cNvPr id="4" name="Content Placeholder 3"/>
           <p:cNvSpPr>
             <a:spLocks noGrp="1"/>
           </p:cNvSpPr>
@@ -5956,8 +6377,8 @@
         </p:nvSpPr>
         <p:spPr>
           <a:xfrm>
-            <a:off x="6172200" y="1825625"/>
-            <a:ext cx="5181600" cy="4351338"/>
+            <a:off x="4629150" y="1825625"/>
+            <a:ext cx="3886200" cy="4351338"/>
           </a:xfrm>
         </p:spPr>
         <p:txBody>
@@ -5966,44 +6387,44 @@
           <a:p>
             <a:pPr lvl="0"/>
             <a:r>
-              <a:rPr lang="es-ES"/>
+              <a:rPr lang="es-ES" smtClean="0"/>
               <a:t>Haga clic para modificar el estilo de texto del patrón</a:t>
             </a:r>
           </a:p>
           <a:p>
             <a:pPr lvl="1"/>
             <a:r>
-              <a:rPr lang="es-ES"/>
+              <a:rPr lang="es-ES" smtClean="0"/>
               <a:t>Segundo nivel</a:t>
             </a:r>
           </a:p>
           <a:p>
             <a:pPr lvl="2"/>
             <a:r>
-              <a:rPr lang="es-ES"/>
+              <a:rPr lang="es-ES" smtClean="0"/>
               <a:t>Tercer nivel</a:t>
             </a:r>
           </a:p>
           <a:p>
             <a:pPr lvl="3"/>
             <a:r>
-              <a:rPr lang="es-ES"/>
+              <a:rPr lang="es-ES" smtClean="0"/>
               <a:t>Cuarto nivel</a:t>
             </a:r>
           </a:p>
           <a:p>
             <a:pPr lvl="4"/>
             <a:r>
-              <a:rPr lang="es-ES"/>
+              <a:rPr lang="es-ES" smtClean="0"/>
               <a:t>Quinto nivel</a:t>
             </a:r>
-            <a:endParaRPr lang="es-CL"/>
-          </a:p>
-        </p:txBody>
-      </p:sp>
-      <p:sp>
-        <p:nvSpPr>
-          <p:cNvPr id="5" name="Marcador de fecha 4"/>
+            <a:endParaRPr lang="en-US" dirty="0"/>
+          </a:p>
+        </p:txBody>
+      </p:sp>
+      <p:sp>
+        <p:nvSpPr>
+          <p:cNvPr id="5" name="Date Placeholder 4"/>
           <p:cNvSpPr>
             <a:spLocks noGrp="1"/>
           </p:cNvSpPr>
@@ -6018,7 +6439,7 @@
           <a:p>
             <a:fld id="{C56040A3-26B0-41B9-8D0E-A6E2BE76A0F6}" type="datetimeFigureOut">
               <a:rPr lang="es-CL" smtClean="0"/>
-              <a:t>06-12-2016</a:t>
+              <a:t>07-12-2016</a:t>
             </a:fld>
             <a:endParaRPr lang="es-CL"/>
           </a:p>
@@ -6026,7 +6447,7 @@
       </p:sp>
       <p:sp>
         <p:nvSpPr>
-          <p:cNvPr id="6" name="Marcador de pie de página 5"/>
+          <p:cNvPr id="6" name="Footer Placeholder 5"/>
           <p:cNvSpPr>
             <a:spLocks noGrp="1"/>
           </p:cNvSpPr>
@@ -6045,7 +6466,7 @@
       </p:sp>
       <p:sp>
         <p:nvSpPr>
-          <p:cNvPr id="7" name="Marcador de número de diapositiva 6"/>
+          <p:cNvPr id="7" name="Slide Number Placeholder 6"/>
           <p:cNvSpPr>
             <a:spLocks noGrp="1"/>
           </p:cNvSpPr>
@@ -6069,7 +6490,7 @@
     </p:spTree>
     <p:extLst>
       <p:ext uri="{BB962C8B-B14F-4D97-AF65-F5344CB8AC3E}">
-        <p14:creationId xmlns:p14="http://schemas.microsoft.com/office/powerpoint/2010/main" val="2987380197"/>
+        <p14:creationId xmlns:p14="http://schemas.microsoft.com/office/powerpoint/2010/main" val="3024912479"/>
       </p:ext>
     </p:extLst>
   </p:cSld>
@@ -6098,7 +6519,7 @@
       </p:grpSpPr>
       <p:sp>
         <p:nvSpPr>
-          <p:cNvPr id="2" name="Título 1"/>
+          <p:cNvPr id="2" name="Title 1"/>
           <p:cNvSpPr>
             <a:spLocks noGrp="1"/>
           </p:cNvSpPr>
@@ -6108,8 +6529,8 @@
         </p:nvSpPr>
         <p:spPr>
           <a:xfrm>
-            <a:off x="839788" y="365125"/>
-            <a:ext cx="10515600" cy="1325563"/>
+            <a:off x="629841" y="365126"/>
+            <a:ext cx="7886700" cy="1325563"/>
           </a:xfrm>
         </p:spPr>
         <p:txBody>
@@ -6117,16 +6538,16 @@
           <a:lstStyle/>
           <a:p>
             <a:r>
-              <a:rPr lang="es-ES"/>
+              <a:rPr lang="es-ES" smtClean="0"/>
               <a:t>Haga clic para modificar el estilo de título del patrón</a:t>
             </a:r>
-            <a:endParaRPr lang="es-CL"/>
-          </a:p>
-        </p:txBody>
-      </p:sp>
-      <p:sp>
-        <p:nvSpPr>
-          <p:cNvPr id="3" name="Marcador de texto 2"/>
+            <a:endParaRPr lang="en-US" dirty="0"/>
+          </a:p>
+        </p:txBody>
+      </p:sp>
+      <p:sp>
+        <p:nvSpPr>
+          <p:cNvPr id="3" name="Text Placeholder 2"/>
           <p:cNvSpPr>
             <a:spLocks noGrp="1"/>
           </p:cNvSpPr>
@@ -6136,8 +6557,8 @@
         </p:nvSpPr>
         <p:spPr>
           <a:xfrm>
-            <a:off x="839788" y="1681163"/>
-            <a:ext cx="5157787" cy="823912"/>
+            <a:off x="629842" y="1681163"/>
+            <a:ext cx="3868340" cy="823912"/>
           </a:xfrm>
         </p:spPr>
         <p:txBody>
@@ -6183,7 +6604,7 @@
           <a:p>
             <a:pPr lvl="0"/>
             <a:r>
-              <a:rPr lang="es-ES"/>
+              <a:rPr lang="es-ES" smtClean="0"/>
               <a:t>Haga clic para modificar el estilo de texto del patrón</a:t>
             </a:r>
           </a:p>
@@ -6191,7 +6612,7 @@
       </p:sp>
       <p:sp>
         <p:nvSpPr>
-          <p:cNvPr id="4" name="Marcador de contenido 3"/>
+          <p:cNvPr id="4" name="Content Placeholder 3"/>
           <p:cNvSpPr>
             <a:spLocks noGrp="1"/>
           </p:cNvSpPr>
@@ -6201,8 +6622,8 @@
         </p:nvSpPr>
         <p:spPr>
           <a:xfrm>
-            <a:off x="839788" y="2505075"/>
-            <a:ext cx="5157787" cy="3684588"/>
+            <a:off x="629842" y="2505075"/>
+            <a:ext cx="3868340" cy="3684588"/>
           </a:xfrm>
         </p:spPr>
         <p:txBody>
@@ -6211,44 +6632,44 @@
           <a:p>
             <a:pPr lvl="0"/>
             <a:r>
-              <a:rPr lang="es-ES"/>
+              <a:rPr lang="es-ES" smtClean="0"/>
               <a:t>Haga clic para modificar el estilo de texto del patrón</a:t>
             </a:r>
           </a:p>
           <a:p>
             <a:pPr lvl="1"/>
             <a:r>
-              <a:rPr lang="es-ES"/>
+              <a:rPr lang="es-ES" smtClean="0"/>
               <a:t>Segundo nivel</a:t>
             </a:r>
           </a:p>
           <a:p>
             <a:pPr lvl="2"/>
             <a:r>
-              <a:rPr lang="es-ES"/>
+              <a:rPr lang="es-ES" smtClean="0"/>
               <a:t>Tercer nivel</a:t>
             </a:r>
           </a:p>
           <a:p>
             <a:pPr lvl="3"/>
             <a:r>
-              <a:rPr lang="es-ES"/>
+              <a:rPr lang="es-ES" smtClean="0"/>
               <a:t>Cuarto nivel</a:t>
             </a:r>
           </a:p>
           <a:p>
             <a:pPr lvl="4"/>
             <a:r>
-              <a:rPr lang="es-ES"/>
+              <a:rPr lang="es-ES" smtClean="0"/>
               <a:t>Quinto nivel</a:t>
             </a:r>
-            <a:endParaRPr lang="es-CL"/>
-          </a:p>
-        </p:txBody>
-      </p:sp>
-      <p:sp>
-        <p:nvSpPr>
-          <p:cNvPr id="5" name="Marcador de texto 4"/>
+            <a:endParaRPr lang="en-US" dirty="0"/>
+          </a:p>
+        </p:txBody>
+      </p:sp>
+      <p:sp>
+        <p:nvSpPr>
+          <p:cNvPr id="5" name="Text Placeholder 4"/>
           <p:cNvSpPr>
             <a:spLocks noGrp="1"/>
           </p:cNvSpPr>
@@ -6258,8 +6679,8 @@
         </p:nvSpPr>
         <p:spPr>
           <a:xfrm>
-            <a:off x="6172200" y="1681163"/>
-            <a:ext cx="5183188" cy="823912"/>
+            <a:off x="4629150" y="1681163"/>
+            <a:ext cx="3887391" cy="823912"/>
           </a:xfrm>
         </p:spPr>
         <p:txBody>
@@ -6305,7 +6726,7 @@
           <a:p>
             <a:pPr lvl="0"/>
             <a:r>
-              <a:rPr lang="es-ES"/>
+              <a:rPr lang="es-ES" smtClean="0"/>
               <a:t>Haga clic para modificar el estilo de texto del patrón</a:t>
             </a:r>
           </a:p>
@@ -6313,7 +6734,7 @@
       </p:sp>
       <p:sp>
         <p:nvSpPr>
-          <p:cNvPr id="6" name="Marcador de contenido 5"/>
+          <p:cNvPr id="6" name="Content Placeholder 5"/>
           <p:cNvSpPr>
             <a:spLocks noGrp="1"/>
           </p:cNvSpPr>
@@ -6323,8 +6744,8 @@
         </p:nvSpPr>
         <p:spPr>
           <a:xfrm>
-            <a:off x="6172200" y="2505075"/>
-            <a:ext cx="5183188" cy="3684588"/>
+            <a:off x="4629150" y="2505075"/>
+            <a:ext cx="3887391" cy="3684588"/>
           </a:xfrm>
         </p:spPr>
         <p:txBody>
@@ -6333,44 +6754,44 @@
           <a:p>
             <a:pPr lvl="0"/>
             <a:r>
-              <a:rPr lang="es-ES"/>
+              <a:rPr lang="es-ES" smtClean="0"/>
               <a:t>Haga clic para modificar el estilo de texto del patrón</a:t>
             </a:r>
           </a:p>
           <a:p>
             <a:pPr lvl="1"/>
             <a:r>
-              <a:rPr lang="es-ES"/>
+              <a:rPr lang="es-ES" smtClean="0"/>
               <a:t>Segundo nivel</a:t>
             </a:r>
           </a:p>
           <a:p>
             <a:pPr lvl="2"/>
             <a:r>
-              <a:rPr lang="es-ES"/>
+              <a:rPr lang="es-ES" smtClean="0"/>
               <a:t>Tercer nivel</a:t>
             </a:r>
           </a:p>
           <a:p>
             <a:pPr lvl="3"/>
             <a:r>
-              <a:rPr lang="es-ES"/>
+              <a:rPr lang="es-ES" smtClean="0"/>
               <a:t>Cuarto nivel</a:t>
             </a:r>
           </a:p>
           <a:p>
             <a:pPr lvl="4"/>
             <a:r>
-              <a:rPr lang="es-ES"/>
+              <a:rPr lang="es-ES" smtClean="0"/>
               <a:t>Quinto nivel</a:t>
             </a:r>
-            <a:endParaRPr lang="es-CL"/>
-          </a:p>
-        </p:txBody>
-      </p:sp>
-      <p:sp>
-        <p:nvSpPr>
-          <p:cNvPr id="7" name="Marcador de fecha 6"/>
+            <a:endParaRPr lang="en-US" dirty="0"/>
+          </a:p>
+        </p:txBody>
+      </p:sp>
+      <p:sp>
+        <p:nvSpPr>
+          <p:cNvPr id="7" name="Date Placeholder 6"/>
           <p:cNvSpPr>
             <a:spLocks noGrp="1"/>
           </p:cNvSpPr>
@@ -6385,7 +6806,7 @@
           <a:p>
             <a:fld id="{C56040A3-26B0-41B9-8D0E-A6E2BE76A0F6}" type="datetimeFigureOut">
               <a:rPr lang="es-CL" smtClean="0"/>
-              <a:t>06-12-2016</a:t>
+              <a:t>07-12-2016</a:t>
             </a:fld>
             <a:endParaRPr lang="es-CL"/>
           </a:p>
@@ -6393,7 +6814,7 @@
       </p:sp>
       <p:sp>
         <p:nvSpPr>
-          <p:cNvPr id="8" name="Marcador de pie de página 7"/>
+          <p:cNvPr id="8" name="Footer Placeholder 7"/>
           <p:cNvSpPr>
             <a:spLocks noGrp="1"/>
           </p:cNvSpPr>
@@ -6412,7 +6833,7 @@
       </p:sp>
       <p:sp>
         <p:nvSpPr>
-          <p:cNvPr id="9" name="Marcador de número de diapositiva 8"/>
+          <p:cNvPr id="9" name="Slide Number Placeholder 8"/>
           <p:cNvSpPr>
             <a:spLocks noGrp="1"/>
           </p:cNvSpPr>
@@ -6436,7 +6857,7 @@
     </p:spTree>
     <p:extLst>
       <p:ext uri="{BB962C8B-B14F-4D97-AF65-F5344CB8AC3E}">
-        <p14:creationId xmlns:p14="http://schemas.microsoft.com/office/powerpoint/2010/main" val="3307270953"/>
+        <p14:creationId xmlns:p14="http://schemas.microsoft.com/office/powerpoint/2010/main" val="2646926838"/>
       </p:ext>
     </p:extLst>
   </p:cSld>
@@ -6465,7 +6886,7 @@
       </p:grpSpPr>
       <p:sp>
         <p:nvSpPr>
-          <p:cNvPr id="2" name="Título 1"/>
+          <p:cNvPr id="2" name="Title 1"/>
           <p:cNvSpPr>
             <a:spLocks noGrp="1"/>
           </p:cNvSpPr>
@@ -6479,16 +6900,16 @@
           <a:lstStyle/>
           <a:p>
             <a:r>
-              <a:rPr lang="es-ES"/>
+              <a:rPr lang="es-ES" smtClean="0"/>
               <a:t>Haga clic para modificar el estilo de título del patrón</a:t>
             </a:r>
-            <a:endParaRPr lang="es-CL"/>
-          </a:p>
-        </p:txBody>
-      </p:sp>
-      <p:sp>
-        <p:nvSpPr>
-          <p:cNvPr id="3" name="Marcador de fecha 2"/>
+            <a:endParaRPr lang="en-US" dirty="0"/>
+          </a:p>
+        </p:txBody>
+      </p:sp>
+      <p:sp>
+        <p:nvSpPr>
+          <p:cNvPr id="3" name="Date Placeholder 2"/>
           <p:cNvSpPr>
             <a:spLocks noGrp="1"/>
           </p:cNvSpPr>
@@ -6503,7 +6924,7 @@
           <a:p>
             <a:fld id="{C56040A3-26B0-41B9-8D0E-A6E2BE76A0F6}" type="datetimeFigureOut">
               <a:rPr lang="es-CL" smtClean="0"/>
-              <a:t>06-12-2016</a:t>
+              <a:t>07-12-2016</a:t>
             </a:fld>
             <a:endParaRPr lang="es-CL"/>
           </a:p>
@@ -6511,7 +6932,7 @@
       </p:sp>
       <p:sp>
         <p:nvSpPr>
-          <p:cNvPr id="4" name="Marcador de pie de página 3"/>
+          <p:cNvPr id="4" name="Footer Placeholder 3"/>
           <p:cNvSpPr>
             <a:spLocks noGrp="1"/>
           </p:cNvSpPr>
@@ -6530,7 +6951,7 @@
       </p:sp>
       <p:sp>
         <p:nvSpPr>
-          <p:cNvPr id="5" name="Marcador de número de diapositiva 4"/>
+          <p:cNvPr id="5" name="Slide Number Placeholder 4"/>
           <p:cNvSpPr>
             <a:spLocks noGrp="1"/>
           </p:cNvSpPr>
@@ -6554,7 +6975,7 @@
     </p:spTree>
     <p:extLst>
       <p:ext uri="{BB962C8B-B14F-4D97-AF65-F5344CB8AC3E}">
-        <p14:creationId xmlns:p14="http://schemas.microsoft.com/office/powerpoint/2010/main" val="3967012994"/>
+        <p14:creationId xmlns:p14="http://schemas.microsoft.com/office/powerpoint/2010/main" val="632629798"/>
       </p:ext>
     </p:extLst>
   </p:cSld>
@@ -6583,7 +7004,7 @@
       </p:grpSpPr>
       <p:sp>
         <p:nvSpPr>
-          <p:cNvPr id="2" name="Marcador de fecha 1"/>
+          <p:cNvPr id="2" name="Date Placeholder 1"/>
           <p:cNvSpPr>
             <a:spLocks noGrp="1"/>
           </p:cNvSpPr>
@@ -6598,7 +7019,7 @@
           <a:p>
             <a:fld id="{C56040A3-26B0-41B9-8D0E-A6E2BE76A0F6}" type="datetimeFigureOut">
               <a:rPr lang="es-CL" smtClean="0"/>
-              <a:t>06-12-2016</a:t>
+              <a:t>07-12-2016</a:t>
             </a:fld>
             <a:endParaRPr lang="es-CL"/>
           </a:p>
@@ -6606,7 +7027,7 @@
       </p:sp>
       <p:sp>
         <p:nvSpPr>
-          <p:cNvPr id="3" name="Marcador de pie de página 2"/>
+          <p:cNvPr id="3" name="Footer Placeholder 2"/>
           <p:cNvSpPr>
             <a:spLocks noGrp="1"/>
           </p:cNvSpPr>
@@ -6625,7 +7046,7 @@
       </p:sp>
       <p:sp>
         <p:nvSpPr>
-          <p:cNvPr id="4" name="Marcador de número de diapositiva 3"/>
+          <p:cNvPr id="4" name="Slide Number Placeholder 3"/>
           <p:cNvSpPr>
             <a:spLocks noGrp="1"/>
           </p:cNvSpPr>
@@ -6649,7 +7070,7 @@
     </p:spTree>
     <p:extLst>
       <p:ext uri="{BB962C8B-B14F-4D97-AF65-F5344CB8AC3E}">
-        <p14:creationId xmlns:p14="http://schemas.microsoft.com/office/powerpoint/2010/main" val="4005582689"/>
+        <p14:creationId xmlns:p14="http://schemas.microsoft.com/office/powerpoint/2010/main" val="4098224422"/>
       </p:ext>
     </p:extLst>
   </p:cSld>
@@ -6678,7 +7099,7 @@
       </p:grpSpPr>
       <p:sp>
         <p:nvSpPr>
-          <p:cNvPr id="2" name="Título 1"/>
+          <p:cNvPr id="2" name="Title 1"/>
           <p:cNvSpPr>
             <a:spLocks noGrp="1"/>
           </p:cNvSpPr>
@@ -6688,8 +7109,8 @@
         </p:nvSpPr>
         <p:spPr>
           <a:xfrm>
-            <a:off x="839788" y="457200"/>
-            <a:ext cx="3932237" cy="1600200"/>
+            <a:off x="629841" y="457200"/>
+            <a:ext cx="2949178" cy="1600200"/>
           </a:xfrm>
         </p:spPr>
         <p:txBody>
@@ -6701,16 +7122,16 @@
           </a:lstStyle>
           <a:p>
             <a:r>
-              <a:rPr lang="es-ES"/>
+              <a:rPr lang="es-ES" smtClean="0"/>
               <a:t>Haga clic para modificar el estilo de título del patrón</a:t>
             </a:r>
-            <a:endParaRPr lang="es-CL"/>
-          </a:p>
-        </p:txBody>
-      </p:sp>
-      <p:sp>
-        <p:nvSpPr>
-          <p:cNvPr id="3" name="Marcador de contenido 2"/>
+            <a:endParaRPr lang="en-US" dirty="0"/>
+          </a:p>
+        </p:txBody>
+      </p:sp>
+      <p:sp>
+        <p:nvSpPr>
+          <p:cNvPr id="3" name="Content Placeholder 2"/>
           <p:cNvSpPr>
             <a:spLocks noGrp="1"/>
           </p:cNvSpPr>
@@ -6720,8 +7141,8 @@
         </p:nvSpPr>
         <p:spPr>
           <a:xfrm>
-            <a:off x="5183188" y="987425"/>
-            <a:ext cx="6172200" cy="4873625"/>
+            <a:off x="3887391" y="987426"/>
+            <a:ext cx="4629150" cy="4873625"/>
           </a:xfrm>
         </p:spPr>
         <p:txBody>
@@ -6758,44 +7179,44 @@
           <a:p>
             <a:pPr lvl="0"/>
             <a:r>
-              <a:rPr lang="es-ES"/>
+              <a:rPr lang="es-ES" smtClean="0"/>
               <a:t>Haga clic para modificar el estilo de texto del patrón</a:t>
             </a:r>
           </a:p>
           <a:p>
             <a:pPr lvl="1"/>
             <a:r>
-              <a:rPr lang="es-ES"/>
+              <a:rPr lang="es-ES" smtClean="0"/>
               <a:t>Segundo nivel</a:t>
             </a:r>
           </a:p>
           <a:p>
             <a:pPr lvl="2"/>
             <a:r>
-              <a:rPr lang="es-ES"/>
+              <a:rPr lang="es-ES" smtClean="0"/>
               <a:t>Tercer nivel</a:t>
             </a:r>
           </a:p>
           <a:p>
             <a:pPr lvl="3"/>
             <a:r>
-              <a:rPr lang="es-ES"/>
+              <a:rPr lang="es-ES" smtClean="0"/>
               <a:t>Cuarto nivel</a:t>
             </a:r>
           </a:p>
           <a:p>
             <a:pPr lvl="4"/>
             <a:r>
-              <a:rPr lang="es-ES"/>
+              <a:rPr lang="es-ES" smtClean="0"/>
               <a:t>Quinto nivel</a:t>
             </a:r>
-            <a:endParaRPr lang="es-CL"/>
-          </a:p>
-        </p:txBody>
-      </p:sp>
-      <p:sp>
-        <p:nvSpPr>
-          <p:cNvPr id="4" name="Marcador de texto 3"/>
+            <a:endParaRPr lang="en-US" dirty="0"/>
+          </a:p>
+        </p:txBody>
+      </p:sp>
+      <p:sp>
+        <p:nvSpPr>
+          <p:cNvPr id="4" name="Text Placeholder 3"/>
           <p:cNvSpPr>
             <a:spLocks noGrp="1"/>
           </p:cNvSpPr>
@@ -6805,8 +7226,8 @@
         </p:nvSpPr>
         <p:spPr>
           <a:xfrm>
-            <a:off x="839788" y="2057400"/>
-            <a:ext cx="3932237" cy="3811588"/>
+            <a:off x="629841" y="2057400"/>
+            <a:ext cx="2949178" cy="3811588"/>
           </a:xfrm>
         </p:spPr>
         <p:txBody>
@@ -6852,7 +7273,7 @@
           <a:p>
             <a:pPr lvl="0"/>
             <a:r>
-              <a:rPr lang="es-ES"/>
+              <a:rPr lang="es-ES" smtClean="0"/>
               <a:t>Haga clic para modificar el estilo de texto del patrón</a:t>
             </a:r>
           </a:p>
@@ -6860,7 +7281,7 @@
       </p:sp>
       <p:sp>
         <p:nvSpPr>
-          <p:cNvPr id="5" name="Marcador de fecha 4"/>
+          <p:cNvPr id="5" name="Date Placeholder 4"/>
           <p:cNvSpPr>
             <a:spLocks noGrp="1"/>
           </p:cNvSpPr>
@@ -6875,7 +7296,7 @@
           <a:p>
             <a:fld id="{C56040A3-26B0-41B9-8D0E-A6E2BE76A0F6}" type="datetimeFigureOut">
               <a:rPr lang="es-CL" smtClean="0"/>
-              <a:t>06-12-2016</a:t>
+              <a:t>07-12-2016</a:t>
             </a:fld>
             <a:endParaRPr lang="es-CL"/>
           </a:p>
@@ -6883,7 +7304,7 @@
       </p:sp>
       <p:sp>
         <p:nvSpPr>
-          <p:cNvPr id="6" name="Marcador de pie de página 5"/>
+          <p:cNvPr id="6" name="Footer Placeholder 5"/>
           <p:cNvSpPr>
             <a:spLocks noGrp="1"/>
           </p:cNvSpPr>
@@ -6902,7 +7323,7 @@
       </p:sp>
       <p:sp>
         <p:nvSpPr>
-          <p:cNvPr id="7" name="Marcador de número de diapositiva 6"/>
+          <p:cNvPr id="7" name="Slide Number Placeholder 6"/>
           <p:cNvSpPr>
             <a:spLocks noGrp="1"/>
           </p:cNvSpPr>
@@ -6926,7 +7347,7 @@
     </p:spTree>
     <p:extLst>
       <p:ext uri="{BB962C8B-B14F-4D97-AF65-F5344CB8AC3E}">
-        <p14:creationId xmlns:p14="http://schemas.microsoft.com/office/powerpoint/2010/main" val="1060019835"/>
+        <p14:creationId xmlns:p14="http://schemas.microsoft.com/office/powerpoint/2010/main" val="856059563"/>
       </p:ext>
     </p:extLst>
   </p:cSld>
@@ -6955,7 +7376,7 @@
       </p:grpSpPr>
       <p:sp>
         <p:nvSpPr>
-          <p:cNvPr id="2" name="Título 1"/>
+          <p:cNvPr id="2" name="Title 1"/>
           <p:cNvSpPr>
             <a:spLocks noGrp="1"/>
           </p:cNvSpPr>
@@ -6965,8 +7386,8 @@
         </p:nvSpPr>
         <p:spPr>
           <a:xfrm>
-            <a:off x="839788" y="457200"/>
-            <a:ext cx="3932237" cy="1600200"/>
+            <a:off x="629841" y="457200"/>
+            <a:ext cx="2949178" cy="1600200"/>
           </a:xfrm>
         </p:spPr>
         <p:txBody>
@@ -6978,18 +7399,18 @@
           </a:lstStyle>
           <a:p>
             <a:r>
-              <a:rPr lang="es-ES"/>
+              <a:rPr lang="es-ES" smtClean="0"/>
               <a:t>Haga clic para modificar el estilo de título del patrón</a:t>
             </a:r>
-            <a:endParaRPr lang="es-CL"/>
-          </a:p>
-        </p:txBody>
-      </p:sp>
-      <p:sp>
-        <p:nvSpPr>
-          <p:cNvPr id="3" name="Marcador de posición de imagen 2"/>
-          <p:cNvSpPr>
-            <a:spLocks noGrp="1"/>
+            <a:endParaRPr lang="en-US" dirty="0"/>
+          </a:p>
+        </p:txBody>
+      </p:sp>
+      <p:sp>
+        <p:nvSpPr>
+          <p:cNvPr id="3" name="Picture Placeholder 2"/>
+          <p:cNvSpPr>
+            <a:spLocks noGrp="1" noChangeAspect="1"/>
           </p:cNvSpPr>
           <p:nvPr>
             <p:ph type="pic" idx="1"/>
@@ -6997,12 +7418,12 @@
         </p:nvSpPr>
         <p:spPr>
           <a:xfrm>
-            <a:off x="5183188" y="987425"/>
-            <a:ext cx="6172200" cy="4873625"/>
-          </a:xfrm>
-        </p:spPr>
-        <p:txBody>
-          <a:bodyPr/>
+            <a:off x="3887391" y="987426"/>
+            <a:ext cx="4629150" cy="4873625"/>
+          </a:xfrm>
+        </p:spPr>
+        <p:txBody>
+          <a:bodyPr anchor="t"/>
           <a:lstStyle>
             <a:lvl1pPr marL="0" indent="0">
               <a:buNone/>
@@ -7042,13 +7463,17 @@
             </a:lvl9pPr>
           </a:lstStyle>
           <a:p>
-            <a:endParaRPr lang="es-CL"/>
-          </a:p>
-        </p:txBody>
-      </p:sp>
-      <p:sp>
-        <p:nvSpPr>
-          <p:cNvPr id="4" name="Marcador de texto 3"/>
+            <a:r>
+              <a:rPr lang="es-ES" smtClean="0"/>
+              <a:t>Haga clic en el icono para agregar una imagen</a:t>
+            </a:r>
+            <a:endParaRPr lang="en-US" dirty="0"/>
+          </a:p>
+        </p:txBody>
+      </p:sp>
+      <p:sp>
+        <p:nvSpPr>
+          <p:cNvPr id="4" name="Text Placeholder 3"/>
           <p:cNvSpPr>
             <a:spLocks noGrp="1"/>
           </p:cNvSpPr>
@@ -7058,8 +7483,8 @@
         </p:nvSpPr>
         <p:spPr>
           <a:xfrm>
-            <a:off x="839788" y="2057400"/>
-            <a:ext cx="3932237" cy="3811588"/>
+            <a:off x="629841" y="2057400"/>
+            <a:ext cx="2949178" cy="3811588"/>
           </a:xfrm>
         </p:spPr>
         <p:txBody>
@@ -7105,7 +7530,7 @@
           <a:p>
             <a:pPr lvl="0"/>
             <a:r>
-              <a:rPr lang="es-ES"/>
+              <a:rPr lang="es-ES" smtClean="0"/>
               <a:t>Haga clic para modificar el estilo de texto del patrón</a:t>
             </a:r>
           </a:p>
@@ -7113,7 +7538,7 @@
       </p:sp>
       <p:sp>
         <p:nvSpPr>
-          <p:cNvPr id="5" name="Marcador de fecha 4"/>
+          <p:cNvPr id="5" name="Date Placeholder 4"/>
           <p:cNvSpPr>
             <a:spLocks noGrp="1"/>
           </p:cNvSpPr>
@@ -7128,7 +7553,7 @@
           <a:p>
             <a:fld id="{C56040A3-26B0-41B9-8D0E-A6E2BE76A0F6}" type="datetimeFigureOut">
               <a:rPr lang="es-CL" smtClean="0"/>
-              <a:t>06-12-2016</a:t>
+              <a:t>07-12-2016</a:t>
             </a:fld>
             <a:endParaRPr lang="es-CL"/>
           </a:p>
@@ -7136,7 +7561,7 @@
       </p:sp>
       <p:sp>
         <p:nvSpPr>
-          <p:cNvPr id="6" name="Marcador de pie de página 5"/>
+          <p:cNvPr id="6" name="Footer Placeholder 5"/>
           <p:cNvSpPr>
             <a:spLocks noGrp="1"/>
           </p:cNvSpPr>
@@ -7155,7 +7580,7 @@
       </p:sp>
       <p:sp>
         <p:nvSpPr>
-          <p:cNvPr id="7" name="Marcador de número de diapositiva 6"/>
+          <p:cNvPr id="7" name="Slide Number Placeholder 6"/>
           <p:cNvSpPr>
             <a:spLocks noGrp="1"/>
           </p:cNvSpPr>
@@ -7179,7 +7604,7 @@
     </p:spTree>
     <p:extLst>
       <p:ext uri="{BB962C8B-B14F-4D97-AF65-F5344CB8AC3E}">
-        <p14:creationId xmlns:p14="http://schemas.microsoft.com/office/powerpoint/2010/main" val="987328201"/>
+        <p14:creationId xmlns:p14="http://schemas.microsoft.com/office/powerpoint/2010/main" val="2589514534"/>
       </p:ext>
     </p:extLst>
   </p:cSld>
@@ -7193,18 +7618,9 @@
 <p:sldMaster xmlns:a="http://schemas.openxmlformats.org/drawingml/2006/main" xmlns:r="http://schemas.openxmlformats.org/officeDocument/2006/relationships" xmlns:p="http://schemas.openxmlformats.org/presentationml/2006/main">
   <p:cSld>
     <p:bg>
-      <p:bgPr>
-        <a:blipFill dpi="0" rotWithShape="1">
-          <a:blip r:embed="rId13">
-            <a:lum/>
-          </a:blip>
-          <a:srcRect/>
-          <a:stretch>
-            <a:fillRect/>
-          </a:stretch>
-        </a:blipFill>
-        <a:effectLst/>
-      </p:bgPr>
+      <p:bgRef idx="1001">
+        <a:schemeClr val="bg1"/>
+      </p:bgRef>
     </p:bg>
     <p:spTree>
       <p:nvGrpSpPr>
@@ -7222,7 +7638,7 @@
       </p:grpSpPr>
       <p:sp>
         <p:nvSpPr>
-          <p:cNvPr id="2" name="Marcador de título 1"/>
+          <p:cNvPr id="2" name="Title Placeholder 1"/>
           <p:cNvSpPr>
             <a:spLocks noGrp="1"/>
           </p:cNvSpPr>
@@ -7232,8 +7648,8 @@
         </p:nvSpPr>
         <p:spPr>
           <a:xfrm>
-            <a:off x="838200" y="365125"/>
-            <a:ext cx="10515600" cy="1325563"/>
+            <a:off x="628650" y="365126"/>
+            <a:ext cx="7886700" cy="1325563"/>
           </a:xfrm>
           <a:prstGeom prst="rect">
             <a:avLst/>
@@ -7246,16 +7662,16 @@
           <a:lstStyle/>
           <a:p>
             <a:r>
-              <a:rPr lang="es-ES"/>
+              <a:rPr lang="es-ES" smtClean="0"/>
               <a:t>Haga clic para modificar el estilo de título del patrón</a:t>
             </a:r>
-            <a:endParaRPr lang="es-CL"/>
-          </a:p>
-        </p:txBody>
-      </p:sp>
-      <p:sp>
-        <p:nvSpPr>
-          <p:cNvPr id="3" name="Marcador de texto 2"/>
+            <a:endParaRPr lang="en-US" dirty="0"/>
+          </a:p>
+        </p:txBody>
+      </p:sp>
+      <p:sp>
+        <p:nvSpPr>
+          <p:cNvPr id="3" name="Text Placeholder 2"/>
           <p:cNvSpPr>
             <a:spLocks noGrp="1"/>
           </p:cNvSpPr>
@@ -7265,8 +7681,8 @@
         </p:nvSpPr>
         <p:spPr>
           <a:xfrm>
-            <a:off x="838200" y="1825625"/>
-            <a:ext cx="10515600" cy="4351338"/>
+            <a:off x="628650" y="1825625"/>
+            <a:ext cx="7886700" cy="4351338"/>
           </a:xfrm>
           <a:prstGeom prst="rect">
             <a:avLst/>
@@ -7280,44 +7696,44 @@
           <a:p>
             <a:pPr lvl="0"/>
             <a:r>
-              <a:rPr lang="es-ES"/>
+              <a:rPr lang="es-ES" smtClean="0"/>
               <a:t>Haga clic para modificar el estilo de texto del patrón</a:t>
             </a:r>
           </a:p>
           <a:p>
             <a:pPr lvl="1"/>
             <a:r>
-              <a:rPr lang="es-ES"/>
+              <a:rPr lang="es-ES" smtClean="0"/>
               <a:t>Segundo nivel</a:t>
             </a:r>
           </a:p>
           <a:p>
             <a:pPr lvl="2"/>
             <a:r>
-              <a:rPr lang="es-ES"/>
+              <a:rPr lang="es-ES" smtClean="0"/>
               <a:t>Tercer nivel</a:t>
             </a:r>
           </a:p>
           <a:p>
             <a:pPr lvl="3"/>
             <a:r>
-              <a:rPr lang="es-ES"/>
+              <a:rPr lang="es-ES" smtClean="0"/>
               <a:t>Cuarto nivel</a:t>
             </a:r>
           </a:p>
           <a:p>
             <a:pPr lvl="4"/>
             <a:r>
-              <a:rPr lang="es-ES"/>
+              <a:rPr lang="es-ES" smtClean="0"/>
               <a:t>Quinto nivel</a:t>
             </a:r>
-            <a:endParaRPr lang="es-CL"/>
-          </a:p>
-        </p:txBody>
-      </p:sp>
-      <p:sp>
-        <p:nvSpPr>
-          <p:cNvPr id="4" name="Marcador de fecha 3"/>
+            <a:endParaRPr lang="en-US" dirty="0"/>
+          </a:p>
+        </p:txBody>
+      </p:sp>
+      <p:sp>
+        <p:nvSpPr>
+          <p:cNvPr id="4" name="Date Placeholder 3"/>
           <p:cNvSpPr>
             <a:spLocks noGrp="1"/>
           </p:cNvSpPr>
@@ -7327,8 +7743,8 @@
         </p:nvSpPr>
         <p:spPr>
           <a:xfrm>
-            <a:off x="838200" y="6356350"/>
-            <a:ext cx="2743200" cy="365125"/>
+            <a:off x="628650" y="6356351"/>
+            <a:ext cx="2057400" cy="365125"/>
           </a:xfrm>
           <a:prstGeom prst="rect">
             <a:avLst/>
@@ -7350,7 +7766,7 @@
           <a:p>
             <a:fld id="{C56040A3-26B0-41B9-8D0E-A6E2BE76A0F6}" type="datetimeFigureOut">
               <a:rPr lang="es-CL" smtClean="0"/>
-              <a:t>06-12-2016</a:t>
+              <a:t>07-12-2016</a:t>
             </a:fld>
             <a:endParaRPr lang="es-CL"/>
           </a:p>
@@ -7358,7 +7774,7 @@
       </p:sp>
       <p:sp>
         <p:nvSpPr>
-          <p:cNvPr id="5" name="Marcador de pie de página 4"/>
+          <p:cNvPr id="5" name="Footer Placeholder 4"/>
           <p:cNvSpPr>
             <a:spLocks noGrp="1"/>
           </p:cNvSpPr>
@@ -7368,8 +7784,8 @@
         </p:nvSpPr>
         <p:spPr>
           <a:xfrm>
-            <a:off x="4038600" y="6356350"/>
-            <a:ext cx="4114800" cy="365125"/>
+            <a:off x="3028950" y="6356351"/>
+            <a:ext cx="3086100" cy="365125"/>
           </a:xfrm>
           <a:prstGeom prst="rect">
             <a:avLst/>
@@ -7395,7 +7811,7 @@
       </p:sp>
       <p:sp>
         <p:nvSpPr>
-          <p:cNvPr id="6" name="Marcador de número de diapositiva 5"/>
+          <p:cNvPr id="6" name="Slide Number Placeholder 5"/>
           <p:cNvSpPr>
             <a:spLocks noGrp="1"/>
           </p:cNvSpPr>
@@ -7405,8 +7821,8 @@
         </p:nvSpPr>
         <p:spPr>
           <a:xfrm>
-            <a:off x="8610600" y="6356350"/>
-            <a:ext cx="2743200" cy="365125"/>
+            <a:off x="6457950" y="6356351"/>
+            <a:ext cx="2057400" cy="365125"/>
           </a:xfrm>
           <a:prstGeom prst="rect">
             <a:avLst/>
@@ -7437,23 +7853,23 @@
     </p:spTree>
     <p:extLst>
       <p:ext uri="{BB962C8B-B14F-4D97-AF65-F5344CB8AC3E}">
-        <p14:creationId xmlns:p14="http://schemas.microsoft.com/office/powerpoint/2010/main" val="2212017361"/>
+        <p14:creationId xmlns:p14="http://schemas.microsoft.com/office/powerpoint/2010/main" val="1309621106"/>
       </p:ext>
     </p:extLst>
   </p:cSld>
   <p:clrMap bg1="lt1" tx1="dk1" bg2="lt2" tx2="dk2" accent1="accent1" accent2="accent2" accent3="accent3" accent4="accent4" accent5="accent5" accent6="accent6" hlink="hlink" folHlink="folHlink"/>
   <p:sldLayoutIdLst>
-    <p:sldLayoutId id="2147483649" r:id="rId1"/>
-    <p:sldLayoutId id="2147483650" r:id="rId2"/>
-    <p:sldLayoutId id="2147483651" r:id="rId3"/>
-    <p:sldLayoutId id="2147483652" r:id="rId4"/>
-    <p:sldLayoutId id="2147483653" r:id="rId5"/>
-    <p:sldLayoutId id="2147483654" r:id="rId6"/>
-    <p:sldLayoutId id="2147483655" r:id="rId7"/>
-    <p:sldLayoutId id="2147483656" r:id="rId8"/>
-    <p:sldLayoutId id="2147483657" r:id="rId9"/>
-    <p:sldLayoutId id="2147483658" r:id="rId10"/>
-    <p:sldLayoutId id="2147483659" r:id="rId11"/>
+    <p:sldLayoutId id="2147483661" r:id="rId1"/>
+    <p:sldLayoutId id="2147483662" r:id="rId2"/>
+    <p:sldLayoutId id="2147483663" r:id="rId3"/>
+    <p:sldLayoutId id="2147483664" r:id="rId4"/>
+    <p:sldLayoutId id="2147483665" r:id="rId5"/>
+    <p:sldLayoutId id="2147483666" r:id="rId6"/>
+    <p:sldLayoutId id="2147483667" r:id="rId7"/>
+    <p:sldLayoutId id="2147483668" r:id="rId8"/>
+    <p:sldLayoutId id="2147483669" r:id="rId9"/>
+    <p:sldLayoutId id="2147483670" r:id="rId10"/>
+    <p:sldLayoutId id="2147483671" r:id="rId11"/>
   </p:sldLayoutIdLst>
   <p:txStyles>
     <p:titleStyle>
@@ -7641,7 +8057,7 @@
     </p:bodyStyle>
     <p:otherStyle>
       <a:defPPr>
-        <a:defRPr lang="es-CL"/>
+        <a:defRPr lang="en-US"/>
       </a:defPPr>
       <a:lvl1pPr marL="0" algn="l" defTabSz="914400" rtl="0" eaLnBrk="1" latinLnBrk="0" hangingPunct="1">
         <a:defRPr sz="1800" kern="1200">
@@ -7778,10 +8194,10 @@
               <a:rPr lang="es-CL" dirty="0"/>
             </a:br>
             <a:r>
-              <a:rPr lang="es-CL" sz="3200" dirty="0" smtClean="0"/>
+              <a:rPr lang="es-CL" sz="2400" dirty="0"/>
               <a:t>“Centro Médico Hipócrates”</a:t>
             </a:r>
-            <a:endParaRPr lang="es-CL" sz="3200" dirty="0"/>
+            <a:endParaRPr lang="es-CL" sz="2400" dirty="0"/>
           </a:p>
         </p:txBody>
       </p:sp>
@@ -7797,8 +8213,8 @@
         </p:nvSpPr>
         <p:spPr>
           <a:xfrm>
-            <a:off x="1524000" y="4052203"/>
-            <a:ext cx="9144000" cy="2404867"/>
+            <a:off x="1143000" y="3896403"/>
+            <a:ext cx="6858000" cy="1803650"/>
           </a:xfrm>
         </p:spPr>
         <p:txBody>
@@ -7808,54 +8224,54 @@
           <a:lstStyle/>
           <a:p>
             <a:r>
-              <a:rPr lang="es-CL" sz="3200" dirty="0"/>
+              <a:rPr lang="es-CL" sz="2400" dirty="0"/>
               <a:t>Ingeniería Informática</a:t>
             </a:r>
           </a:p>
           <a:p>
             <a:r>
-              <a:rPr lang="es-CL" sz="1400" dirty="0"/>
+              <a:rPr lang="es-CL" sz="1050" dirty="0"/>
               <a:t>Escuela de Informática y Telecomunicaciones</a:t>
             </a:r>
           </a:p>
           <a:p>
             <a:r>
-              <a:rPr lang="es-CL" sz="1400" dirty="0"/>
+              <a:rPr lang="es-CL" sz="1050" dirty="0"/>
               <a:t>Sede </a:t>
             </a:r>
             <a:r>
-              <a:rPr lang="es-CL" sz="1400" dirty="0" smtClean="0"/>
+              <a:rPr lang="es-CL" sz="1050" dirty="0"/>
               <a:t>Antonio Varas</a:t>
             </a:r>
-            <a:endParaRPr lang="es-CL" sz="1400" dirty="0"/>
-          </a:p>
-          <a:p>
-            <a:r>
-              <a:rPr lang="es-CL" sz="1400" dirty="0"/>
+            <a:endParaRPr lang="es-CL" sz="1050" dirty="0"/>
+          </a:p>
+          <a:p>
+            <a:r>
+              <a:rPr lang="es-CL" sz="1050" dirty="0"/>
               <a:t>2016</a:t>
             </a:r>
           </a:p>
           <a:p>
             <a:r>
-              <a:rPr lang="es-CL" sz="1400" dirty="0" smtClean="0"/>
+              <a:rPr lang="es-CL" sz="1050" dirty="0"/>
               <a:t>Vicente Aranda</a:t>
             </a:r>
-            <a:endParaRPr lang="es-CL" sz="1400" dirty="0"/>
-          </a:p>
-          <a:p>
-            <a:r>
-              <a:rPr lang="es-CL" sz="1400" dirty="0"/>
+            <a:endParaRPr lang="es-CL" sz="1050" dirty="0"/>
+          </a:p>
+          <a:p>
+            <a:r>
+              <a:rPr lang="es-CL" sz="1050" dirty="0"/>
               <a:t>Elías Baeza, Pablo de la Sotta, </a:t>
             </a:r>
           </a:p>
           <a:p>
             <a:r>
-              <a:rPr lang="es-CL" sz="1400" dirty="0"/>
+              <a:rPr lang="es-CL" sz="1050" dirty="0"/>
               <a:t>Fabián Jaque, Gonzalo López, Tomás Muñiz</a:t>
             </a:r>
           </a:p>
           <a:p>
-            <a:endParaRPr lang="es-CL" sz="1400" dirty="0"/>
+            <a:endParaRPr lang="es-CL" sz="1050" dirty="0"/>
           </a:p>
         </p:txBody>
       </p:sp>
@@ -7908,8 +8324,8 @@
         </p:nvSpPr>
         <p:spPr>
           <a:xfrm>
-            <a:off x="838200" y="578107"/>
-            <a:ext cx="10515600" cy="1325563"/>
+            <a:off x="628650" y="1290831"/>
+            <a:ext cx="7886700" cy="994172"/>
           </a:xfrm>
         </p:spPr>
         <p:txBody>
@@ -7947,8 +8363,8 @@
         </p:blipFill>
         <p:spPr>
           <a:xfrm>
-            <a:off x="2186159" y="1775946"/>
-            <a:ext cx="7142828" cy="4563876"/>
+            <a:off x="1639619" y="2189210"/>
+            <a:ext cx="5357121" cy="3422907"/>
           </a:xfrm>
         </p:spPr>
       </p:pic>
@@ -7998,8 +8414,8 @@
         </p:blipFill>
         <p:spPr>
           <a:xfrm>
-            <a:off x="2790291" y="2705588"/>
-            <a:ext cx="643166" cy="796537"/>
+            <a:off x="2092718" y="2886441"/>
+            <a:ext cx="482375" cy="597403"/>
           </a:xfrm>
           <a:prstGeom prst="rect">
             <a:avLst/>
@@ -8027,8 +8443,8 @@
         </p:blipFill>
         <p:spPr>
           <a:xfrm>
-            <a:off x="5831260" y="5078582"/>
-            <a:ext cx="643166" cy="796537"/>
+            <a:off x="4373445" y="4666187"/>
+            <a:ext cx="482375" cy="597403"/>
           </a:xfrm>
           <a:prstGeom prst="rect">
             <a:avLst/>
@@ -8057,8 +8473,8 @@
         </p:blipFill>
         <p:spPr>
           <a:xfrm>
-            <a:off x="5461815" y="2871392"/>
-            <a:ext cx="633406" cy="603355"/>
+            <a:off x="4096361" y="3010795"/>
+            <a:ext cx="475055" cy="452516"/>
           </a:xfrm>
           <a:prstGeom prst="rect">
             <a:avLst/>
@@ -8087,8 +8503,8 @@
         </p:blipFill>
         <p:spPr>
           <a:xfrm>
-            <a:off x="7934291" y="2953941"/>
-            <a:ext cx="633406" cy="603355"/>
+            <a:off x="5950718" y="3072706"/>
+            <a:ext cx="475055" cy="452516"/>
           </a:xfrm>
           <a:prstGeom prst="rect">
             <a:avLst/>
@@ -8116,8 +8532,8 @@
         </p:blipFill>
         <p:spPr>
           <a:xfrm>
-            <a:off x="3822756" y="5421624"/>
-            <a:ext cx="1104173" cy="178971"/>
+            <a:off x="2867067" y="4923469"/>
+            <a:ext cx="828130" cy="134228"/>
           </a:xfrm>
           <a:prstGeom prst="rect">
             <a:avLst/>
@@ -8145,8 +8561,8 @@
         </p:blipFill>
         <p:spPr>
           <a:xfrm>
-            <a:off x="7698907" y="5478930"/>
-            <a:ext cx="1104173" cy="178971"/>
+            <a:off x="5774181" y="4966448"/>
+            <a:ext cx="828130" cy="134228"/>
           </a:xfrm>
           <a:prstGeom prst="rect">
             <a:avLst/>
@@ -8248,8 +8664,8 @@
         </p:blipFill>
         <p:spPr>
           <a:xfrm>
-            <a:off x="3882224" y="1775946"/>
-            <a:ext cx="7142828" cy="4563876"/>
+            <a:off x="2911668" y="2189210"/>
+            <a:ext cx="5357121" cy="3422907"/>
           </a:xfrm>
         </p:spPr>
       </p:pic>
@@ -8299,8 +8715,8 @@
         </p:blipFill>
         <p:spPr>
           <a:xfrm>
-            <a:off x="4486356" y="2705588"/>
-            <a:ext cx="643166" cy="796537"/>
+            <a:off x="3364767" y="2886441"/>
+            <a:ext cx="482375" cy="597403"/>
           </a:xfrm>
           <a:prstGeom prst="rect">
             <a:avLst/>
@@ -8328,8 +8744,8 @@
         </p:blipFill>
         <p:spPr>
           <a:xfrm>
-            <a:off x="7527325" y="5078582"/>
-            <a:ext cx="643166" cy="796537"/>
+            <a:off x="5645494" y="4666187"/>
+            <a:ext cx="482375" cy="597403"/>
           </a:xfrm>
           <a:prstGeom prst="rect">
             <a:avLst/>
@@ -8358,8 +8774,8 @@
         </p:blipFill>
         <p:spPr>
           <a:xfrm>
-            <a:off x="7157880" y="2871392"/>
-            <a:ext cx="633406" cy="603355"/>
+            <a:off x="5368410" y="3010795"/>
+            <a:ext cx="475055" cy="452516"/>
           </a:xfrm>
           <a:prstGeom prst="rect">
             <a:avLst/>
@@ -8388,8 +8804,8 @@
         </p:blipFill>
         <p:spPr>
           <a:xfrm>
-            <a:off x="9630356" y="2953941"/>
-            <a:ext cx="633406" cy="603355"/>
+            <a:off x="7222767" y="3072706"/>
+            <a:ext cx="475055" cy="452516"/>
           </a:xfrm>
           <a:prstGeom prst="rect">
             <a:avLst/>
@@ -8417,8 +8833,8 @@
         </p:blipFill>
         <p:spPr>
           <a:xfrm>
-            <a:off x="5518821" y="5421624"/>
-            <a:ext cx="1104173" cy="178971"/>
+            <a:off x="4139116" y="4923469"/>
+            <a:ext cx="828130" cy="134228"/>
           </a:xfrm>
           <a:prstGeom prst="rect">
             <a:avLst/>
@@ -8446,8 +8862,8 @@
         </p:blipFill>
         <p:spPr>
           <a:xfrm>
-            <a:off x="9394972" y="5478930"/>
-            <a:ext cx="1104173" cy="178971"/>
+            <a:off x="7046229" y="4966448"/>
+            <a:ext cx="828130" cy="134228"/>
           </a:xfrm>
           <a:prstGeom prst="rect">
             <a:avLst/>
@@ -8462,8 +8878,8 @@
         </p:nvSpPr>
         <p:spPr>
           <a:xfrm>
-            <a:off x="3924114" y="1965799"/>
-            <a:ext cx="2005780" cy="1976284"/>
+            <a:off x="2943086" y="2331599"/>
+            <a:ext cx="1504335" cy="1482213"/>
           </a:xfrm>
           <a:prstGeom prst="frame">
             <a:avLst/>
@@ -8490,7 +8906,7 @@
           <a:lstStyle/>
           <a:p>
             <a:pPr algn="ctr"/>
-            <a:endParaRPr lang="es-ES_tradnl">
+            <a:endParaRPr lang="es-ES_tradnl" sz="1350">
               <a:solidFill>
                 <a:schemeClr val="tx1"/>
               </a:solidFill>
@@ -8520,8 +8936,8 @@
         </p:blipFill>
         <p:spPr>
           <a:xfrm>
-            <a:off x="2439125" y="2412422"/>
-            <a:ext cx="955492" cy="1144874"/>
+            <a:off x="1829344" y="2666566"/>
+            <a:ext cx="716619" cy="858656"/>
           </a:xfrm>
           <a:prstGeom prst="rect">
             <a:avLst/>
@@ -8550,8 +8966,8 @@
         </p:blipFill>
         <p:spPr>
           <a:xfrm>
-            <a:off x="808518" y="2144369"/>
-            <a:ext cx="1143000" cy="2057400"/>
+            <a:off x="606389" y="2465527"/>
+            <a:ext cx="857250" cy="1543050"/>
           </a:xfrm>
           <a:prstGeom prst="rect">
             <a:avLst/>
@@ -8653,8 +9069,8 @@
         </p:blipFill>
         <p:spPr>
           <a:xfrm>
-            <a:off x="3882224" y="1775946"/>
-            <a:ext cx="7142828" cy="4563876"/>
+            <a:off x="2911668" y="2189210"/>
+            <a:ext cx="5357121" cy="3422907"/>
           </a:xfrm>
         </p:spPr>
       </p:pic>
@@ -8704,8 +9120,8 @@
         </p:blipFill>
         <p:spPr>
           <a:xfrm>
-            <a:off x="4486356" y="2705588"/>
-            <a:ext cx="643166" cy="796537"/>
+            <a:off x="3364767" y="2886441"/>
+            <a:ext cx="482375" cy="597403"/>
           </a:xfrm>
           <a:prstGeom prst="rect">
             <a:avLst/>
@@ -8733,8 +9149,8 @@
         </p:blipFill>
         <p:spPr>
           <a:xfrm>
-            <a:off x="7527325" y="5078582"/>
-            <a:ext cx="643166" cy="796537"/>
+            <a:off x="5645494" y="4666187"/>
+            <a:ext cx="482375" cy="597403"/>
           </a:xfrm>
           <a:prstGeom prst="rect">
             <a:avLst/>
@@ -8763,8 +9179,8 @@
         </p:blipFill>
         <p:spPr>
           <a:xfrm>
-            <a:off x="7157880" y="2871392"/>
-            <a:ext cx="633406" cy="603355"/>
+            <a:off x="5368410" y="3010795"/>
+            <a:ext cx="475055" cy="452516"/>
           </a:xfrm>
           <a:prstGeom prst="rect">
             <a:avLst/>
@@ -8793,8 +9209,8 @@
         </p:blipFill>
         <p:spPr>
           <a:xfrm>
-            <a:off x="9630356" y="2953941"/>
-            <a:ext cx="633406" cy="603355"/>
+            <a:off x="7222767" y="3072706"/>
+            <a:ext cx="475055" cy="452516"/>
           </a:xfrm>
           <a:prstGeom prst="rect">
             <a:avLst/>
@@ -8822,8 +9238,8 @@
         </p:blipFill>
         <p:spPr>
           <a:xfrm>
-            <a:off x="5518821" y="5421624"/>
-            <a:ext cx="1104173" cy="178971"/>
+            <a:off x="4139116" y="4923469"/>
+            <a:ext cx="828130" cy="134228"/>
           </a:xfrm>
           <a:prstGeom prst="rect">
             <a:avLst/>
@@ -8851,8 +9267,8 @@
         </p:blipFill>
         <p:spPr>
           <a:xfrm>
-            <a:off x="9394972" y="5478930"/>
-            <a:ext cx="1104173" cy="178971"/>
+            <a:off x="7046229" y="4966448"/>
+            <a:ext cx="828130" cy="134228"/>
           </a:xfrm>
           <a:prstGeom prst="rect">
             <a:avLst/>
@@ -8867,8 +9283,8 @@
         </p:nvSpPr>
         <p:spPr>
           <a:xfrm>
-            <a:off x="5105302" y="4363538"/>
-            <a:ext cx="2005780" cy="1976284"/>
+            <a:off x="3828977" y="4129904"/>
+            <a:ext cx="1504335" cy="1482213"/>
           </a:xfrm>
           <a:prstGeom prst="frame">
             <a:avLst/>
@@ -8895,7 +9311,7 @@
           <a:lstStyle/>
           <a:p>
             <a:pPr algn="ctr"/>
-            <a:endParaRPr lang="es-ES_tradnl">
+            <a:endParaRPr lang="es-ES_tradnl" sz="1350">
               <a:solidFill>
                 <a:schemeClr val="tx1"/>
               </a:solidFill>
@@ -8925,8 +9341,8 @@
         </p:blipFill>
         <p:spPr>
           <a:xfrm>
-            <a:off x="799568" y="3703595"/>
-            <a:ext cx="2902346" cy="2749973"/>
+            <a:off x="599676" y="3634947"/>
+            <a:ext cx="2176760" cy="2062480"/>
           </a:xfrm>
           <a:prstGeom prst="rect">
             <a:avLst/>
@@ -9028,8 +9444,8 @@
         </p:blipFill>
         <p:spPr>
           <a:xfrm>
-            <a:off x="3882224" y="1775946"/>
-            <a:ext cx="7142828" cy="4563876"/>
+            <a:off x="2911668" y="2189210"/>
+            <a:ext cx="5357121" cy="3422907"/>
           </a:xfrm>
         </p:spPr>
       </p:pic>
@@ -9079,8 +9495,8 @@
         </p:blipFill>
         <p:spPr>
           <a:xfrm>
-            <a:off x="4486356" y="2705588"/>
-            <a:ext cx="643166" cy="796537"/>
+            <a:off x="3364767" y="2886441"/>
+            <a:ext cx="482375" cy="597403"/>
           </a:xfrm>
           <a:prstGeom prst="rect">
             <a:avLst/>
@@ -9108,8 +9524,8 @@
         </p:blipFill>
         <p:spPr>
           <a:xfrm>
-            <a:off x="7527325" y="5078582"/>
-            <a:ext cx="643166" cy="796537"/>
+            <a:off x="5645494" y="4666187"/>
+            <a:ext cx="482375" cy="597403"/>
           </a:xfrm>
           <a:prstGeom prst="rect">
             <a:avLst/>
@@ -9138,8 +9554,8 @@
         </p:blipFill>
         <p:spPr>
           <a:xfrm>
-            <a:off x="7157880" y="2871392"/>
-            <a:ext cx="633406" cy="603355"/>
+            <a:off x="5368410" y="3010795"/>
+            <a:ext cx="475055" cy="452516"/>
           </a:xfrm>
           <a:prstGeom prst="rect">
             <a:avLst/>
@@ -9168,8 +9584,8 @@
         </p:blipFill>
         <p:spPr>
           <a:xfrm>
-            <a:off x="9630356" y="2953941"/>
-            <a:ext cx="633406" cy="603355"/>
+            <a:off x="7222767" y="3072706"/>
+            <a:ext cx="475055" cy="452516"/>
           </a:xfrm>
           <a:prstGeom prst="rect">
             <a:avLst/>
@@ -9197,8 +9613,8 @@
         </p:blipFill>
         <p:spPr>
           <a:xfrm>
-            <a:off x="5518821" y="5421624"/>
-            <a:ext cx="1104173" cy="178971"/>
+            <a:off x="4139116" y="4923469"/>
+            <a:ext cx="828130" cy="134228"/>
           </a:xfrm>
           <a:prstGeom prst="rect">
             <a:avLst/>
@@ -9226,8 +9642,8 @@
         </p:blipFill>
         <p:spPr>
           <a:xfrm>
-            <a:off x="9394972" y="5478930"/>
-            <a:ext cx="1104173" cy="178971"/>
+            <a:off x="7046229" y="4966448"/>
+            <a:ext cx="828130" cy="134228"/>
           </a:xfrm>
           <a:prstGeom prst="rect">
             <a:avLst/>
@@ -9242,8 +9658,8 @@
         </p:nvSpPr>
         <p:spPr>
           <a:xfrm>
-            <a:off x="6450748" y="2021091"/>
-            <a:ext cx="2005780" cy="1976284"/>
+            <a:off x="4838061" y="2373068"/>
+            <a:ext cx="1504335" cy="1482213"/>
           </a:xfrm>
           <a:prstGeom prst="frame">
             <a:avLst/>
@@ -9270,7 +9686,7 @@
           <a:lstStyle/>
           <a:p>
             <a:pPr algn="ctr"/>
-            <a:endParaRPr lang="es-ES_tradnl">
+            <a:endParaRPr lang="es-ES_tradnl" sz="1350">
               <a:solidFill>
                 <a:schemeClr val="tx1"/>
               </a:solidFill>
@@ -9300,8 +9716,8 @@
         </p:blipFill>
         <p:spPr>
           <a:xfrm>
-            <a:off x="1330393" y="1894423"/>
-            <a:ext cx="1843414" cy="1768173"/>
+            <a:off x="997795" y="2278068"/>
+            <a:ext cx="1382561" cy="1326130"/>
           </a:xfrm>
           <a:prstGeom prst="rect">
             <a:avLst/>
@@ -9330,8 +9746,8 @@
         </p:blipFill>
         <p:spPr>
           <a:xfrm>
-            <a:off x="582903" y="4004677"/>
-            <a:ext cx="1357938" cy="2569897"/>
+            <a:off x="437177" y="3860758"/>
+            <a:ext cx="1018454" cy="1927423"/>
           </a:xfrm>
           <a:prstGeom prst="rect">
             <a:avLst/>
@@ -9347,7 +9763,7 @@
           <p:nvPr/>
         </p:nvPicPr>
         <p:blipFill>
-          <a:blip r:embed="rId9">
+          <a:blip r:embed="rId9" cstate="print">
             <a:extLst>
               <a:ext uri="{28A0092B-C50C-407E-A947-70E740481C1C}">
                 <a14:useLocalDpi xmlns:a14="http://schemas.microsoft.com/office/drawing/2010/main" val="0"/>
@@ -9360,8 +9776,8 @@
         </p:blipFill>
         <p:spPr>
           <a:xfrm>
-            <a:off x="1751473" y="3933066"/>
-            <a:ext cx="1160059" cy="2713118"/>
+            <a:off x="1313605" y="3807049"/>
+            <a:ext cx="870044" cy="2034839"/>
           </a:xfrm>
           <a:prstGeom prst="rect">
             <a:avLst/>
@@ -9390,8 +9806,8 @@
         </p:blipFill>
         <p:spPr>
           <a:xfrm>
-            <a:off x="2803046" y="4057884"/>
-            <a:ext cx="1023844" cy="2407157"/>
+            <a:off x="2102285" y="3900663"/>
+            <a:ext cx="767883" cy="1805368"/>
           </a:xfrm>
           <a:prstGeom prst="rect">
             <a:avLst/>
@@ -9493,8 +9909,8 @@
         </p:blipFill>
         <p:spPr>
           <a:xfrm>
-            <a:off x="3882224" y="1775946"/>
-            <a:ext cx="7142828" cy="4563876"/>
+            <a:off x="2911668" y="2189210"/>
+            <a:ext cx="5357121" cy="3422907"/>
           </a:xfrm>
         </p:spPr>
       </p:pic>
@@ -9544,8 +9960,8 @@
         </p:blipFill>
         <p:spPr>
           <a:xfrm>
-            <a:off x="4486356" y="2705588"/>
-            <a:ext cx="643166" cy="796537"/>
+            <a:off x="3364767" y="2886441"/>
+            <a:ext cx="482375" cy="597403"/>
           </a:xfrm>
           <a:prstGeom prst="rect">
             <a:avLst/>
@@ -9573,8 +9989,8 @@
         </p:blipFill>
         <p:spPr>
           <a:xfrm>
-            <a:off x="7527325" y="5078582"/>
-            <a:ext cx="643166" cy="796537"/>
+            <a:off x="5645494" y="4666187"/>
+            <a:ext cx="482375" cy="597403"/>
           </a:xfrm>
           <a:prstGeom prst="rect">
             <a:avLst/>
@@ -9603,8 +10019,8 @@
         </p:blipFill>
         <p:spPr>
           <a:xfrm>
-            <a:off x="7157880" y="2871392"/>
-            <a:ext cx="633406" cy="603355"/>
+            <a:off x="5368410" y="3010795"/>
+            <a:ext cx="475055" cy="452516"/>
           </a:xfrm>
           <a:prstGeom prst="rect">
             <a:avLst/>
@@ -9633,8 +10049,8 @@
         </p:blipFill>
         <p:spPr>
           <a:xfrm>
-            <a:off x="9630356" y="2953941"/>
-            <a:ext cx="633406" cy="603355"/>
+            <a:off x="7222767" y="3072706"/>
+            <a:ext cx="475055" cy="452516"/>
           </a:xfrm>
           <a:prstGeom prst="rect">
             <a:avLst/>
@@ -9662,8 +10078,8 @@
         </p:blipFill>
         <p:spPr>
           <a:xfrm>
-            <a:off x="5518821" y="5421624"/>
-            <a:ext cx="1104173" cy="178971"/>
+            <a:off x="4139116" y="4923469"/>
+            <a:ext cx="828130" cy="134228"/>
           </a:xfrm>
           <a:prstGeom prst="rect">
             <a:avLst/>
@@ -9691,8 +10107,8 @@
         </p:blipFill>
         <p:spPr>
           <a:xfrm>
-            <a:off x="9394972" y="5478930"/>
-            <a:ext cx="1104173" cy="178971"/>
+            <a:off x="7046229" y="4966448"/>
+            <a:ext cx="828130" cy="134228"/>
           </a:xfrm>
           <a:prstGeom prst="rect">
             <a:avLst/>
@@ -9707,8 +10123,8 @@
         </p:nvSpPr>
         <p:spPr>
           <a:xfrm>
-            <a:off x="8948732" y="2078396"/>
-            <a:ext cx="2005780" cy="4261425"/>
+            <a:off x="6711549" y="2416047"/>
+            <a:ext cx="1504335" cy="3196069"/>
           </a:xfrm>
           <a:prstGeom prst="frame">
             <a:avLst/>
@@ -9735,7 +10151,7 @@
           <a:lstStyle/>
           <a:p>
             <a:pPr algn="ctr"/>
-            <a:endParaRPr lang="es-ES_tradnl">
+            <a:endParaRPr lang="es-ES_tradnl" sz="1350">
               <a:solidFill>
                 <a:schemeClr val="tx1"/>
               </a:solidFill>
@@ -9765,8 +10181,8 @@
         </p:blipFill>
         <p:spPr>
           <a:xfrm>
-            <a:off x="1483097" y="2078396"/>
-            <a:ext cx="1599315" cy="1599315"/>
+            <a:off x="1112323" y="2416048"/>
+            <a:ext cx="1199486" cy="1199486"/>
           </a:xfrm>
           <a:prstGeom prst="rect">
             <a:avLst/>
@@ -9795,8 +10211,8 @@
         </p:blipFill>
         <p:spPr>
           <a:xfrm>
-            <a:off x="578650" y="4527755"/>
-            <a:ext cx="1650150" cy="1650150"/>
+            <a:off x="433987" y="4253066"/>
+            <a:ext cx="1237613" cy="1237613"/>
           </a:xfrm>
           <a:prstGeom prst="rect">
             <a:avLst/>
@@ -9825,8 +10241,8 @@
         </p:blipFill>
         <p:spPr>
           <a:xfrm>
-            <a:off x="510342" y="4395020"/>
-            <a:ext cx="1650150" cy="1650150"/>
+            <a:off x="382756" y="4153515"/>
+            <a:ext cx="1237613" cy="1237613"/>
           </a:xfrm>
           <a:prstGeom prst="rect">
             <a:avLst/>
@@ -9855,8 +10271,8 @@
         </p:blipFill>
         <p:spPr>
           <a:xfrm>
-            <a:off x="2245984" y="4588089"/>
-            <a:ext cx="1619413" cy="1457081"/>
+            <a:off x="1684488" y="4298317"/>
+            <a:ext cx="1214560" cy="1092811"/>
           </a:xfrm>
           <a:prstGeom prst="rect">
             <a:avLst/>
@@ -9958,8 +10374,8 @@
         </p:blipFill>
         <p:spPr>
           <a:xfrm>
-            <a:off x="3882224" y="1775946"/>
-            <a:ext cx="7142828" cy="4563876"/>
+            <a:off x="2911668" y="2189210"/>
+            <a:ext cx="5357121" cy="3422907"/>
           </a:xfrm>
         </p:spPr>
       </p:pic>
@@ -10009,8 +10425,8 @@
         </p:blipFill>
         <p:spPr>
           <a:xfrm>
-            <a:off x="4486356" y="2705588"/>
-            <a:ext cx="643166" cy="796537"/>
+            <a:off x="3364767" y="2886441"/>
+            <a:ext cx="482375" cy="597403"/>
           </a:xfrm>
           <a:prstGeom prst="rect">
             <a:avLst/>
@@ -10038,8 +10454,8 @@
         </p:blipFill>
         <p:spPr>
           <a:xfrm>
-            <a:off x="7527325" y="5078582"/>
-            <a:ext cx="643166" cy="796537"/>
+            <a:off x="5645494" y="4666187"/>
+            <a:ext cx="482375" cy="597403"/>
           </a:xfrm>
           <a:prstGeom prst="rect">
             <a:avLst/>
@@ -10068,8 +10484,8 @@
         </p:blipFill>
         <p:spPr>
           <a:xfrm>
-            <a:off x="7157880" y="2871392"/>
-            <a:ext cx="633406" cy="603355"/>
+            <a:off x="5368410" y="3010795"/>
+            <a:ext cx="475055" cy="452516"/>
           </a:xfrm>
           <a:prstGeom prst="rect">
             <a:avLst/>
@@ -10098,8 +10514,8 @@
         </p:blipFill>
         <p:spPr>
           <a:xfrm>
-            <a:off x="9630356" y="2953941"/>
-            <a:ext cx="633406" cy="603355"/>
+            <a:off x="7222767" y="3072706"/>
+            <a:ext cx="475055" cy="452516"/>
           </a:xfrm>
           <a:prstGeom prst="rect">
             <a:avLst/>
@@ -10127,8 +10543,8 @@
         </p:blipFill>
         <p:spPr>
           <a:xfrm>
-            <a:off x="5518821" y="5421624"/>
-            <a:ext cx="1104173" cy="178971"/>
+            <a:off x="4139116" y="4923469"/>
+            <a:ext cx="828130" cy="134228"/>
           </a:xfrm>
           <a:prstGeom prst="rect">
             <a:avLst/>
@@ -10156,8 +10572,8 @@
         </p:blipFill>
         <p:spPr>
           <a:xfrm>
-            <a:off x="9394972" y="5478930"/>
-            <a:ext cx="1104173" cy="178971"/>
+            <a:off x="7046229" y="4966448"/>
+            <a:ext cx="828130" cy="134228"/>
           </a:xfrm>
           <a:prstGeom prst="rect">
             <a:avLst/>
@@ -10172,8 +10588,8 @@
         </p:nvSpPr>
         <p:spPr>
           <a:xfrm>
-            <a:off x="7017389" y="4363538"/>
-            <a:ext cx="2005780" cy="1976284"/>
+            <a:off x="5263042" y="4129904"/>
+            <a:ext cx="1504335" cy="1482213"/>
           </a:xfrm>
           <a:prstGeom prst="frame">
             <a:avLst/>
@@ -10200,7 +10616,7 @@
           <a:lstStyle/>
           <a:p>
             <a:pPr algn="ctr"/>
-            <a:endParaRPr lang="es-ES_tradnl">
+            <a:endParaRPr lang="es-ES_tradnl" sz="1350">
               <a:solidFill>
                 <a:schemeClr val="tx1"/>
               </a:solidFill>
@@ -10230,8 +10646,8 @@
         </p:blipFill>
         <p:spPr>
           <a:xfrm>
-            <a:off x="1069252" y="4066676"/>
-            <a:ext cx="2249642" cy="2105524"/>
+            <a:off x="801939" y="3907257"/>
+            <a:ext cx="1687232" cy="1579143"/>
           </a:xfrm>
           <a:prstGeom prst="rect">
             <a:avLst/>
@@ -10260,8 +10676,8 @@
         </p:blipFill>
         <p:spPr>
           <a:xfrm>
-            <a:off x="1114573" y="1744443"/>
-            <a:ext cx="2159000" cy="2159000"/>
+            <a:off x="835930" y="2165582"/>
+            <a:ext cx="1619250" cy="1619250"/>
           </a:xfrm>
           <a:prstGeom prst="rect">
             <a:avLst/>
@@ -10329,8 +10745,8 @@
         </p:nvSpPr>
         <p:spPr>
           <a:xfrm>
-            <a:off x="725659" y="1110713"/>
-            <a:ext cx="10515600" cy="1325563"/>
+            <a:off x="544244" y="1690285"/>
+            <a:ext cx="7886700" cy="994172"/>
           </a:xfrm>
         </p:spPr>
         <p:txBody>
@@ -10366,8 +10782,8 @@
         </p:blipFill>
         <p:spPr>
           <a:xfrm>
-            <a:off x="6656175" y="2268036"/>
-            <a:ext cx="1795988" cy="2224264"/>
+            <a:off x="4992131" y="2558277"/>
+            <a:ext cx="1346991" cy="1668198"/>
           </a:xfrm>
           <a:prstGeom prst="rect">
             <a:avLst/>
@@ -10396,8 +10812,8 @@
         </p:blipFill>
         <p:spPr>
           <a:xfrm>
-            <a:off x="3514754" y="2522821"/>
-            <a:ext cx="1800094" cy="1714694"/>
+            <a:off x="2636065" y="2749366"/>
+            <a:ext cx="1350071" cy="1286021"/>
           </a:xfrm>
           <a:prstGeom prst="rect">
             <a:avLst/>
@@ -10425,8 +10841,8 @@
         </p:blipFill>
         <p:spPr>
           <a:xfrm>
-            <a:off x="3514754" y="4940080"/>
-            <a:ext cx="4937409" cy="800285"/>
+            <a:off x="2636066" y="4562310"/>
+            <a:ext cx="3703057" cy="600214"/>
           </a:xfrm>
           <a:prstGeom prst="rect">
             <a:avLst/>
@@ -10475,8 +10891,8 @@
         </p:nvSpPr>
         <p:spPr>
           <a:xfrm>
-            <a:off x="725659" y="1110713"/>
-            <a:ext cx="10515600" cy="1325563"/>
+            <a:off x="544244" y="1690285"/>
+            <a:ext cx="7886700" cy="994172"/>
           </a:xfrm>
         </p:spPr>
         <p:txBody>
@@ -10504,8 +10920,8 @@
           </p:nvPr>
         </p:nvGraphicFramePr>
         <p:xfrm>
-          <a:off x="2532167" y="1955799"/>
-          <a:ext cx="6902583" cy="4419601"/>
+          <a:off x="1899126" y="2324100"/>
+          <a:ext cx="5176937" cy="3314701"/>
         </p:xfrm>
         <a:graphic>
           <a:graphicData uri="http://schemas.openxmlformats.org/drawingml/2006/diagram">
@@ -10555,8 +10971,8 @@
         </p:nvSpPr>
         <p:spPr>
           <a:xfrm>
-            <a:off x="622300" y="903732"/>
-            <a:ext cx="10515600" cy="1325563"/>
+            <a:off x="466725" y="1535050"/>
+            <a:ext cx="7886700" cy="994172"/>
           </a:xfrm>
         </p:spPr>
         <p:txBody>
@@ -10583,8 +10999,8 @@
         </p:nvSpPr>
         <p:spPr>
           <a:xfrm>
-            <a:off x="667301" y="2567607"/>
-            <a:ext cx="8595360" cy="3439493"/>
+            <a:off x="500476" y="2782956"/>
+            <a:ext cx="6446520" cy="2579620"/>
           </a:xfrm>
         </p:spPr>
         <p:txBody>
@@ -10594,47 +11010,44 @@
           <a:lstStyle/>
           <a:p>
             <a:r>
-              <a:rPr lang="es-CL" sz="3200" dirty="0"/>
+              <a:rPr lang="es-CL" sz="2400" dirty="0"/>
               <a:t>Fabián Jaque</a:t>
             </a:r>
           </a:p>
           <a:p>
             <a:r>
-              <a:rPr lang="es-CL" sz="3200" dirty="0"/>
+              <a:rPr lang="es-CL" sz="2400" dirty="0"/>
               <a:t>Tomás Muñiz</a:t>
             </a:r>
           </a:p>
           <a:p>
             <a:r>
-              <a:rPr lang="es-CL" sz="3200" dirty="0"/>
+              <a:rPr lang="es-CL" sz="2400" dirty="0"/>
               <a:t>Elías Baeza</a:t>
             </a:r>
           </a:p>
           <a:p>
             <a:r>
-              <a:rPr lang="es-CL" sz="3200" dirty="0"/>
+              <a:rPr lang="es-CL" sz="2400" dirty="0"/>
               <a:t>Gonzalo López</a:t>
             </a:r>
           </a:p>
           <a:p>
             <a:r>
-              <a:rPr lang="es-CL" sz="3200" dirty="0"/>
+              <a:rPr lang="es-CL" sz="2400" dirty="0"/>
               <a:t>Pablo de la </a:t>
             </a:r>
             <a:r>
-              <a:rPr lang="es-CL" sz="3200" dirty="0" err="1"/>
+              <a:rPr lang="es-CL" sz="2400" dirty="0" err="1"/>
               <a:t>Sotta</a:t>
             </a:r>
-            <a:endParaRPr lang="es-CL" sz="3200" dirty="0"/>
-          </a:p>
-          <a:p>
-            <a:pPr marL="0" marR="211455" lvl="0" indent="0" algn="just">
-              <a:spcAft>
-                <a:spcPts val="0"/>
-              </a:spcAft>
+            <a:endParaRPr lang="es-CL" sz="2400" dirty="0"/>
+          </a:p>
+          <a:p>
+            <a:pPr marL="0" marR="158591" indent="0" algn="just">
               <a:buNone/>
             </a:pPr>
-            <a:endParaRPr lang="es-CL" sz="3200" dirty="0">
+            <a:endParaRPr lang="es-CL" sz="2400" dirty="0">
               <a:latin typeface="Calibri" panose="020F0502020204030204" pitchFamily="34" charset="0"/>
               <a:ea typeface="Calibri" panose="020F0502020204030204" pitchFamily="34" charset="0"/>
               <a:cs typeface="Times New Roman" panose="02020603050405020304" pitchFamily="18" charset="0"/>
@@ -10688,8 +11101,8 @@
         </p:blipFill>
         <p:spPr>
           <a:xfrm>
-            <a:off x="5957275" y="2946629"/>
-            <a:ext cx="456843" cy="565783"/>
+            <a:off x="4467957" y="3067222"/>
+            <a:ext cx="342632" cy="424337"/>
           </a:xfrm>
           <a:prstGeom prst="rect">
             <a:avLst/>
@@ -10718,8 +11131,8 @@
         </p:blipFill>
         <p:spPr>
           <a:xfrm>
-            <a:off x="5051506" y="4426779"/>
-            <a:ext cx="469911" cy="447617"/>
+            <a:off x="3788630" y="4177335"/>
+            <a:ext cx="352433" cy="335713"/>
           </a:xfrm>
           <a:prstGeom prst="rect">
             <a:avLst/>
@@ -10747,8 +11160,8 @@
         </p:blipFill>
         <p:spPr>
           <a:xfrm>
-            <a:off x="5862226" y="4543112"/>
-            <a:ext cx="1634833" cy="264983"/>
+            <a:off x="4396670" y="4264585"/>
+            <a:ext cx="1226125" cy="198737"/>
           </a:xfrm>
           <a:prstGeom prst="rect">
             <a:avLst/>
@@ -10777,8 +11190,8 @@
         </p:blipFill>
         <p:spPr>
           <a:xfrm>
-            <a:off x="5051506" y="3758806"/>
-            <a:ext cx="416388" cy="469478"/>
+            <a:off x="3788630" y="3676354"/>
+            <a:ext cx="312291" cy="352109"/>
           </a:xfrm>
           <a:prstGeom prst="rect">
             <a:avLst/>
@@ -10807,8 +11220,8 @@
         </p:blipFill>
         <p:spPr>
           <a:xfrm>
-            <a:off x="5051506" y="3031161"/>
-            <a:ext cx="469911" cy="529825"/>
+            <a:off x="3788630" y="3130621"/>
+            <a:ext cx="352433" cy="397369"/>
           </a:xfrm>
           <a:prstGeom prst="rect">
             <a:avLst/>
@@ -10837,8 +11250,8 @@
         </p:blipFill>
         <p:spPr>
           <a:xfrm>
-            <a:off x="5939244" y="3709995"/>
-            <a:ext cx="492907" cy="492907"/>
+            <a:off x="4454434" y="3639747"/>
+            <a:ext cx="369680" cy="369680"/>
           </a:xfrm>
           <a:prstGeom prst="rect">
             <a:avLst/>
@@ -10867,8 +11280,8 @@
         </p:blipFill>
         <p:spPr>
           <a:xfrm>
-            <a:off x="5939244" y="2339759"/>
-            <a:ext cx="492907" cy="492907"/>
+            <a:off x="4454434" y="2612070"/>
+            <a:ext cx="369680" cy="369680"/>
           </a:xfrm>
           <a:prstGeom prst="rect">
             <a:avLst/>
@@ -10897,8 +11310,8 @@
         </p:blipFill>
         <p:spPr>
           <a:xfrm>
-            <a:off x="4964981" y="4964088"/>
-            <a:ext cx="575325" cy="575325"/>
+            <a:off x="3723736" y="4580316"/>
+            <a:ext cx="431494" cy="431494"/>
           </a:xfrm>
           <a:prstGeom prst="rect">
             <a:avLst/>
@@ -10914,7 +11327,7 @@
           <p:nvPr/>
         </p:nvPicPr>
         <p:blipFill rotWithShape="1">
-          <a:blip r:embed="rId11">
+          <a:blip r:embed="rId11" cstate="print">
             <a:extLst>
               <a:ext uri="{28A0092B-C50C-407E-A947-70E740481C1C}">
                 <a14:useLocalDpi xmlns:a14="http://schemas.microsoft.com/office/drawing/2010/main" val="0"/>
@@ -10926,8 +11339,8 @@
         </p:blipFill>
         <p:spPr>
           <a:xfrm>
-            <a:off x="5862226" y="4945574"/>
-            <a:ext cx="785745" cy="558752"/>
+            <a:off x="4396670" y="4566431"/>
+            <a:ext cx="589309" cy="419064"/>
           </a:xfrm>
           <a:prstGeom prst="rect">
             <a:avLst/>
@@ -10956,8 +11369,8 @@
         </p:blipFill>
         <p:spPr>
           <a:xfrm>
-            <a:off x="5056541" y="2367408"/>
-            <a:ext cx="492336" cy="465258"/>
+            <a:off x="3792406" y="2632806"/>
+            <a:ext cx="369252" cy="348944"/>
           </a:xfrm>
           <a:prstGeom prst="rect">
             <a:avLst/>
@@ -11018,8 +11431,8 @@
         </p:nvSpPr>
         <p:spPr>
           <a:xfrm>
-            <a:off x="749300" y="1336325"/>
-            <a:ext cx="10515600" cy="1325563"/>
+            <a:off x="561975" y="1859494"/>
+            <a:ext cx="7886700" cy="994172"/>
           </a:xfrm>
         </p:spPr>
         <p:txBody>
@@ -11052,8 +11465,8 @@
         </p:blipFill>
         <p:spPr>
           <a:xfrm>
-            <a:off x="1579372" y="2920196"/>
-            <a:ext cx="8934688" cy="2808514"/>
+            <a:off x="1184529" y="3047397"/>
+            <a:ext cx="6701016" cy="2106386"/>
           </a:xfrm>
           <a:prstGeom prst="rect">
             <a:avLst/>
@@ -11098,8 +11511,8 @@
         </p:nvSpPr>
         <p:spPr>
           <a:xfrm>
-            <a:off x="3927385" y="5987018"/>
-            <a:ext cx="4238661" cy="369332"/>
+            <a:off x="2945539" y="5347513"/>
+            <a:ext cx="2750433" cy="300082"/>
           </a:xfrm>
           <a:prstGeom prst="rect">
             <a:avLst/>
@@ -11113,7 +11526,7 @@
           <a:lstStyle/>
           <a:p>
             <a:r>
-              <a:rPr lang="es-ES_tradnl" dirty="0"/>
+              <a:rPr lang="es-ES_tradnl" sz="1350" dirty="0"/>
               <a:t>Fig. 3: Carta Gantt: Primera iteración</a:t>
             </a:r>
           </a:p>
@@ -11173,8 +11586,8 @@
         </p:nvSpPr>
         <p:spPr>
           <a:xfrm>
-            <a:off x="725659" y="1110713"/>
-            <a:ext cx="10515600" cy="1325563"/>
+            <a:off x="544244" y="1690285"/>
+            <a:ext cx="7886700" cy="994172"/>
           </a:xfrm>
         </p:spPr>
         <p:txBody>
@@ -11197,8 +11610,8 @@
         </p:nvSpPr>
         <p:spPr>
           <a:xfrm>
-            <a:off x="866254" y="2436276"/>
-            <a:ext cx="10375005" cy="3416320"/>
+            <a:off x="649691" y="2684458"/>
+            <a:ext cx="7781254" cy="2585323"/>
           </a:xfrm>
           <a:prstGeom prst="rect">
             <a:avLst/>
@@ -11211,62 +11624,62 @@
           </a:bodyPr>
           <a:lstStyle/>
           <a:p>
-            <a:pPr marL="285750" indent="-285750">
+            <a:pPr marL="214313" indent="-214313">
               <a:buFont typeface="Arial" panose="020B0604020202020204" pitchFamily="34" charset="0"/>
               <a:buChar char="•"/>
             </a:pPr>
             <a:r>
-              <a:rPr lang="es-CL" sz="3600" dirty="0" smtClean="0"/>
+              <a:rPr lang="es-CL" sz="2700" dirty="0"/>
               <a:t>Cliente</a:t>
             </a:r>
           </a:p>
           <a:p>
-            <a:pPr marL="285750" indent="-285750">
+            <a:pPr marL="214313" indent="-214313">
               <a:buFont typeface="Arial" panose="020B0604020202020204" pitchFamily="34" charset="0"/>
               <a:buChar char="•"/>
             </a:pPr>
             <a:r>
-              <a:rPr lang="es-CL" sz="3600" dirty="0" smtClean="0"/>
+              <a:rPr lang="es-CL" sz="2700" dirty="0"/>
               <a:t>Problemática</a:t>
             </a:r>
           </a:p>
           <a:p>
-            <a:pPr marL="285750" indent="-285750">
+            <a:pPr marL="214313" indent="-214313">
               <a:buFont typeface="Arial" panose="020B0604020202020204" pitchFamily="34" charset="0"/>
               <a:buChar char="•"/>
             </a:pPr>
             <a:r>
-              <a:rPr lang="es-CL" sz="3600" dirty="0" smtClean="0"/>
+              <a:rPr lang="es-CL" sz="2700" dirty="0"/>
               <a:t>Solución</a:t>
             </a:r>
           </a:p>
           <a:p>
-            <a:pPr marL="285750" indent="-285750">
+            <a:pPr marL="214313" indent="-214313">
               <a:buFont typeface="Arial" panose="020B0604020202020204" pitchFamily="34" charset="0"/>
               <a:buChar char="•"/>
             </a:pPr>
             <a:r>
-              <a:rPr lang="es-CL" sz="3600" dirty="0" smtClean="0"/>
+              <a:rPr lang="es-CL" sz="2700" dirty="0"/>
               <a:t>Especificaciones de la solución</a:t>
             </a:r>
           </a:p>
           <a:p>
-            <a:pPr marL="285750" indent="-285750">
+            <a:pPr marL="214313" indent="-214313">
               <a:buFont typeface="Arial" panose="020B0604020202020204" pitchFamily="34" charset="0"/>
               <a:buChar char="•"/>
             </a:pPr>
             <a:r>
-              <a:rPr lang="es-CL" sz="3600" dirty="0" smtClean="0"/>
+              <a:rPr lang="es-CL" sz="2700" dirty="0"/>
               <a:t>Organización del proyecto</a:t>
             </a:r>
           </a:p>
           <a:p>
-            <a:pPr marL="285750" indent="-285750">
+            <a:pPr marL="214313" indent="-214313">
               <a:buFont typeface="Arial" panose="020B0604020202020204" pitchFamily="34" charset="0"/>
               <a:buChar char="•"/>
             </a:pPr>
             <a:r>
-              <a:rPr lang="es-CL" sz="3600" dirty="0" smtClean="0"/>
+              <a:rPr lang="es-CL" sz="2700" dirty="0"/>
               <a:t>Demostración</a:t>
             </a:r>
           </a:p>
@@ -11321,8 +11734,8 @@
         </p:nvSpPr>
         <p:spPr>
           <a:xfrm>
-            <a:off x="702125" y="891623"/>
-            <a:ext cx="10515600" cy="1325563"/>
+            <a:off x="526594" y="1525968"/>
+            <a:ext cx="7886700" cy="994172"/>
           </a:xfrm>
         </p:spPr>
         <p:txBody>
@@ -11334,31 +11747,6 @@
               <a:t>Calendarización y entregables</a:t>
             </a:r>
             <a:endParaRPr lang="en-US" dirty="0"/>
-          </a:p>
-        </p:txBody>
-      </p:sp>
-      <p:sp>
-        <p:nvSpPr>
-          <p:cNvPr id="4" name="Slide Number Placeholder 3"/>
-          <p:cNvSpPr>
-            <a:spLocks noGrp="1"/>
-          </p:cNvSpPr>
-          <p:nvPr>
-            <p:ph type="sldNum" sz="quarter" idx="12"/>
-          </p:nvPr>
-        </p:nvSpPr>
-        <p:spPr/>
-        <p:txBody>
-          <a:bodyPr>
-            <a:normAutofit/>
-          </a:bodyPr>
-          <a:lstStyle/>
-          <a:p>
-            <a:fld id="{66B77C49-310C-4D67-A641-7D2CCF3E3B8A}" type="slidenum">
-              <a:rPr lang="es-CL" smtClean="0"/>
-              <a:t>20</a:t>
-            </a:fld>
-            <a:endParaRPr lang="es-CL"/>
           </a:p>
         </p:txBody>
       </p:sp>
@@ -11380,8 +11768,8 @@
         </p:blipFill>
         <p:spPr>
           <a:xfrm>
-            <a:off x="1821830" y="2217186"/>
-            <a:ext cx="7948703" cy="3952394"/>
+            <a:off x="1366373" y="2520139"/>
+            <a:ext cx="5961527" cy="2964296"/>
           </a:xfrm>
           <a:prstGeom prst="rect">
             <a:avLst/>
@@ -11395,14 +11783,39 @@
       </p:pic>
       <p:sp>
         <p:nvSpPr>
+          <p:cNvPr id="4" name="Slide Number Placeholder 3"/>
+          <p:cNvSpPr>
+            <a:spLocks noGrp="1"/>
+          </p:cNvSpPr>
+          <p:nvPr>
+            <p:ph type="sldNum" sz="quarter" idx="12"/>
+          </p:nvPr>
+        </p:nvSpPr>
+        <p:spPr/>
+        <p:txBody>
+          <a:bodyPr>
+            <a:normAutofit/>
+          </a:bodyPr>
+          <a:lstStyle/>
+          <a:p>
+            <a:fld id="{66B77C49-310C-4D67-A641-7D2CCF3E3B8A}" type="slidenum">
+              <a:rPr lang="es-CL" smtClean="0"/>
+              <a:t>20</a:t>
+            </a:fld>
+            <a:endParaRPr lang="es-CL"/>
+          </a:p>
+        </p:txBody>
+      </p:sp>
+      <p:sp>
+        <p:nvSpPr>
           <p:cNvPr id="10" name="TextBox 2"/>
           <p:cNvSpPr txBox="1"/>
           <p:nvPr/>
         </p:nvSpPr>
         <p:spPr>
           <a:xfrm>
-            <a:off x="3816550" y="6169580"/>
-            <a:ext cx="4286751" cy="369332"/>
+            <a:off x="2862413" y="5484435"/>
+            <a:ext cx="2800447" cy="300082"/>
           </a:xfrm>
           <a:prstGeom prst="rect">
             <a:avLst/>
@@ -11416,7 +11829,7 @@
           <a:lstStyle/>
           <a:p>
             <a:r>
-              <a:rPr lang="es-ES_tradnl" dirty="0"/>
+              <a:rPr lang="es-ES_tradnl" sz="1350" dirty="0"/>
               <a:t>Fig. 4: Carta Gantt: Segunda iteración</a:t>
             </a:r>
           </a:p>
@@ -11476,8 +11889,8 @@
         </p:nvSpPr>
         <p:spPr>
           <a:xfrm>
-            <a:off x="878333" y="1280053"/>
-            <a:ext cx="10515600" cy="1325563"/>
+            <a:off x="658750" y="1817290"/>
+            <a:ext cx="7886700" cy="994172"/>
           </a:xfrm>
         </p:spPr>
         <p:txBody>
@@ -11489,31 +11902,6 @@
               <a:t>Calendarización y entregables</a:t>
             </a:r>
             <a:endParaRPr lang="en-US" dirty="0"/>
-          </a:p>
-        </p:txBody>
-      </p:sp>
-      <p:sp>
-        <p:nvSpPr>
-          <p:cNvPr id="4" name="Slide Number Placeholder 3"/>
-          <p:cNvSpPr>
-            <a:spLocks noGrp="1"/>
-          </p:cNvSpPr>
-          <p:nvPr>
-            <p:ph type="sldNum" sz="quarter" idx="12"/>
-          </p:nvPr>
-        </p:nvSpPr>
-        <p:spPr/>
-        <p:txBody>
-          <a:bodyPr>
-            <a:normAutofit/>
-          </a:bodyPr>
-          <a:lstStyle/>
-          <a:p>
-            <a:fld id="{66B77C49-310C-4D67-A641-7D2CCF3E3B8A}" type="slidenum">
-              <a:rPr lang="es-CL" smtClean="0"/>
-              <a:t>21</a:t>
-            </a:fld>
-            <a:endParaRPr lang="es-CL"/>
           </a:p>
         </p:txBody>
       </p:sp>
@@ -11535,8 +11923,8 @@
         </p:blipFill>
         <p:spPr>
           <a:xfrm>
-            <a:off x="1261872" y="2757752"/>
-            <a:ext cx="9186585" cy="2508514"/>
+            <a:off x="946404" y="2925564"/>
+            <a:ext cx="6889939" cy="1881386"/>
           </a:xfrm>
           <a:prstGeom prst="rect">
             <a:avLst/>
@@ -11550,14 +11938,39 @@
       </p:pic>
       <p:sp>
         <p:nvSpPr>
+          <p:cNvPr id="4" name="Slide Number Placeholder 3"/>
+          <p:cNvSpPr>
+            <a:spLocks noGrp="1"/>
+          </p:cNvSpPr>
+          <p:nvPr>
+            <p:ph type="sldNum" sz="quarter" idx="12"/>
+          </p:nvPr>
+        </p:nvSpPr>
+        <p:spPr/>
+        <p:txBody>
+          <a:bodyPr>
+            <a:normAutofit/>
+          </a:bodyPr>
+          <a:lstStyle/>
+          <a:p>
+            <a:fld id="{66B77C49-310C-4D67-A641-7D2CCF3E3B8A}" type="slidenum">
+              <a:rPr lang="es-CL" smtClean="0"/>
+              <a:t>21</a:t>
+            </a:fld>
+            <a:endParaRPr lang="es-CL"/>
+          </a:p>
+        </p:txBody>
+      </p:sp>
+      <p:sp>
+        <p:nvSpPr>
           <p:cNvPr id="8" name="TextBox 2"/>
           <p:cNvSpPr txBox="1"/>
           <p:nvPr/>
         </p:nvSpPr>
         <p:spPr>
           <a:xfrm>
-            <a:off x="3735833" y="5570537"/>
-            <a:ext cx="4179349" cy="369332"/>
+            <a:off x="2801875" y="5035153"/>
+            <a:ext cx="2710037" cy="300082"/>
           </a:xfrm>
           <a:prstGeom prst="rect">
             <a:avLst/>
@@ -11571,7 +11984,7 @@
           <a:lstStyle/>
           <a:p>
             <a:r>
-              <a:rPr lang="es-ES_tradnl" dirty="0"/>
+              <a:rPr lang="es-ES_tradnl" sz="1350" dirty="0"/>
               <a:t>Fig. 5: Carta Gantt: Tercera iteración</a:t>
             </a:r>
           </a:p>
@@ -11631,8 +12044,8 @@
         </p:nvSpPr>
         <p:spPr>
           <a:xfrm>
-            <a:off x="725659" y="1110713"/>
-            <a:ext cx="10515600" cy="1325563"/>
+            <a:off x="544244" y="1690285"/>
+            <a:ext cx="7886700" cy="994172"/>
           </a:xfrm>
         </p:spPr>
         <p:txBody>
@@ -11655,8 +12068,8 @@
         </p:nvSpPr>
         <p:spPr>
           <a:xfrm>
-            <a:off x="866253" y="2436276"/>
-            <a:ext cx="10375005" cy="1292662"/>
+            <a:off x="649690" y="2684458"/>
+            <a:ext cx="7781254" cy="992579"/>
           </a:xfrm>
           <a:prstGeom prst="rect">
             <a:avLst/>
@@ -11669,21 +12082,21 @@
           </a:bodyPr>
           <a:lstStyle/>
           <a:p>
-            <a:pPr marL="285750" indent="-285750">
+            <a:pPr marL="214313" indent="-214313">
               <a:buFont typeface="Arial" panose="020B0604020202020204" pitchFamily="34" charset="0"/>
               <a:buChar char="•"/>
             </a:pPr>
-            <a:endParaRPr lang="es-CL" sz="3000" dirty="0" smtClean="0"/>
-          </a:p>
-          <a:p>
-            <a:pPr marL="285750" indent="-285750">
+            <a:endParaRPr lang="es-CL" sz="2250" dirty="0"/>
+          </a:p>
+          <a:p>
+            <a:pPr marL="214313" indent="-214313">
               <a:buFont typeface="Arial" panose="020B0604020202020204" pitchFamily="34" charset="0"/>
               <a:buChar char="•"/>
             </a:pPr>
-            <a:endParaRPr lang="es-CL" sz="3000" dirty="0" smtClean="0"/>
-          </a:p>
-          <a:p>
-            <a:endParaRPr lang="es-CL" dirty="0"/>
+            <a:endParaRPr lang="es-CL" sz="2250" dirty="0"/>
+          </a:p>
+          <a:p>
+            <a:endParaRPr lang="es-CL" sz="1350" dirty="0"/>
           </a:p>
         </p:txBody>
       </p:sp>
@@ -11736,8 +12149,8 @@
         </p:nvSpPr>
         <p:spPr>
           <a:xfrm>
-            <a:off x="725659" y="1110713"/>
-            <a:ext cx="10515600" cy="1325563"/>
+            <a:off x="544244" y="1690285"/>
+            <a:ext cx="7886700" cy="994172"/>
           </a:xfrm>
         </p:spPr>
         <p:txBody>
@@ -11760,8 +12173,8 @@
         </p:nvSpPr>
         <p:spPr>
           <a:xfrm>
-            <a:off x="866253" y="2436276"/>
-            <a:ext cx="10375005" cy="1292662"/>
+            <a:off x="649691" y="2684458"/>
+            <a:ext cx="7781254" cy="992579"/>
           </a:xfrm>
           <a:prstGeom prst="rect">
             <a:avLst/>
@@ -11774,21 +12187,21 @@
           </a:bodyPr>
           <a:lstStyle/>
           <a:p>
-            <a:pPr marL="285750" indent="-285750">
+            <a:pPr marL="214313" indent="-214313">
               <a:buFont typeface="Arial" panose="020B0604020202020204" pitchFamily="34" charset="0"/>
               <a:buChar char="•"/>
             </a:pPr>
-            <a:endParaRPr lang="es-CL" sz="3000" dirty="0" smtClean="0"/>
-          </a:p>
-          <a:p>
-            <a:pPr marL="285750" indent="-285750">
+            <a:endParaRPr lang="es-CL" sz="2250" dirty="0"/>
+          </a:p>
+          <a:p>
+            <a:pPr marL="214313" indent="-214313">
               <a:buFont typeface="Arial" panose="020B0604020202020204" pitchFamily="34" charset="0"/>
               <a:buChar char="•"/>
             </a:pPr>
-            <a:endParaRPr lang="es-CL" sz="3000" dirty="0" smtClean="0"/>
-          </a:p>
-          <a:p>
-            <a:endParaRPr lang="es-CL" dirty="0"/>
+            <a:endParaRPr lang="es-CL" sz="2250" dirty="0"/>
+          </a:p>
+          <a:p>
+            <a:endParaRPr lang="es-CL" sz="1350" dirty="0"/>
           </a:p>
         </p:txBody>
       </p:sp>
@@ -11806,6 +12219,1153 @@
     <p:tnLst>
       <p:par>
         <p:cTn id="1" dur="indefinite" restart="never" nodeType="tmRoot"/>
+      </p:par>
+    </p:tnLst>
+  </p:timing>
+</p:sld>
+</file>
+
+<file path=ppt/slides/slide24.xml><?xml version="1.0" encoding="utf-8"?>
+<p:sld xmlns:a="http://schemas.openxmlformats.org/drawingml/2006/main" xmlns:r="http://schemas.openxmlformats.org/officeDocument/2006/relationships" xmlns:p="http://schemas.openxmlformats.org/presentationml/2006/main">
+  <p:cSld>
+    <p:spTree>
+      <p:nvGrpSpPr>
+        <p:cNvPr id="1" name=""/>
+        <p:cNvGrpSpPr/>
+        <p:nvPr/>
+      </p:nvGrpSpPr>
+      <p:grpSpPr>
+        <a:xfrm>
+          <a:off x="0" y="0"/>
+          <a:ext cx="0" cy="0"/>
+          <a:chOff x="0" y="0"/>
+          <a:chExt cx="0" cy="0"/>
+        </a:xfrm>
+      </p:grpSpPr>
+      <p:sp>
+        <p:nvSpPr>
+          <p:cNvPr id="4" name="Título 3"/>
+          <p:cNvSpPr>
+            <a:spLocks noGrp="1"/>
+          </p:cNvSpPr>
+          <p:nvPr>
+            <p:ph type="title"/>
+          </p:nvPr>
+        </p:nvSpPr>
+        <p:spPr>
+          <a:xfrm>
+            <a:off x="544244" y="1690285"/>
+            <a:ext cx="7886700" cy="994172"/>
+          </a:xfrm>
+        </p:spPr>
+        <p:txBody>
+          <a:bodyPr/>
+          <a:lstStyle/>
+          <a:p>
+            <a:r>
+              <a:rPr lang="es-CL" dirty="0" smtClean="0"/>
+              <a:t>Demostración terminal</a:t>
+            </a:r>
+            <a:endParaRPr lang="es-CL" dirty="0"/>
+          </a:p>
+        </p:txBody>
+      </p:sp>
+      <p:sp>
+        <p:nvSpPr>
+          <p:cNvPr id="5" name="CuadroTexto 4"/>
+          <p:cNvSpPr txBox="1"/>
+          <p:nvPr/>
+        </p:nvSpPr>
+        <p:spPr>
+          <a:xfrm>
+            <a:off x="649691" y="2684458"/>
+            <a:ext cx="7781254" cy="992579"/>
+          </a:xfrm>
+          <a:prstGeom prst="rect">
+            <a:avLst/>
+          </a:prstGeom>
+          <a:noFill/>
+        </p:spPr>
+        <p:txBody>
+          <a:bodyPr wrap="square" rtlCol="0">
+            <a:spAutoFit/>
+          </a:bodyPr>
+          <a:lstStyle/>
+          <a:p>
+            <a:pPr marL="214313" indent="-214313">
+              <a:buFont typeface="Arial" panose="020B0604020202020204" pitchFamily="34" charset="0"/>
+              <a:buChar char="•"/>
+            </a:pPr>
+            <a:endParaRPr lang="es-CL" sz="2250" dirty="0"/>
+          </a:p>
+          <a:p>
+            <a:pPr marL="214313" indent="-214313">
+              <a:buFont typeface="Arial" panose="020B0604020202020204" pitchFamily="34" charset="0"/>
+              <a:buChar char="•"/>
+            </a:pPr>
+            <a:endParaRPr lang="es-CL" sz="2250" dirty="0"/>
+          </a:p>
+          <a:p>
+            <a:endParaRPr lang="es-CL" sz="1350" dirty="0"/>
+          </a:p>
+        </p:txBody>
+      </p:sp>
+    </p:spTree>
+    <p:extLst>
+      <p:ext uri="{BB962C8B-B14F-4D97-AF65-F5344CB8AC3E}">
+        <p14:creationId xmlns:p14="http://schemas.microsoft.com/office/powerpoint/2010/main" val="3415006407"/>
+      </p:ext>
+    </p:extLst>
+  </p:cSld>
+  <p:clrMapOvr>
+    <a:masterClrMapping/>
+  </p:clrMapOvr>
+  <p:timing>
+    <p:tnLst>
+      <p:par>
+        <p:cTn id="1" dur="indefinite" restart="never" nodeType="tmRoot"/>
+      </p:par>
+    </p:tnLst>
+  </p:timing>
+</p:sld>
+</file>
+
+<file path=ppt/slides/slide25.xml><?xml version="1.0" encoding="utf-8"?>
+<p:sld xmlns:a="http://schemas.openxmlformats.org/drawingml/2006/main" xmlns:r="http://schemas.openxmlformats.org/officeDocument/2006/relationships" xmlns:p="http://schemas.openxmlformats.org/presentationml/2006/main">
+  <p:cSld>
+    <p:bg>
+      <p:bgPr>
+        <a:solidFill>
+          <a:schemeClr val="bg1"/>
+        </a:solidFill>
+        <a:effectLst/>
+      </p:bgPr>
+    </p:bg>
+    <p:spTree>
+      <p:nvGrpSpPr>
+        <p:cNvPr id="1" name=""/>
+        <p:cNvGrpSpPr/>
+        <p:nvPr/>
+      </p:nvGrpSpPr>
+      <p:grpSpPr>
+        <a:xfrm>
+          <a:off x="0" y="0"/>
+          <a:ext cx="0" cy="0"/>
+          <a:chOff x="0" y="0"/>
+          <a:chExt cx="0" cy="0"/>
+        </a:xfrm>
+      </p:grpSpPr>
+      <p:sp>
+        <p:nvSpPr>
+          <p:cNvPr id="3" name="Título 2"/>
+          <p:cNvSpPr>
+            <a:spLocks noGrp="1"/>
+          </p:cNvSpPr>
+          <p:nvPr>
+            <p:ph type="title"/>
+          </p:nvPr>
+        </p:nvSpPr>
+        <p:spPr>
+          <a:xfrm>
+            <a:off x="1529443" y="1058839"/>
+            <a:ext cx="5715000" cy="611193"/>
+          </a:xfrm>
+        </p:spPr>
+        <p:txBody>
+          <a:bodyPr>
+            <a:normAutofit fontScale="90000"/>
+          </a:bodyPr>
+          <a:lstStyle/>
+          <a:p>
+            <a:r>
+              <a:rPr lang="es-CL" dirty="0" smtClean="0"/>
+              <a:t>Operador - Abrir caja</a:t>
+            </a:r>
+            <a:endParaRPr lang="es-CL" dirty="0"/>
+          </a:p>
+        </p:txBody>
+      </p:sp>
+      <p:pic>
+        <p:nvPicPr>
+          <p:cNvPr id="6" name="abrir-caja">
+            <a:hlinkClick r:id="" action="ppaction://media"/>
+          </p:cNvPr>
+          <p:cNvPicPr>
+            <a:picLocks noChangeAspect="1"/>
+          </p:cNvPicPr>
+          <p:nvPr>
+            <a:videoFile r:link="rId2"/>
+            <p:extLst>
+              <p:ext uri="{DAA4B4D4-6D71-4841-9C94-3DE7FCFB9230}">
+                <p14:media xmlns:p14="http://schemas.microsoft.com/office/powerpoint/2010/main" r:embed="rId1"/>
+              </p:ext>
+            </p:extLst>
+          </p:nvPr>
+        </p:nvPicPr>
+        <p:blipFill>
+          <a:blip r:embed="rId5"/>
+          <a:stretch>
+            <a:fillRect/>
+          </a:stretch>
+        </p:blipFill>
+        <p:spPr>
+          <a:xfrm>
+            <a:off x="1529443" y="1670032"/>
+            <a:ext cx="5715000" cy="4286250"/>
+          </a:xfrm>
+          <a:prstGeom prst="rect">
+            <a:avLst/>
+          </a:prstGeom>
+        </p:spPr>
+      </p:pic>
+      <p:pic>
+        <p:nvPicPr>
+          <p:cNvPr id="7" name="Imagen 6"/>
+          <p:cNvPicPr>
+            <a:picLocks noChangeAspect="1"/>
+          </p:cNvPicPr>
+          <p:nvPr/>
+        </p:nvPicPr>
+        <p:blipFill rotWithShape="1">
+          <a:blip r:embed="rId6"/>
+          <a:srcRect t="40185" b="41188"/>
+          <a:stretch/>
+        </p:blipFill>
+        <p:spPr>
+          <a:xfrm>
+            <a:off x="6671166" y="857250"/>
+            <a:ext cx="2472834" cy="460612"/>
+          </a:xfrm>
+          <a:prstGeom prst="rect">
+            <a:avLst/>
+          </a:prstGeom>
+        </p:spPr>
+      </p:pic>
+    </p:spTree>
+    <p:extLst>
+      <p:ext uri="{BB962C8B-B14F-4D97-AF65-F5344CB8AC3E}">
+        <p14:creationId xmlns:p14="http://schemas.microsoft.com/office/powerpoint/2010/main" val="922466022"/>
+      </p:ext>
+    </p:extLst>
+  </p:cSld>
+  <p:clrMapOvr>
+    <a:masterClrMapping/>
+  </p:clrMapOvr>
+  <p:timing>
+    <p:tnLst>
+      <p:par>
+        <p:cTn id="1" dur="indefinite" restart="never" nodeType="tmRoot">
+          <p:childTnLst>
+            <p:seq concurrent="1" nextAc="seek">
+              <p:cTn id="2" dur="indefinite" nodeType="mainSeq">
+                <p:childTnLst>
+                  <p:par>
+                    <p:cTn id="3" fill="hold">
+                      <p:stCondLst>
+                        <p:cond delay="indefinite"/>
+                        <p:cond evt="onBegin" delay="0">
+                          <p:tn val="2"/>
+                        </p:cond>
+                      </p:stCondLst>
+                      <p:childTnLst>
+                        <p:par>
+                          <p:cTn id="4" fill="hold">
+                            <p:stCondLst>
+                              <p:cond delay="0"/>
+                            </p:stCondLst>
+                            <p:childTnLst>
+                              <p:par>
+                                <p:cTn id="5" presetID="1" presetClass="mediacall" presetSubtype="0" fill="hold" nodeType="afterEffect">
+                                  <p:stCondLst>
+                                    <p:cond delay="0"/>
+                                  </p:stCondLst>
+                                  <p:childTnLst>
+                                    <p:cmd type="call" cmd="playFrom(0.0)">
+                                      <p:cBhvr>
+                                        <p:cTn id="6" dur="13978" fill="hold"/>
+                                        <p:tgtEl>
+                                          <p:spTgt spid="6"/>
+                                        </p:tgtEl>
+                                      </p:cBhvr>
+                                    </p:cmd>
+                                  </p:childTnLst>
+                                </p:cTn>
+                              </p:par>
+                            </p:childTnLst>
+                          </p:cTn>
+                        </p:par>
+                      </p:childTnLst>
+                    </p:cTn>
+                  </p:par>
+                </p:childTnLst>
+              </p:cTn>
+              <p:prevCondLst>
+                <p:cond evt="onPrev" delay="0">
+                  <p:tgtEl>
+                    <p:sldTgt/>
+                  </p:tgtEl>
+                </p:cond>
+              </p:prevCondLst>
+              <p:nextCondLst>
+                <p:cond evt="onNext" delay="0">
+                  <p:tgtEl>
+                    <p:sldTgt/>
+                  </p:tgtEl>
+                </p:cond>
+              </p:nextCondLst>
+            </p:seq>
+            <p:video>
+              <p:cMediaNode vol="80000">
+                <p:cTn id="7" fill="hold" display="0">
+                  <p:stCondLst>
+                    <p:cond delay="indefinite"/>
+                  </p:stCondLst>
+                </p:cTn>
+                <p:tgtEl>
+                  <p:spTgt spid="6"/>
+                </p:tgtEl>
+              </p:cMediaNode>
+            </p:video>
+            <p:seq concurrent="1" nextAc="seek">
+              <p:cTn id="8" restart="whenNotActive" fill="hold" evtFilter="cancelBubble" nodeType="interactiveSeq">
+                <p:stCondLst>
+                  <p:cond evt="onClick" delay="0">
+                    <p:tgtEl>
+                      <p:spTgt spid="6"/>
+                    </p:tgtEl>
+                  </p:cond>
+                </p:stCondLst>
+                <p:endSync evt="end" delay="0">
+                  <p:rtn val="all"/>
+                </p:endSync>
+                <p:childTnLst>
+                  <p:par>
+                    <p:cTn id="9" fill="hold">
+                      <p:stCondLst>
+                        <p:cond delay="0"/>
+                      </p:stCondLst>
+                      <p:childTnLst>
+                        <p:par>
+                          <p:cTn id="10" fill="hold">
+                            <p:stCondLst>
+                              <p:cond delay="0"/>
+                            </p:stCondLst>
+                            <p:childTnLst>
+                              <p:par>
+                                <p:cTn id="11" presetID="2" presetClass="mediacall" presetSubtype="0" fill="hold" nodeType="clickEffect">
+                                  <p:stCondLst>
+                                    <p:cond delay="0"/>
+                                  </p:stCondLst>
+                                  <p:childTnLst>
+                                    <p:cmd type="call" cmd="togglePause">
+                                      <p:cBhvr>
+                                        <p:cTn id="12" dur="1" fill="hold"/>
+                                        <p:tgtEl>
+                                          <p:spTgt spid="6"/>
+                                        </p:tgtEl>
+                                      </p:cBhvr>
+                                    </p:cmd>
+                                  </p:childTnLst>
+                                </p:cTn>
+                              </p:par>
+                            </p:childTnLst>
+                          </p:cTn>
+                        </p:par>
+                      </p:childTnLst>
+                    </p:cTn>
+                  </p:par>
+                </p:childTnLst>
+              </p:cTn>
+              <p:nextCondLst>
+                <p:cond evt="onClick" delay="0">
+                  <p:tgtEl>
+                    <p:spTgt spid="6"/>
+                  </p:tgtEl>
+                </p:cond>
+              </p:nextCondLst>
+            </p:seq>
+          </p:childTnLst>
+        </p:cTn>
+      </p:par>
+    </p:tnLst>
+  </p:timing>
+</p:sld>
+</file>
+
+<file path=ppt/slides/slide26.xml><?xml version="1.0" encoding="utf-8"?>
+<p:sld xmlns:a="http://schemas.openxmlformats.org/drawingml/2006/main" xmlns:r="http://schemas.openxmlformats.org/officeDocument/2006/relationships" xmlns:p="http://schemas.openxmlformats.org/presentationml/2006/main">
+  <p:cSld>
+    <p:spTree>
+      <p:nvGrpSpPr>
+        <p:cNvPr id="1" name=""/>
+        <p:cNvGrpSpPr/>
+        <p:nvPr/>
+      </p:nvGrpSpPr>
+      <p:grpSpPr>
+        <a:xfrm>
+          <a:off x="0" y="0"/>
+          <a:ext cx="0" cy="0"/>
+          <a:chOff x="0" y="0"/>
+          <a:chExt cx="0" cy="0"/>
+        </a:xfrm>
+      </p:grpSpPr>
+      <p:sp>
+        <p:nvSpPr>
+          <p:cNvPr id="5" name="CuadroTexto 4"/>
+          <p:cNvSpPr txBox="1"/>
+          <p:nvPr/>
+        </p:nvSpPr>
+        <p:spPr>
+          <a:xfrm>
+            <a:off x="649691" y="2684458"/>
+            <a:ext cx="7781254" cy="992579"/>
+          </a:xfrm>
+          <a:prstGeom prst="rect">
+            <a:avLst/>
+          </a:prstGeom>
+          <a:noFill/>
+        </p:spPr>
+        <p:txBody>
+          <a:bodyPr wrap="square" rtlCol="0">
+            <a:spAutoFit/>
+          </a:bodyPr>
+          <a:lstStyle/>
+          <a:p>
+            <a:pPr marL="214313" indent="-214313">
+              <a:buFont typeface="Arial" panose="020B0604020202020204" pitchFamily="34" charset="0"/>
+              <a:buChar char="•"/>
+            </a:pPr>
+            <a:endParaRPr lang="es-CL" sz="2250" dirty="0"/>
+          </a:p>
+          <a:p>
+            <a:pPr marL="214313" indent="-214313">
+              <a:buFont typeface="Arial" panose="020B0604020202020204" pitchFamily="34" charset="0"/>
+              <a:buChar char="•"/>
+            </a:pPr>
+            <a:endParaRPr lang="es-CL" sz="2250" dirty="0"/>
+          </a:p>
+          <a:p>
+            <a:endParaRPr lang="es-CL" sz="1350" dirty="0"/>
+          </a:p>
+        </p:txBody>
+      </p:sp>
+      <p:sp>
+        <p:nvSpPr>
+          <p:cNvPr id="3" name="Título 2"/>
+          <p:cNvSpPr>
+            <a:spLocks noGrp="1"/>
+          </p:cNvSpPr>
+          <p:nvPr>
+            <p:ph type="title"/>
+          </p:nvPr>
+        </p:nvSpPr>
+        <p:spPr/>
+        <p:txBody>
+          <a:bodyPr/>
+          <a:lstStyle/>
+          <a:p>
+            <a:endParaRPr lang="es-CL"/>
+          </a:p>
+        </p:txBody>
+      </p:sp>
+      <p:pic>
+        <p:nvPicPr>
+          <p:cNvPr id="4" name="agendar-hora">
+            <a:hlinkClick r:id="" action="ppaction://media"/>
+          </p:cNvPr>
+          <p:cNvPicPr>
+            <a:picLocks noChangeAspect="1"/>
+          </p:cNvPicPr>
+          <p:nvPr>
+            <a:videoFile r:link="rId2"/>
+            <p:extLst>
+              <p:ext uri="{DAA4B4D4-6D71-4841-9C94-3DE7FCFB9230}">
+                <p14:media xmlns:p14="http://schemas.microsoft.com/office/powerpoint/2010/main" r:embed="rId1"/>
+              </p:ext>
+            </p:extLst>
+          </p:nvPr>
+        </p:nvPicPr>
+        <p:blipFill>
+          <a:blip r:embed="rId5"/>
+          <a:stretch>
+            <a:fillRect/>
+          </a:stretch>
+        </p:blipFill>
+        <p:spPr>
+          <a:xfrm>
+            <a:off x="1714500" y="1510829"/>
+            <a:ext cx="5715000" cy="4286250"/>
+          </a:xfrm>
+          <a:prstGeom prst="rect">
+            <a:avLst/>
+          </a:prstGeom>
+        </p:spPr>
+      </p:pic>
+    </p:spTree>
+    <p:extLst>
+      <p:ext uri="{BB962C8B-B14F-4D97-AF65-F5344CB8AC3E}">
+        <p14:creationId xmlns:p14="http://schemas.microsoft.com/office/powerpoint/2010/main" val="1558905517"/>
+      </p:ext>
+    </p:extLst>
+  </p:cSld>
+  <p:clrMapOvr>
+    <a:masterClrMapping/>
+  </p:clrMapOvr>
+  <p:timing>
+    <p:tnLst>
+      <p:par>
+        <p:cTn id="1" dur="indefinite" restart="never" nodeType="tmRoot">
+          <p:childTnLst>
+            <p:seq concurrent="1" nextAc="seek">
+              <p:cTn id="2" dur="indefinite" nodeType="mainSeq">
+                <p:childTnLst>
+                  <p:par>
+                    <p:cTn id="3" fill="hold">
+                      <p:stCondLst>
+                        <p:cond delay="indefinite"/>
+                        <p:cond evt="onBegin" delay="0">
+                          <p:tn val="2"/>
+                        </p:cond>
+                      </p:stCondLst>
+                      <p:childTnLst>
+                        <p:par>
+                          <p:cTn id="4" fill="hold">
+                            <p:stCondLst>
+                              <p:cond delay="0"/>
+                            </p:stCondLst>
+                            <p:childTnLst>
+                              <p:par>
+                                <p:cTn id="5" presetID="1" presetClass="mediacall" presetSubtype="0" fill="hold" nodeType="afterEffect">
+                                  <p:stCondLst>
+                                    <p:cond delay="0"/>
+                                  </p:stCondLst>
+                                  <p:childTnLst>
+                                    <p:cmd type="call" cmd="playFrom(0.0)">
+                                      <p:cBhvr>
+                                        <p:cTn id="6" dur="22523" fill="hold"/>
+                                        <p:tgtEl>
+                                          <p:spTgt spid="4"/>
+                                        </p:tgtEl>
+                                      </p:cBhvr>
+                                    </p:cmd>
+                                  </p:childTnLst>
+                                </p:cTn>
+                              </p:par>
+                            </p:childTnLst>
+                          </p:cTn>
+                        </p:par>
+                      </p:childTnLst>
+                    </p:cTn>
+                  </p:par>
+                </p:childTnLst>
+              </p:cTn>
+              <p:prevCondLst>
+                <p:cond evt="onPrev" delay="0">
+                  <p:tgtEl>
+                    <p:sldTgt/>
+                  </p:tgtEl>
+                </p:cond>
+              </p:prevCondLst>
+              <p:nextCondLst>
+                <p:cond evt="onNext" delay="0">
+                  <p:tgtEl>
+                    <p:sldTgt/>
+                  </p:tgtEl>
+                </p:cond>
+              </p:nextCondLst>
+            </p:seq>
+            <p:video>
+              <p:cMediaNode vol="80000">
+                <p:cTn id="7" fill="hold" display="0">
+                  <p:stCondLst>
+                    <p:cond delay="indefinite"/>
+                  </p:stCondLst>
+                </p:cTn>
+                <p:tgtEl>
+                  <p:spTgt spid="4"/>
+                </p:tgtEl>
+              </p:cMediaNode>
+            </p:video>
+            <p:seq concurrent="1" nextAc="seek">
+              <p:cTn id="8" restart="whenNotActive" fill="hold" evtFilter="cancelBubble" nodeType="interactiveSeq">
+                <p:stCondLst>
+                  <p:cond evt="onClick" delay="0">
+                    <p:tgtEl>
+                      <p:spTgt spid="4"/>
+                    </p:tgtEl>
+                  </p:cond>
+                </p:stCondLst>
+                <p:endSync evt="end" delay="0">
+                  <p:rtn val="all"/>
+                </p:endSync>
+                <p:childTnLst>
+                  <p:par>
+                    <p:cTn id="9" fill="hold">
+                      <p:stCondLst>
+                        <p:cond delay="0"/>
+                      </p:stCondLst>
+                      <p:childTnLst>
+                        <p:par>
+                          <p:cTn id="10" fill="hold">
+                            <p:stCondLst>
+                              <p:cond delay="0"/>
+                            </p:stCondLst>
+                            <p:childTnLst>
+                              <p:par>
+                                <p:cTn id="11" presetID="2" presetClass="mediacall" presetSubtype="0" fill="hold" nodeType="clickEffect">
+                                  <p:stCondLst>
+                                    <p:cond delay="0"/>
+                                  </p:stCondLst>
+                                  <p:childTnLst>
+                                    <p:cmd type="call" cmd="togglePause">
+                                      <p:cBhvr>
+                                        <p:cTn id="12" dur="1" fill="hold"/>
+                                        <p:tgtEl>
+                                          <p:spTgt spid="4"/>
+                                        </p:tgtEl>
+                                      </p:cBhvr>
+                                    </p:cmd>
+                                  </p:childTnLst>
+                                </p:cTn>
+                              </p:par>
+                            </p:childTnLst>
+                          </p:cTn>
+                        </p:par>
+                      </p:childTnLst>
+                    </p:cTn>
+                  </p:par>
+                </p:childTnLst>
+              </p:cTn>
+              <p:nextCondLst>
+                <p:cond evt="onClick" delay="0">
+                  <p:tgtEl>
+                    <p:spTgt spid="4"/>
+                  </p:tgtEl>
+                </p:cond>
+              </p:nextCondLst>
+            </p:seq>
+          </p:childTnLst>
+        </p:cTn>
+      </p:par>
+    </p:tnLst>
+  </p:timing>
+</p:sld>
+</file>
+
+<file path=ppt/slides/slide27.xml><?xml version="1.0" encoding="utf-8"?>
+<p:sld xmlns:a="http://schemas.openxmlformats.org/drawingml/2006/main" xmlns:r="http://schemas.openxmlformats.org/officeDocument/2006/relationships" xmlns:p="http://schemas.openxmlformats.org/presentationml/2006/main">
+  <p:cSld>
+    <p:spTree>
+      <p:nvGrpSpPr>
+        <p:cNvPr id="1" name=""/>
+        <p:cNvGrpSpPr/>
+        <p:nvPr/>
+      </p:nvGrpSpPr>
+      <p:grpSpPr>
+        <a:xfrm>
+          <a:off x="0" y="0"/>
+          <a:ext cx="0" cy="0"/>
+          <a:chOff x="0" y="0"/>
+          <a:chExt cx="0" cy="0"/>
+        </a:xfrm>
+      </p:grpSpPr>
+      <p:sp>
+        <p:nvSpPr>
+          <p:cNvPr id="5" name="CuadroTexto 4"/>
+          <p:cNvSpPr txBox="1"/>
+          <p:nvPr/>
+        </p:nvSpPr>
+        <p:spPr>
+          <a:xfrm>
+            <a:off x="649691" y="2684458"/>
+            <a:ext cx="7781254" cy="992579"/>
+          </a:xfrm>
+          <a:prstGeom prst="rect">
+            <a:avLst/>
+          </a:prstGeom>
+          <a:noFill/>
+        </p:spPr>
+        <p:txBody>
+          <a:bodyPr wrap="square" rtlCol="0">
+            <a:spAutoFit/>
+          </a:bodyPr>
+          <a:lstStyle/>
+          <a:p>
+            <a:pPr marL="214313" indent="-214313">
+              <a:buFont typeface="Arial" panose="020B0604020202020204" pitchFamily="34" charset="0"/>
+              <a:buChar char="•"/>
+            </a:pPr>
+            <a:endParaRPr lang="es-CL" sz="2250" dirty="0"/>
+          </a:p>
+          <a:p>
+            <a:pPr marL="214313" indent="-214313">
+              <a:buFont typeface="Arial" panose="020B0604020202020204" pitchFamily="34" charset="0"/>
+              <a:buChar char="•"/>
+            </a:pPr>
+            <a:endParaRPr lang="es-CL" sz="2250" dirty="0"/>
+          </a:p>
+          <a:p>
+            <a:endParaRPr lang="es-CL" sz="1350" dirty="0"/>
+          </a:p>
+        </p:txBody>
+      </p:sp>
+      <p:sp>
+        <p:nvSpPr>
+          <p:cNvPr id="3" name="Título 2"/>
+          <p:cNvSpPr>
+            <a:spLocks noGrp="1"/>
+          </p:cNvSpPr>
+          <p:nvPr>
+            <p:ph type="title"/>
+          </p:nvPr>
+        </p:nvSpPr>
+        <p:spPr/>
+        <p:txBody>
+          <a:bodyPr/>
+          <a:lstStyle/>
+          <a:p>
+            <a:endParaRPr lang="es-CL"/>
+          </a:p>
+        </p:txBody>
+      </p:sp>
+      <p:pic>
+        <p:nvPicPr>
+          <p:cNvPr id="2" name="ingresar-paciente">
+            <a:hlinkClick r:id="" action="ppaction://media"/>
+          </p:cNvPr>
+          <p:cNvPicPr>
+            <a:picLocks noChangeAspect="1"/>
+          </p:cNvPicPr>
+          <p:nvPr>
+            <a:videoFile r:link="rId2"/>
+            <p:extLst>
+              <p:ext uri="{DAA4B4D4-6D71-4841-9C94-3DE7FCFB9230}">
+                <p14:media xmlns:p14="http://schemas.microsoft.com/office/powerpoint/2010/main" r:embed="rId1"/>
+              </p:ext>
+            </p:extLst>
+          </p:nvPr>
+        </p:nvPicPr>
+        <p:blipFill>
+          <a:blip r:embed="rId5"/>
+          <a:stretch>
+            <a:fillRect/>
+          </a:stretch>
+        </p:blipFill>
+        <p:spPr>
+          <a:xfrm>
+            <a:off x="1714500" y="1510829"/>
+            <a:ext cx="5715000" cy="4286250"/>
+          </a:xfrm>
+          <a:prstGeom prst="rect">
+            <a:avLst/>
+          </a:prstGeom>
+        </p:spPr>
+      </p:pic>
+    </p:spTree>
+    <p:extLst>
+      <p:ext uri="{BB962C8B-B14F-4D97-AF65-F5344CB8AC3E}">
+        <p14:creationId xmlns:p14="http://schemas.microsoft.com/office/powerpoint/2010/main" val="969239504"/>
+      </p:ext>
+    </p:extLst>
+  </p:cSld>
+  <p:clrMapOvr>
+    <a:masterClrMapping/>
+  </p:clrMapOvr>
+  <p:timing>
+    <p:tnLst>
+      <p:par>
+        <p:cTn id="1" dur="indefinite" restart="never" nodeType="tmRoot">
+          <p:childTnLst>
+            <p:seq concurrent="1" nextAc="seek">
+              <p:cTn id="2" dur="indefinite" nodeType="mainSeq">
+                <p:childTnLst>
+                  <p:par>
+                    <p:cTn id="3" fill="hold">
+                      <p:stCondLst>
+                        <p:cond delay="indefinite"/>
+                        <p:cond evt="onBegin" delay="0">
+                          <p:tn val="2"/>
+                        </p:cond>
+                      </p:stCondLst>
+                      <p:childTnLst>
+                        <p:par>
+                          <p:cTn id="4" fill="hold">
+                            <p:stCondLst>
+                              <p:cond delay="0"/>
+                            </p:stCondLst>
+                            <p:childTnLst>
+                              <p:par>
+                                <p:cTn id="5" presetID="1" presetClass="mediacall" presetSubtype="0" fill="hold" nodeType="afterEffect">
+                                  <p:stCondLst>
+                                    <p:cond delay="0"/>
+                                  </p:stCondLst>
+                                  <p:childTnLst>
+                                    <p:cmd type="call" cmd="playFrom(0.0)">
+                                      <p:cBhvr>
+                                        <p:cTn id="6" dur="24496" fill="hold"/>
+                                        <p:tgtEl>
+                                          <p:spTgt spid="2"/>
+                                        </p:tgtEl>
+                                      </p:cBhvr>
+                                    </p:cmd>
+                                  </p:childTnLst>
+                                </p:cTn>
+                              </p:par>
+                            </p:childTnLst>
+                          </p:cTn>
+                        </p:par>
+                      </p:childTnLst>
+                    </p:cTn>
+                  </p:par>
+                </p:childTnLst>
+              </p:cTn>
+              <p:prevCondLst>
+                <p:cond evt="onPrev" delay="0">
+                  <p:tgtEl>
+                    <p:sldTgt/>
+                  </p:tgtEl>
+                </p:cond>
+              </p:prevCondLst>
+              <p:nextCondLst>
+                <p:cond evt="onNext" delay="0">
+                  <p:tgtEl>
+                    <p:sldTgt/>
+                  </p:tgtEl>
+                </p:cond>
+              </p:nextCondLst>
+            </p:seq>
+            <p:video>
+              <p:cMediaNode vol="80000">
+                <p:cTn id="7" fill="hold" display="0">
+                  <p:stCondLst>
+                    <p:cond delay="indefinite"/>
+                  </p:stCondLst>
+                </p:cTn>
+                <p:tgtEl>
+                  <p:spTgt spid="2"/>
+                </p:tgtEl>
+              </p:cMediaNode>
+            </p:video>
+            <p:seq concurrent="1" nextAc="seek">
+              <p:cTn id="8" restart="whenNotActive" fill="hold" evtFilter="cancelBubble" nodeType="interactiveSeq">
+                <p:stCondLst>
+                  <p:cond evt="onClick" delay="0">
+                    <p:tgtEl>
+                      <p:spTgt spid="2"/>
+                    </p:tgtEl>
+                  </p:cond>
+                </p:stCondLst>
+                <p:endSync evt="end" delay="0">
+                  <p:rtn val="all"/>
+                </p:endSync>
+                <p:childTnLst>
+                  <p:par>
+                    <p:cTn id="9" fill="hold">
+                      <p:stCondLst>
+                        <p:cond delay="0"/>
+                      </p:stCondLst>
+                      <p:childTnLst>
+                        <p:par>
+                          <p:cTn id="10" fill="hold">
+                            <p:stCondLst>
+                              <p:cond delay="0"/>
+                            </p:stCondLst>
+                            <p:childTnLst>
+                              <p:par>
+                                <p:cTn id="11" presetID="2" presetClass="mediacall" presetSubtype="0" fill="hold" nodeType="clickEffect">
+                                  <p:stCondLst>
+                                    <p:cond delay="0"/>
+                                  </p:stCondLst>
+                                  <p:childTnLst>
+                                    <p:cmd type="call" cmd="togglePause">
+                                      <p:cBhvr>
+                                        <p:cTn id="12" dur="1" fill="hold"/>
+                                        <p:tgtEl>
+                                          <p:spTgt spid="2"/>
+                                        </p:tgtEl>
+                                      </p:cBhvr>
+                                    </p:cmd>
+                                  </p:childTnLst>
+                                </p:cTn>
+                              </p:par>
+                            </p:childTnLst>
+                          </p:cTn>
+                        </p:par>
+                      </p:childTnLst>
+                    </p:cTn>
+                  </p:par>
+                </p:childTnLst>
+              </p:cTn>
+              <p:nextCondLst>
+                <p:cond evt="onClick" delay="0">
+                  <p:tgtEl>
+                    <p:spTgt spid="2"/>
+                  </p:tgtEl>
+                </p:cond>
+              </p:nextCondLst>
+            </p:seq>
+          </p:childTnLst>
+        </p:cTn>
+      </p:par>
+    </p:tnLst>
+  </p:timing>
+</p:sld>
+</file>
+
+<file path=ppt/slides/slide28.xml><?xml version="1.0" encoding="utf-8"?>
+<p:sld xmlns:a="http://schemas.openxmlformats.org/drawingml/2006/main" xmlns:r="http://schemas.openxmlformats.org/officeDocument/2006/relationships" xmlns:p="http://schemas.openxmlformats.org/presentationml/2006/main">
+  <p:cSld>
+    <p:spTree>
+      <p:nvGrpSpPr>
+        <p:cNvPr id="1" name=""/>
+        <p:cNvGrpSpPr/>
+        <p:nvPr/>
+      </p:nvGrpSpPr>
+      <p:grpSpPr>
+        <a:xfrm>
+          <a:off x="0" y="0"/>
+          <a:ext cx="0" cy="0"/>
+          <a:chOff x="0" y="0"/>
+          <a:chExt cx="0" cy="0"/>
+        </a:xfrm>
+      </p:grpSpPr>
+      <p:sp>
+        <p:nvSpPr>
+          <p:cNvPr id="5" name="CuadroTexto 4"/>
+          <p:cNvSpPr txBox="1"/>
+          <p:nvPr/>
+        </p:nvSpPr>
+        <p:spPr>
+          <a:xfrm>
+            <a:off x="649691" y="2684458"/>
+            <a:ext cx="7781254" cy="992579"/>
+          </a:xfrm>
+          <a:prstGeom prst="rect">
+            <a:avLst/>
+          </a:prstGeom>
+          <a:noFill/>
+        </p:spPr>
+        <p:txBody>
+          <a:bodyPr wrap="square" rtlCol="0">
+            <a:spAutoFit/>
+          </a:bodyPr>
+          <a:lstStyle/>
+          <a:p>
+            <a:pPr marL="214313" indent="-214313">
+              <a:buFont typeface="Arial" panose="020B0604020202020204" pitchFamily="34" charset="0"/>
+              <a:buChar char="•"/>
+            </a:pPr>
+            <a:endParaRPr lang="es-CL" sz="2250" dirty="0"/>
+          </a:p>
+          <a:p>
+            <a:pPr marL="214313" indent="-214313">
+              <a:buFont typeface="Arial" panose="020B0604020202020204" pitchFamily="34" charset="0"/>
+              <a:buChar char="•"/>
+            </a:pPr>
+            <a:endParaRPr lang="es-CL" sz="2250" dirty="0"/>
+          </a:p>
+          <a:p>
+            <a:endParaRPr lang="es-CL" sz="1350" dirty="0"/>
+          </a:p>
+        </p:txBody>
+      </p:sp>
+      <p:sp>
+        <p:nvSpPr>
+          <p:cNvPr id="3" name="Título 2"/>
+          <p:cNvSpPr>
+            <a:spLocks noGrp="1"/>
+          </p:cNvSpPr>
+          <p:nvPr>
+            <p:ph type="title"/>
+          </p:nvPr>
+        </p:nvSpPr>
+        <p:spPr/>
+        <p:txBody>
+          <a:bodyPr/>
+          <a:lstStyle/>
+          <a:p>
+            <a:endParaRPr lang="es-CL"/>
+          </a:p>
+        </p:txBody>
+      </p:sp>
+      <p:pic>
+        <p:nvPicPr>
+          <p:cNvPr id="4" name="cerrar-caja">
+            <a:hlinkClick r:id="" action="ppaction://media"/>
+          </p:cNvPr>
+          <p:cNvPicPr>
+            <a:picLocks noChangeAspect="1"/>
+          </p:cNvPicPr>
+          <p:nvPr>
+            <a:videoFile r:link="rId2"/>
+            <p:extLst>
+              <p:ext uri="{DAA4B4D4-6D71-4841-9C94-3DE7FCFB9230}">
+                <p14:media xmlns:p14="http://schemas.microsoft.com/office/powerpoint/2010/main" r:embed="rId1"/>
+              </p:ext>
+            </p:extLst>
+          </p:nvPr>
+        </p:nvPicPr>
+        <p:blipFill>
+          <a:blip r:embed="rId5"/>
+          <a:stretch>
+            <a:fillRect/>
+          </a:stretch>
+        </p:blipFill>
+        <p:spPr>
+          <a:xfrm>
+            <a:off x="1714500" y="1510829"/>
+            <a:ext cx="5715000" cy="4286250"/>
+          </a:xfrm>
+          <a:prstGeom prst="rect">
+            <a:avLst/>
+          </a:prstGeom>
+        </p:spPr>
+      </p:pic>
+    </p:spTree>
+    <p:extLst>
+      <p:ext uri="{BB962C8B-B14F-4D97-AF65-F5344CB8AC3E}">
+        <p14:creationId xmlns:p14="http://schemas.microsoft.com/office/powerpoint/2010/main" val="1411780970"/>
+      </p:ext>
+    </p:extLst>
+  </p:cSld>
+  <p:clrMapOvr>
+    <a:masterClrMapping/>
+  </p:clrMapOvr>
+  <p:timing>
+    <p:tnLst>
+      <p:par>
+        <p:cTn id="1" dur="indefinite" restart="never" nodeType="tmRoot">
+          <p:childTnLst>
+            <p:seq concurrent="1" nextAc="seek">
+              <p:cTn id="2" dur="indefinite" nodeType="mainSeq">
+                <p:childTnLst>
+                  <p:par>
+                    <p:cTn id="3" fill="hold">
+                      <p:stCondLst>
+                        <p:cond delay="indefinite"/>
+                        <p:cond evt="onBegin" delay="0">
+                          <p:tn val="2"/>
+                        </p:cond>
+                      </p:stCondLst>
+                      <p:childTnLst>
+                        <p:par>
+                          <p:cTn id="4" fill="hold">
+                            <p:stCondLst>
+                              <p:cond delay="0"/>
+                            </p:stCondLst>
+                            <p:childTnLst>
+                              <p:par>
+                                <p:cTn id="5" presetID="1" presetClass="mediacall" presetSubtype="0" fill="hold" nodeType="afterEffect">
+                                  <p:stCondLst>
+                                    <p:cond delay="0"/>
+                                  </p:stCondLst>
+                                  <p:childTnLst>
+                                    <p:cmd type="call" cmd="playFrom(0.0)">
+                                      <p:cBhvr>
+                                        <p:cTn id="6" dur="17345" fill="hold"/>
+                                        <p:tgtEl>
+                                          <p:spTgt spid="4"/>
+                                        </p:tgtEl>
+                                      </p:cBhvr>
+                                    </p:cmd>
+                                  </p:childTnLst>
+                                </p:cTn>
+                              </p:par>
+                            </p:childTnLst>
+                          </p:cTn>
+                        </p:par>
+                      </p:childTnLst>
+                    </p:cTn>
+                  </p:par>
+                </p:childTnLst>
+              </p:cTn>
+              <p:prevCondLst>
+                <p:cond evt="onPrev" delay="0">
+                  <p:tgtEl>
+                    <p:sldTgt/>
+                  </p:tgtEl>
+                </p:cond>
+              </p:prevCondLst>
+              <p:nextCondLst>
+                <p:cond evt="onNext" delay="0">
+                  <p:tgtEl>
+                    <p:sldTgt/>
+                  </p:tgtEl>
+                </p:cond>
+              </p:nextCondLst>
+            </p:seq>
+            <p:video>
+              <p:cMediaNode vol="80000">
+                <p:cTn id="7" fill="hold" display="0">
+                  <p:stCondLst>
+                    <p:cond delay="indefinite"/>
+                  </p:stCondLst>
+                </p:cTn>
+                <p:tgtEl>
+                  <p:spTgt spid="4"/>
+                </p:tgtEl>
+              </p:cMediaNode>
+            </p:video>
+            <p:seq concurrent="1" nextAc="seek">
+              <p:cTn id="8" restart="whenNotActive" fill="hold" evtFilter="cancelBubble" nodeType="interactiveSeq">
+                <p:stCondLst>
+                  <p:cond evt="onClick" delay="0">
+                    <p:tgtEl>
+                      <p:spTgt spid="4"/>
+                    </p:tgtEl>
+                  </p:cond>
+                </p:stCondLst>
+                <p:endSync evt="end" delay="0">
+                  <p:rtn val="all"/>
+                </p:endSync>
+                <p:childTnLst>
+                  <p:par>
+                    <p:cTn id="9" fill="hold">
+                      <p:stCondLst>
+                        <p:cond delay="0"/>
+                      </p:stCondLst>
+                      <p:childTnLst>
+                        <p:par>
+                          <p:cTn id="10" fill="hold">
+                            <p:stCondLst>
+                              <p:cond delay="0"/>
+                            </p:stCondLst>
+                            <p:childTnLst>
+                              <p:par>
+                                <p:cTn id="11" presetID="2" presetClass="mediacall" presetSubtype="0" fill="hold" nodeType="clickEffect">
+                                  <p:stCondLst>
+                                    <p:cond delay="0"/>
+                                  </p:stCondLst>
+                                  <p:childTnLst>
+                                    <p:cmd type="call" cmd="togglePause">
+                                      <p:cBhvr>
+                                        <p:cTn id="12" dur="1" fill="hold"/>
+                                        <p:tgtEl>
+                                          <p:spTgt spid="4"/>
+                                        </p:tgtEl>
+                                      </p:cBhvr>
+                                    </p:cmd>
+                                  </p:childTnLst>
+                                </p:cTn>
+                              </p:par>
+                            </p:childTnLst>
+                          </p:cTn>
+                        </p:par>
+                      </p:childTnLst>
+                    </p:cTn>
+                  </p:par>
+                </p:childTnLst>
+              </p:cTn>
+              <p:nextCondLst>
+                <p:cond evt="onClick" delay="0">
+                  <p:tgtEl>
+                    <p:spTgt spid="4"/>
+                  </p:tgtEl>
+                </p:cond>
+              </p:nextCondLst>
+            </p:seq>
+          </p:childTnLst>
+        </p:cTn>
       </p:par>
     </p:tnLst>
   </p:timing>
@@ -11841,8 +13401,8 @@
         </p:nvSpPr>
         <p:spPr>
           <a:xfrm>
-            <a:off x="725659" y="1110713"/>
-            <a:ext cx="10515600" cy="1325563"/>
+            <a:off x="544244" y="1690285"/>
+            <a:ext cx="7886700" cy="994172"/>
           </a:xfrm>
         </p:spPr>
         <p:txBody>
@@ -11879,8 +13439,8 @@
         </p:blipFill>
         <p:spPr>
           <a:xfrm>
-            <a:off x="1691569" y="2181026"/>
-            <a:ext cx="7109531" cy="3999111"/>
+            <a:off x="1268677" y="2493020"/>
+            <a:ext cx="5332148" cy="2999333"/>
           </a:xfrm>
           <a:prstGeom prst="rect">
             <a:avLst/>
@@ -11936,8 +13496,8 @@
         </p:nvSpPr>
         <p:spPr>
           <a:xfrm>
-            <a:off x="725659" y="1110713"/>
-            <a:ext cx="10515600" cy="1325563"/>
+            <a:off x="544244" y="1690285"/>
+            <a:ext cx="7886700" cy="994172"/>
           </a:xfrm>
         </p:spPr>
         <p:txBody>
@@ -11960,8 +13520,8 @@
         </p:nvSpPr>
         <p:spPr>
           <a:xfrm>
-            <a:off x="866254" y="2436276"/>
-            <a:ext cx="473206" cy="1292662"/>
+            <a:off x="649691" y="2684458"/>
+            <a:ext cx="401392" cy="992579"/>
           </a:xfrm>
           <a:prstGeom prst="rect">
             <a:avLst/>
@@ -11974,21 +13534,21 @@
           </a:bodyPr>
           <a:lstStyle/>
           <a:p>
-            <a:pPr marL="285750" indent="-285750">
+            <a:pPr marL="214313" indent="-214313">
               <a:buFont typeface="Arial" panose="020B0604020202020204" pitchFamily="34" charset="0"/>
               <a:buChar char="•"/>
             </a:pPr>
-            <a:endParaRPr lang="es-CL" sz="3000" dirty="0" smtClean="0"/>
-          </a:p>
-          <a:p>
-            <a:pPr marL="285750" indent="-285750">
+            <a:endParaRPr lang="es-CL" sz="2250" dirty="0"/>
+          </a:p>
+          <a:p>
+            <a:pPr marL="214313" indent="-214313">
               <a:buFont typeface="Arial" panose="020B0604020202020204" pitchFamily="34" charset="0"/>
               <a:buChar char="•"/>
             </a:pPr>
-            <a:endParaRPr lang="es-CL" sz="3000" dirty="0" smtClean="0"/>
-          </a:p>
-          <a:p>
-            <a:endParaRPr lang="es-CL" dirty="0"/>
+            <a:endParaRPr lang="es-CL" sz="2250" dirty="0"/>
+          </a:p>
+          <a:p>
+            <a:endParaRPr lang="es-CL" sz="1350" dirty="0"/>
           </a:p>
         </p:txBody>
       </p:sp>
@@ -12000,8 +13560,8 @@
         </p:nvSpPr>
         <p:spPr>
           <a:xfrm>
-            <a:off x="4525689" y="6273875"/>
-            <a:ext cx="3083907" cy="369332"/>
+            <a:off x="3394267" y="5562656"/>
+            <a:ext cx="2312930" cy="300082"/>
           </a:xfrm>
           <a:prstGeom prst="rect">
             <a:avLst/>
@@ -12015,10 +13575,10 @@
           <a:lstStyle/>
           <a:p>
             <a:r>
-              <a:rPr lang="es-ES_tradnl" dirty="0" smtClean="0"/>
+              <a:rPr lang="es-ES_tradnl" sz="1350" dirty="0"/>
               <a:t>Fig. 1: Diagrama de Ishikawa</a:t>
             </a:r>
-            <a:endParaRPr lang="es-ES_tradnl" dirty="0"/>
+            <a:endParaRPr lang="es-ES_tradnl" sz="1350" dirty="0"/>
           </a:p>
         </p:txBody>
       </p:sp>
@@ -12044,8 +13604,8 @@
         </p:blipFill>
         <p:spPr>
           <a:xfrm>
-            <a:off x="2884369" y="2155446"/>
-            <a:ext cx="6888281" cy="4131529"/>
+            <a:off x="2163277" y="2473835"/>
+            <a:ext cx="5166211" cy="3098647"/>
           </a:xfrm>
           <a:prstGeom prst="rect">
             <a:avLst/>
@@ -12101,8 +13661,8 @@
         </p:nvSpPr>
         <p:spPr>
           <a:xfrm>
-            <a:off x="725659" y="1110713"/>
-            <a:ext cx="10515600" cy="1325563"/>
+            <a:off x="544244" y="1690285"/>
+            <a:ext cx="7886700" cy="994172"/>
           </a:xfrm>
         </p:spPr>
         <p:txBody>
@@ -12125,8 +13685,8 @@
         </p:nvSpPr>
         <p:spPr>
           <a:xfrm>
-            <a:off x="866253" y="2436276"/>
-            <a:ext cx="10375005" cy="3508653"/>
+            <a:off x="649690" y="2684457"/>
+            <a:ext cx="7781254" cy="2654573"/>
           </a:xfrm>
           <a:prstGeom prst="rect">
             <a:avLst/>
@@ -12139,51 +13699,51 @@
           </a:bodyPr>
           <a:lstStyle/>
           <a:p>
-            <a:pPr marL="285750" indent="-285750">
+            <a:pPr marL="214313" indent="-214313">
               <a:buFont typeface="Arial" panose="020B0604020202020204" pitchFamily="34" charset="0"/>
               <a:buChar char="•"/>
             </a:pPr>
             <a:r>
-              <a:rPr lang="es-CL" sz="3600" dirty="0"/>
+              <a:rPr lang="es-CL" sz="2700" dirty="0"/>
               <a:t>Los tiempos de espera del paciente son largos</a:t>
             </a:r>
           </a:p>
           <a:p>
-            <a:pPr marL="285750" indent="-285750">
+            <a:pPr marL="214313" indent="-214313">
               <a:buFont typeface="Arial" panose="020B0604020202020204" pitchFamily="34" charset="0"/>
               <a:buChar char="•"/>
             </a:pPr>
             <a:r>
-              <a:rPr lang="es-CL" sz="3600" dirty="0"/>
+              <a:rPr lang="es-CL" sz="2700" dirty="0"/>
               <a:t>Inconsistencia en los datos entregados al paciente</a:t>
             </a:r>
           </a:p>
           <a:p>
-            <a:pPr marL="285750" indent="-285750">
+            <a:pPr marL="214313" indent="-214313">
               <a:buFont typeface="Arial" panose="020B0604020202020204" pitchFamily="34" charset="0"/>
               <a:buChar char="•"/>
             </a:pPr>
             <a:r>
-              <a:rPr lang="es-CL" sz="3600" dirty="0"/>
+              <a:rPr lang="es-CL" sz="2700" dirty="0"/>
               <a:t>Tasa de errores en los procesos financieros considerados altas por la gerencia</a:t>
             </a:r>
           </a:p>
           <a:p>
-            <a:pPr marL="285750" indent="-285750">
+            <a:pPr marL="214313" indent="-214313">
               <a:buFont typeface="Arial" panose="020B0604020202020204" pitchFamily="34" charset="0"/>
               <a:buChar char="•"/>
             </a:pPr>
-            <a:endParaRPr lang="es-CL" sz="3000" dirty="0" smtClean="0"/>
-          </a:p>
-          <a:p>
-            <a:pPr marL="285750" indent="-285750">
+            <a:endParaRPr lang="es-CL" sz="2250" dirty="0"/>
+          </a:p>
+          <a:p>
+            <a:pPr marL="214313" indent="-214313">
               <a:buFont typeface="Arial" panose="020B0604020202020204" pitchFamily="34" charset="0"/>
               <a:buChar char="•"/>
             </a:pPr>
-            <a:endParaRPr lang="es-CL" sz="3000" dirty="0" smtClean="0"/>
-          </a:p>
-          <a:p>
-            <a:endParaRPr lang="es-CL" dirty="0"/>
+            <a:endParaRPr lang="es-CL" sz="2250" dirty="0"/>
+          </a:p>
+          <a:p>
+            <a:endParaRPr lang="es-CL" sz="1350" dirty="0"/>
           </a:p>
         </p:txBody>
       </p:sp>
@@ -12236,8 +13796,8 @@
         </p:nvSpPr>
         <p:spPr>
           <a:xfrm>
-            <a:off x="725659" y="1110713"/>
-            <a:ext cx="10515600" cy="1325563"/>
+            <a:off x="544244" y="1690285"/>
+            <a:ext cx="7886700" cy="994172"/>
           </a:xfrm>
         </p:spPr>
         <p:txBody>
@@ -12246,11 +13806,7 @@
           <a:p>
             <a:r>
               <a:rPr lang="es-CL" dirty="0" smtClean="0"/>
-              <a:t>Soluci</a:t>
-            </a:r>
-            <a:r>
-              <a:rPr lang="es-CL" dirty="0" smtClean="0"/>
-              <a:t>ón</a:t>
+              <a:t>Solución</a:t>
             </a:r>
             <a:endParaRPr lang="es-CL" dirty="0"/>
           </a:p>
@@ -12264,8 +13820,8 @@
         </p:nvSpPr>
         <p:spPr>
           <a:xfrm>
-            <a:off x="866253" y="2436276"/>
-            <a:ext cx="10375005" cy="1292662"/>
+            <a:off x="649690" y="2684458"/>
+            <a:ext cx="7781254" cy="992579"/>
           </a:xfrm>
           <a:prstGeom prst="rect">
             <a:avLst/>
@@ -12278,21 +13834,21 @@
           </a:bodyPr>
           <a:lstStyle/>
           <a:p>
-            <a:pPr marL="285750" indent="-285750">
+            <a:pPr marL="214313" indent="-214313">
               <a:buFont typeface="Arial" panose="020B0604020202020204" pitchFamily="34" charset="0"/>
               <a:buChar char="•"/>
             </a:pPr>
-            <a:endParaRPr lang="es-CL" sz="3000" dirty="0" smtClean="0"/>
-          </a:p>
-          <a:p>
-            <a:pPr marL="285750" indent="-285750">
+            <a:endParaRPr lang="es-CL" sz="2250" dirty="0"/>
+          </a:p>
+          <a:p>
+            <a:pPr marL="214313" indent="-214313">
               <a:buFont typeface="Arial" panose="020B0604020202020204" pitchFamily="34" charset="0"/>
               <a:buChar char="•"/>
             </a:pPr>
-            <a:endParaRPr lang="es-CL" sz="3000" dirty="0" smtClean="0"/>
-          </a:p>
-          <a:p>
-            <a:endParaRPr lang="es-CL" dirty="0"/>
+            <a:endParaRPr lang="es-CL" sz="2250" dirty="0"/>
+          </a:p>
+          <a:p>
+            <a:endParaRPr lang="es-CL" sz="1350" dirty="0"/>
           </a:p>
         </p:txBody>
       </p:sp>
@@ -12345,8 +13901,8 @@
         </p:nvSpPr>
         <p:spPr>
           <a:xfrm>
-            <a:off x="725659" y="1110713"/>
-            <a:ext cx="10515600" cy="1325563"/>
+            <a:off x="544244" y="1690285"/>
+            <a:ext cx="7886700" cy="994172"/>
           </a:xfrm>
         </p:spPr>
         <p:txBody>
@@ -12369,8 +13925,8 @@
         </p:nvSpPr>
         <p:spPr>
           <a:xfrm>
-            <a:off x="866253" y="2436276"/>
-            <a:ext cx="10375005" cy="1754326"/>
+            <a:off x="649690" y="2684457"/>
+            <a:ext cx="7781254" cy="1338828"/>
           </a:xfrm>
           <a:prstGeom prst="rect">
             <a:avLst/>
@@ -12384,10 +13940,10 @@
           <a:lstStyle/>
           <a:p>
             <a:r>
-              <a:rPr lang="es-ES_tradnl" sz="3600"/>
+              <a:rPr lang="es-ES_tradnl" sz="2700"/>
               <a:t>Mejorar los resultados de los procesos del centro médico Hipócrates mediante una solución integrada de software.</a:t>
             </a:r>
-            <a:endParaRPr lang="es-CL" sz="3600" dirty="0"/>
+            <a:endParaRPr lang="es-CL" sz="2700" dirty="0"/>
           </a:p>
         </p:txBody>
       </p:sp>
@@ -12440,8 +13996,8 @@
         </p:nvSpPr>
         <p:spPr>
           <a:xfrm>
-            <a:off x="725659" y="1110713"/>
-            <a:ext cx="10515600" cy="1325563"/>
+            <a:off x="544244" y="1690285"/>
+            <a:ext cx="7886700" cy="994172"/>
           </a:xfrm>
         </p:spPr>
         <p:txBody>
@@ -12464,8 +14020,8 @@
         </p:nvSpPr>
         <p:spPr>
           <a:xfrm>
-            <a:off x="866253" y="2436276"/>
-            <a:ext cx="10375005" cy="2862322"/>
+            <a:off x="649690" y="2684457"/>
+            <a:ext cx="7781254" cy="2585323"/>
           </a:xfrm>
           <a:prstGeom prst="rect">
             <a:avLst/>
@@ -12478,35 +14034,29 @@
           </a:bodyPr>
           <a:lstStyle/>
           <a:p>
-            <a:pPr marL="742950" marR="211455" indent="-742950" algn="just">
-              <a:spcAft>
-                <a:spcPts val="0"/>
-              </a:spcAft>
+            <a:pPr marL="557213" marR="158591" indent="-557213" algn="just">
               <a:buFont typeface="+mj-lt"/>
               <a:buAutoNum type="arabicPeriod"/>
             </a:pPr>
             <a:r>
-              <a:rPr lang="es-ES_tradnl" sz="3600" dirty="0">
+              <a:rPr lang="es-ES_tradnl" sz="2700" dirty="0">
                 <a:ea typeface="Calibri" panose="020F0502020204030204" pitchFamily="34" charset="0"/>
                 <a:cs typeface="Calibri" panose="020F0502020204030204" pitchFamily="34" charset="0"/>
               </a:rPr>
               <a:t>Reducir el tiempo empleado en el pago de honorarios en al menos un 50% del tiempo de ejecución.</a:t>
             </a:r>
-            <a:endParaRPr lang="es-CL" sz="3600" dirty="0">
+            <a:endParaRPr lang="es-CL" sz="2700" dirty="0">
               <a:ea typeface="Calibri" panose="020F0502020204030204" pitchFamily="34" charset="0"/>
               <a:cs typeface="Times New Roman" panose="02020603050405020304" pitchFamily="18" charset="0"/>
             </a:endParaRPr>
           </a:p>
           <a:p>
-            <a:pPr marL="742950" marR="211455" indent="-742950" algn="just">
-              <a:spcAft>
-                <a:spcPts val="0"/>
-              </a:spcAft>
+            <a:pPr marL="557213" marR="158591" indent="-557213" algn="just">
               <a:buFont typeface="+mj-lt"/>
               <a:buAutoNum type="arabicPeriod"/>
             </a:pPr>
             <a:r>
-              <a:rPr lang="es-ES_tradnl" sz="3600" dirty="0">
+              <a:rPr lang="es-ES_tradnl" sz="2700" dirty="0">
                 <a:ea typeface="Calibri" panose="020F0502020204030204" pitchFamily="34" charset="0"/>
                 <a:cs typeface="Calibri" panose="020F0502020204030204" pitchFamily="34" charset="0"/>
               </a:rPr>
@@ -12564,8 +14114,8 @@
         </p:nvSpPr>
         <p:spPr>
           <a:xfrm>
-            <a:off x="725659" y="1110713"/>
-            <a:ext cx="10515600" cy="1325563"/>
+            <a:off x="544244" y="1690285"/>
+            <a:ext cx="7886700" cy="994172"/>
           </a:xfrm>
         </p:spPr>
         <p:txBody>
@@ -12588,8 +14138,8 @@
         </p:nvSpPr>
         <p:spPr>
           <a:xfrm>
-            <a:off x="3899606" y="6099730"/>
-            <a:ext cx="4417171" cy="369332"/>
+            <a:off x="2924705" y="5432047"/>
+            <a:ext cx="3353867" cy="300082"/>
           </a:xfrm>
           <a:prstGeom prst="rect">
             <a:avLst/>
@@ -12603,15 +14153,15 @@
           <a:lstStyle/>
           <a:p>
             <a:r>
-              <a:rPr lang="es-ES_tradnl" dirty="0"/>
+              <a:rPr lang="es-ES_tradnl" sz="1350" dirty="0"/>
               <a:t>Fig. </a:t>
             </a:r>
             <a:r>
-              <a:rPr lang="es-ES_tradnl" dirty="0" smtClean="0"/>
+              <a:rPr lang="es-ES_tradnl" sz="1350" dirty="0"/>
               <a:t>2: </a:t>
             </a:r>
             <a:r>
-              <a:rPr lang="es-ES_tradnl" dirty="0"/>
+              <a:rPr lang="es-ES_tradnl" sz="1350" dirty="0"/>
               <a:t>Extracto del Modelo de datos de CMH.</a:t>
             </a:r>
           </a:p>
@@ -12633,8 +14183,8 @@
         </p:blipFill>
         <p:spPr>
           <a:xfrm>
-            <a:off x="1418806" y="2195264"/>
-            <a:ext cx="9378769" cy="3904466"/>
+            <a:off x="1064105" y="2503698"/>
+            <a:ext cx="7034077" cy="2928350"/>
           </a:xfrm>
           <a:prstGeom prst="rect">
             <a:avLst/>
@@ -12664,7 +14214,7 @@
 <file path=ppt/theme/theme1.xml><?xml version="1.0" encoding="utf-8"?>
 <a:theme xmlns:a="http://schemas.openxmlformats.org/drawingml/2006/main" name="Tema de Office">
   <a:themeElements>
-    <a:clrScheme name="Office">
+    <a:clrScheme name="Tema de Office">
       <a:dk1>
         <a:sysClr val="windowText" lastClr="000000"/>
       </a:dk1>
@@ -12702,7 +14252,7 @@
         <a:srgbClr val="954F72"/>
       </a:folHlink>
     </a:clrScheme>
-    <a:fontScheme name="Office">
+    <a:fontScheme name="Tema de Office">
       <a:majorFont>
         <a:latin typeface="Calibri Light" panose="020F0302020204030204"/>
         <a:ea typeface=""/>
@@ -12774,7 +14324,7 @@
         <a:font script="Geor" typeface="Sylfaen"/>
       </a:minorFont>
     </a:fontScheme>
-    <a:fmtScheme name="Office">
+    <a:fmtScheme name="Tema de Office">
       <a:fillStyleLst>
         <a:solidFill>
           <a:schemeClr val="phClr"/>
